--- a/Seminar/Bachelorseminar_02-07-2023.pptx
+++ b/Seminar/Bachelorseminar_02-07-2023.pptx
@@ -7,7 +7,7 @@
     <p:sldMasterId id="2147483689" r:id="rId3"/>
   </p:sldMasterIdLst>
   <p:notesMasterIdLst>
-    <p:notesMasterId r:id="rId27"/>
+    <p:notesMasterId r:id="rId25"/>
   </p:notesMasterIdLst>
   <p:sldIdLst>
     <p:sldId id="291" r:id="rId4"/>
@@ -19,20 +19,18 @@
     <p:sldId id="301" r:id="rId10"/>
     <p:sldId id="304" r:id="rId11"/>
     <p:sldId id="305" r:id="rId12"/>
-    <p:sldId id="306" r:id="rId13"/>
-    <p:sldId id="300" r:id="rId14"/>
-    <p:sldId id="308" r:id="rId15"/>
-    <p:sldId id="309" r:id="rId16"/>
-    <p:sldId id="272" r:id="rId17"/>
-    <p:sldId id="296" r:id="rId18"/>
-    <p:sldId id="299" r:id="rId19"/>
-    <p:sldId id="297" r:id="rId20"/>
-    <p:sldId id="310" r:id="rId21"/>
-    <p:sldId id="302" r:id="rId22"/>
-    <p:sldId id="298" r:id="rId23"/>
-    <p:sldId id="293" r:id="rId24"/>
-    <p:sldId id="295" r:id="rId25"/>
-    <p:sldId id="284" r:id="rId26"/>
+    <p:sldId id="300" r:id="rId13"/>
+    <p:sldId id="308" r:id="rId14"/>
+    <p:sldId id="309" r:id="rId15"/>
+    <p:sldId id="272" r:id="rId16"/>
+    <p:sldId id="296" r:id="rId17"/>
+    <p:sldId id="299" r:id="rId18"/>
+    <p:sldId id="297" r:id="rId19"/>
+    <p:sldId id="310" r:id="rId20"/>
+    <p:sldId id="302" r:id="rId21"/>
+    <p:sldId id="298" r:id="rId22"/>
+    <p:sldId id="311" r:id="rId23"/>
+    <p:sldId id="284" r:id="rId24"/>
   </p:sldIdLst>
   <p:sldSz cx="12192000" cy="6858000"/>
   <p:notesSz cx="6858000" cy="9144000"/>
@@ -221,7 +219,7 @@
           <a:p>
             <a:fld id="{A2DD4E1C-547B-4546-95CE-121FDA015484}" type="datetimeFigureOut">
               <a:rPr lang="de-DE" smtClean="0"/>
-              <a:t>04.07.2023</a:t>
+              <a:t>05.07.2023</a:t>
             </a:fld>
             <a:endParaRPr lang="de-DE"/>
           </a:p>
@@ -548,7 +546,7 @@
             </a:pPr>
             <a:r>
               <a:rPr lang="de-DE" dirty="0"/>
-              <a:t>Dabei hatte ich beim letzten Mal schon von einigen Problemen und Aufgaben gesprochen…</a:t>
+              <a:t>Dabei hatte ich beim letzten Mal schon von einigen Problemen gesprochen…</a:t>
             </a:r>
           </a:p>
         </p:txBody>
@@ -635,7 +633,7 @@
           <a:p>
             <a:r>
               <a:rPr lang="de-DE" dirty="0"/>
-              <a:t>… in Bezug auf Nutzer und Klassenverhältnis nicht ausgeglichener als zuvor… Allerdings…</a:t>
+              <a:t>… in Bezug auf Nutzer und Klassenverhältnis nicht ausgeglichener als zuvor… Allerdings dürften verschiedenste Verkehrssituationen abgebildet sein, was die Daten zumindest dahingehend repräsentativer macht.</a:t>
             </a:r>
           </a:p>
         </p:txBody>
@@ -722,7 +720,7 @@
           <a:p>
             <a:r>
               <a:rPr lang="de-DE" dirty="0"/>
-              <a:t>… in Bezug auf Nutzer und Klassenverhältnis nicht ausgeglichener als zuvor… Allerdings…</a:t>
+              <a:t>Die 158 Aufnahmen können nicht einfach so für das maschinelle Lernen genutzt werden. Die Daten müssen vorbereitet werden.</a:t>
             </a:r>
           </a:p>
         </p:txBody>
@@ -809,7 +807,7 @@
           <a:p>
             <a:r>
               <a:rPr lang="de-DE" dirty="0"/>
-              <a:t>… in Bezug auf Nutzer und Klassenverhältnis nicht ausgeglichener als zuvor… Allerdings…</a:t>
+              <a:t>Alle Klassifikatoren erhalten dabei dieselben 12 Merkmale als Eingabe, die im Wesentlichen aus deskriptiven Statistiken zu den berechneten Bewegungsdaten einer Sequenz bestehen.</a:t>
             </a:r>
           </a:p>
         </p:txBody>
@@ -831,7 +829,7 @@
           <a:p>
             <a:fld id="{3593FB6F-7BA3-4870-9D0B-837551BFB8B7}" type="slidenum">
               <a:rPr lang="de-DE" smtClean="0"/>
-              <a:t>10</a:t>
+              <a:t>12</a:t>
             </a:fld>
             <a:endParaRPr lang="de-DE"/>
           </a:p>
@@ -840,7 +838,7 @@
     </p:spTree>
     <p:extLst>
       <p:ext uri="{BB962C8B-B14F-4D97-AF65-F5344CB8AC3E}">
-        <p14:creationId xmlns:p14="http://schemas.microsoft.com/office/powerpoint/2010/main" val="1094705885"/>
+        <p14:creationId xmlns:p14="http://schemas.microsoft.com/office/powerpoint/2010/main" val="2515672857"/>
       </p:ext>
     </p:extLst>
   </p:cSld>
@@ -918,7 +916,7 @@
           <a:p>
             <a:fld id="{3593FB6F-7BA3-4870-9D0B-837551BFB8B7}" type="slidenum">
               <a:rPr lang="de-DE" smtClean="0"/>
-              <a:t>17</a:t>
+              <a:t>16</a:t>
             </a:fld>
             <a:endParaRPr lang="de-DE"/>
           </a:p>
@@ -1033,7 +1031,7 @@
             <a:fld id="{6F1E101A-BD3B-B542-8690-1916D72F307E}" type="datetime1">
               <a:rPr lang="de-DE" smtClean="0"/>
               <a:pPr/>
-              <a:t>04.07.2023</a:t>
+              <a:t>05.07.2023</a:t>
             </a:fld>
             <a:endParaRPr lang="de-DE" dirty="0"/>
           </a:p>
@@ -1049,6 +1047,18 @@
   <p:clrMapOvr>
     <a:masterClrMapping/>
   </p:clrMapOvr>
+  <mc:AlternateContent xmlns:mc="http://schemas.openxmlformats.org/markup-compatibility/2006" xmlns:p14="http://schemas.microsoft.com/office/powerpoint/2010/main">
+    <mc:Choice Requires="p14">
+      <p:transition spd="med" p14:dur="700">
+        <p:fade/>
+      </p:transition>
+    </mc:Choice>
+    <mc:Fallback xmlns="">
+      <p:transition spd="med">
+        <p:fade/>
+      </p:transition>
+    </mc:Fallback>
+  </mc:AlternateContent>
 </p:sldLayout>
 </file>
 
@@ -1177,7 +1187,7 @@
           <a:p>
             <a:fld id="{8F26348B-845F-9447-ACF0-EB8A1B8AE0E8}" type="datetime1">
               <a:rPr lang="de-DE" smtClean="0"/>
-              <a:t>04.07.2023</a:t>
+              <a:t>05.07.2023</a:t>
             </a:fld>
             <a:endParaRPr lang="de-DE" dirty="0"/>
           </a:p>
@@ -1193,6 +1203,18 @@
   <p:clrMapOvr>
     <a:masterClrMapping/>
   </p:clrMapOvr>
+  <mc:AlternateContent xmlns:mc="http://schemas.openxmlformats.org/markup-compatibility/2006" xmlns:p14="http://schemas.microsoft.com/office/powerpoint/2010/main">
+    <mc:Choice Requires="p14">
+      <p:transition spd="med" p14:dur="700">
+        <p:fade/>
+      </p:transition>
+    </mc:Choice>
+    <mc:Fallback xmlns="">
+      <p:transition spd="med">
+        <p:fade/>
+      </p:transition>
+    </mc:Fallback>
+  </mc:AlternateContent>
 </p:sldLayout>
 </file>
 
@@ -1418,7 +1440,7 @@
           <a:p>
             <a:fld id="{6F1E101A-BD3B-B542-8690-1916D72F307E}" type="datetime1">
               <a:rPr lang="de-DE" smtClean="0"/>
-              <a:t>04.07.2023</a:t>
+              <a:t>05.07.2023</a:t>
             </a:fld>
             <a:endParaRPr lang="de-DE" dirty="0"/>
           </a:p>
@@ -1434,6 +1456,18 @@
   <p:clrMapOvr>
     <a:masterClrMapping/>
   </p:clrMapOvr>
+  <mc:AlternateContent xmlns:mc="http://schemas.openxmlformats.org/markup-compatibility/2006" xmlns:p14="http://schemas.microsoft.com/office/powerpoint/2010/main">
+    <mc:Choice Requires="p14">
+      <p:transition spd="med" p14:dur="700">
+        <p:fade/>
+      </p:transition>
+    </mc:Choice>
+    <mc:Fallback xmlns="">
+      <p:transition spd="med">
+        <p:fade/>
+      </p:transition>
+    </mc:Fallback>
+  </mc:AlternateContent>
 </p:sldLayout>
 </file>
 
@@ -1645,7 +1679,7 @@
           <a:p>
             <a:fld id="{6F1E101A-BD3B-B542-8690-1916D72F307E}" type="datetime1">
               <a:rPr lang="de-DE" smtClean="0"/>
-              <a:t>04.07.2023</a:t>
+              <a:t>05.07.2023</a:t>
             </a:fld>
             <a:endParaRPr lang="de-DE" dirty="0"/>
           </a:p>
@@ -1661,6 +1695,18 @@
   <p:clrMapOvr>
     <a:masterClrMapping/>
   </p:clrMapOvr>
+  <mc:AlternateContent xmlns:mc="http://schemas.openxmlformats.org/markup-compatibility/2006" xmlns:p14="http://schemas.microsoft.com/office/powerpoint/2010/main">
+    <mc:Choice Requires="p14">
+      <p:transition spd="med" p14:dur="700">
+        <p:fade/>
+      </p:transition>
+    </mc:Choice>
+    <mc:Fallback xmlns="">
+      <p:transition spd="med">
+        <p:fade/>
+      </p:transition>
+    </mc:Fallback>
+  </mc:AlternateContent>
 </p:sldLayout>
 </file>
 
@@ -2019,7 +2065,7 @@
           <a:p>
             <a:fld id="{6F1E101A-BD3B-B542-8690-1916D72F307E}" type="datetime1">
               <a:rPr lang="de-DE" smtClean="0"/>
-              <a:t>04.07.2023</a:t>
+              <a:t>05.07.2023</a:t>
             </a:fld>
             <a:endParaRPr lang="de-DE" dirty="0"/>
           </a:p>
@@ -2035,6 +2081,18 @@
   <p:clrMapOvr>
     <a:masterClrMapping/>
   </p:clrMapOvr>
+  <mc:AlternateContent xmlns:mc="http://schemas.openxmlformats.org/markup-compatibility/2006" xmlns:p14="http://schemas.microsoft.com/office/powerpoint/2010/main">
+    <mc:Choice Requires="p14">
+      <p:transition spd="med" p14:dur="700">
+        <p:fade/>
+      </p:transition>
+    </mc:Choice>
+    <mc:Fallback xmlns="">
+      <p:transition spd="med">
+        <p:fade/>
+      </p:transition>
+    </mc:Fallback>
+  </mc:AlternateContent>
 </p:sldLayout>
 </file>
 
@@ -2356,7 +2414,7 @@
           <a:p>
             <a:fld id="{6F1E101A-BD3B-B542-8690-1916D72F307E}" type="datetime1">
               <a:rPr lang="de-DE" smtClean="0"/>
-              <a:t>04.07.2023</a:t>
+              <a:t>05.07.2023</a:t>
             </a:fld>
             <a:endParaRPr lang="de-DE" dirty="0"/>
           </a:p>
@@ -2501,6 +2559,18 @@
   <p:clrMapOvr>
     <a:masterClrMapping/>
   </p:clrMapOvr>
+  <mc:AlternateContent xmlns:mc="http://schemas.openxmlformats.org/markup-compatibility/2006" xmlns:p14="http://schemas.microsoft.com/office/powerpoint/2010/main">
+    <mc:Choice Requires="p14">
+      <p:transition spd="med" p14:dur="700">
+        <p:fade/>
+      </p:transition>
+    </mc:Choice>
+    <mc:Fallback xmlns="">
+      <p:transition spd="med">
+        <p:fade/>
+      </p:transition>
+    </mc:Fallback>
+  </mc:AlternateContent>
 </p:sldLayout>
 </file>
 
@@ -2626,6 +2696,18 @@
   <p:clrMapOvr>
     <a:masterClrMapping/>
   </p:clrMapOvr>
+  <mc:AlternateContent xmlns:mc="http://schemas.openxmlformats.org/markup-compatibility/2006" xmlns:p14="http://schemas.microsoft.com/office/powerpoint/2010/main">
+    <mc:Choice Requires="p14">
+      <p:transition spd="med" p14:dur="700">
+        <p:fade/>
+      </p:transition>
+    </mc:Choice>
+    <mc:Fallback xmlns="">
+      <p:transition spd="med">
+        <p:fade/>
+      </p:transition>
+    </mc:Fallback>
+  </mc:AlternateContent>
 </p:sldLayout>
 </file>
 
@@ -2794,7 +2876,7 @@
             <a:fld id="{6F1E101A-BD3B-B542-8690-1916D72F307E}" type="datetime1">
               <a:rPr lang="de-DE" smtClean="0"/>
               <a:pPr/>
-              <a:t>04.07.2023</a:t>
+              <a:t>05.07.2023</a:t>
             </a:fld>
             <a:endParaRPr lang="de-DE" dirty="0"/>
           </a:p>
@@ -2810,6 +2892,18 @@
   <p:clrMapOvr>
     <a:masterClrMapping/>
   </p:clrMapOvr>
+  <mc:AlternateContent xmlns:mc="http://schemas.openxmlformats.org/markup-compatibility/2006" xmlns:p14="http://schemas.microsoft.com/office/powerpoint/2010/main">
+    <mc:Choice Requires="p14">
+      <p:transition spd="med" p14:dur="700">
+        <p:fade/>
+      </p:transition>
+    </mc:Choice>
+    <mc:Fallback xmlns="">
+      <p:transition spd="med">
+        <p:fade/>
+      </p:transition>
+    </mc:Fallback>
+  </mc:AlternateContent>
 </p:sldLayout>
 </file>
 
@@ -2976,7 +3070,7 @@
             <a:fld id="{6F1E101A-BD3B-B542-8690-1916D72F307E}" type="datetime1">
               <a:rPr lang="de-DE" smtClean="0"/>
               <a:pPr/>
-              <a:t>04.07.2023</a:t>
+              <a:t>05.07.2023</a:t>
             </a:fld>
             <a:endParaRPr lang="de-DE" dirty="0"/>
           </a:p>
@@ -2992,6 +3086,18 @@
   <p:clrMapOvr>
     <a:masterClrMapping/>
   </p:clrMapOvr>
+  <mc:AlternateContent xmlns:mc="http://schemas.openxmlformats.org/markup-compatibility/2006" xmlns:p14="http://schemas.microsoft.com/office/powerpoint/2010/main">
+    <mc:Choice Requires="p14">
+      <p:transition spd="med" p14:dur="700">
+        <p:fade/>
+      </p:transition>
+    </mc:Choice>
+    <mc:Fallback xmlns="">
+      <p:transition spd="med">
+        <p:fade/>
+      </p:transition>
+    </mc:Fallback>
+  </mc:AlternateContent>
 </p:sldLayout>
 </file>
 
@@ -3208,7 +3314,7 @@
             <a:fld id="{6F1E101A-BD3B-B542-8690-1916D72F307E}" type="datetime1">
               <a:rPr lang="de-DE" smtClean="0"/>
               <a:pPr/>
-              <a:t>04.07.2023</a:t>
+              <a:t>05.07.2023</a:t>
             </a:fld>
             <a:endParaRPr lang="de-DE" dirty="0"/>
           </a:p>
@@ -3361,6 +3467,18 @@
   <p:clrMapOvr>
     <a:masterClrMapping/>
   </p:clrMapOvr>
+  <mc:AlternateContent xmlns:mc="http://schemas.openxmlformats.org/markup-compatibility/2006" xmlns:p14="http://schemas.microsoft.com/office/powerpoint/2010/main">
+    <mc:Choice Requires="p14">
+      <p:transition spd="med" p14:dur="700">
+        <p:fade/>
+      </p:transition>
+    </mc:Choice>
+    <mc:Fallback xmlns="">
+      <p:transition spd="med">
+        <p:fade/>
+      </p:transition>
+    </mc:Fallback>
+  </mc:AlternateContent>
 </p:sldLayout>
 </file>
 
@@ -3511,7 +3629,7 @@
             <a:fld id="{6F1E101A-BD3B-B542-8690-1916D72F307E}" type="datetime1">
               <a:rPr lang="de-DE" smtClean="0"/>
               <a:pPr/>
-              <a:t>04.07.2023</a:t>
+              <a:t>05.07.2023</a:t>
             </a:fld>
             <a:endParaRPr lang="de-DE" dirty="0"/>
           </a:p>
@@ -3747,6 +3865,18 @@
   <p:clrMapOvr>
     <a:masterClrMapping/>
   </p:clrMapOvr>
+  <mc:AlternateContent xmlns:mc="http://schemas.openxmlformats.org/markup-compatibility/2006" xmlns:p14="http://schemas.microsoft.com/office/powerpoint/2010/main">
+    <mc:Choice Requires="p14">
+      <p:transition spd="med" p14:dur="700">
+        <p:fade/>
+      </p:transition>
+    </mc:Choice>
+    <mc:Fallback xmlns="">
+      <p:transition spd="med">
+        <p:fade/>
+      </p:transition>
+    </mc:Fallback>
+  </mc:AlternateContent>
 </p:sldLayout>
 </file>
 
@@ -4034,7 +4164,7 @@
             <a:fld id="{6F1E101A-BD3B-B542-8690-1916D72F307E}" type="datetime1">
               <a:rPr lang="de-DE" smtClean="0"/>
               <a:pPr/>
-              <a:t>04.07.2023</a:t>
+              <a:t>05.07.2023</a:t>
             </a:fld>
             <a:endParaRPr lang="de-DE" dirty="0"/>
           </a:p>
@@ -4187,6 +4317,18 @@
   <p:clrMapOvr>
     <a:masterClrMapping/>
   </p:clrMapOvr>
+  <mc:AlternateContent xmlns:mc="http://schemas.openxmlformats.org/markup-compatibility/2006" xmlns:p14="http://schemas.microsoft.com/office/powerpoint/2010/main">
+    <mc:Choice Requires="p14">
+      <p:transition spd="med" p14:dur="700">
+        <p:fade/>
+      </p:transition>
+    </mc:Choice>
+    <mc:Fallback xmlns="">
+      <p:transition spd="med">
+        <p:fade/>
+      </p:transition>
+    </mc:Fallback>
+  </mc:AlternateContent>
 </p:sldLayout>
 </file>
 
@@ -4408,7 +4550,7 @@
             <a:fld id="{6F1E101A-BD3B-B542-8690-1916D72F307E}" type="datetime1">
               <a:rPr lang="de-DE" smtClean="0"/>
               <a:pPr/>
-              <a:t>04.07.2023</a:t>
+              <a:t>05.07.2023</a:t>
             </a:fld>
             <a:endParaRPr lang="de-DE" dirty="0"/>
           </a:p>
@@ -4644,6 +4786,18 @@
   <p:clrMapOvr>
     <a:masterClrMapping/>
   </p:clrMapOvr>
+  <mc:AlternateContent xmlns:mc="http://schemas.openxmlformats.org/markup-compatibility/2006" xmlns:p14="http://schemas.microsoft.com/office/powerpoint/2010/main">
+    <mc:Choice Requires="p14">
+      <p:transition spd="med" p14:dur="700">
+        <p:fade/>
+      </p:transition>
+    </mc:Choice>
+    <mc:Fallback xmlns="">
+      <p:transition spd="med">
+        <p:fade/>
+      </p:transition>
+    </mc:Fallback>
+  </mc:AlternateContent>
 </p:sldLayout>
 </file>
 
@@ -4703,7 +4857,7 @@
           <a:p>
             <a:fld id="{6F1E101A-BD3B-B542-8690-1916D72F307E}" type="datetime1">
               <a:rPr lang="de-DE" smtClean="0"/>
-              <a:t>04.07.2023</a:t>
+              <a:t>05.07.2023</a:t>
             </a:fld>
             <a:endParaRPr lang="de-DE" dirty="0"/>
           </a:p>
@@ -4719,6 +4873,18 @@
   <p:clrMapOvr>
     <a:masterClrMapping/>
   </p:clrMapOvr>
+  <mc:AlternateContent xmlns:mc="http://schemas.openxmlformats.org/markup-compatibility/2006" xmlns:p14="http://schemas.microsoft.com/office/powerpoint/2010/main">
+    <mc:Choice Requires="p14">
+      <p:transition spd="med" p14:dur="700">
+        <p:fade/>
+      </p:transition>
+    </mc:Choice>
+    <mc:Fallback xmlns="">
+      <p:transition spd="med">
+        <p:fade/>
+      </p:transition>
+    </mc:Fallback>
+  </mc:AlternateContent>
 </p:sldLayout>
 </file>
 
@@ -4810,7 +4976,7 @@
           <a:p>
             <a:fld id="{6F1E101A-BD3B-B542-8690-1916D72F307E}" type="datetime1">
               <a:rPr lang="de-DE" smtClean="0"/>
-              <a:t>04.07.2023</a:t>
+              <a:t>05.07.2023</a:t>
             </a:fld>
             <a:endParaRPr lang="de-DE" dirty="0"/>
           </a:p>
@@ -4826,6 +4992,18 @@
   <p:clrMapOvr>
     <a:masterClrMapping/>
   </p:clrMapOvr>
+  <mc:AlternateContent xmlns:mc="http://schemas.openxmlformats.org/markup-compatibility/2006" xmlns:p14="http://schemas.microsoft.com/office/powerpoint/2010/main">
+    <mc:Choice Requires="p14">
+      <p:transition spd="med" p14:dur="700">
+        <p:fade/>
+      </p:transition>
+    </mc:Choice>
+    <mc:Fallback xmlns="">
+      <p:transition spd="med">
+        <p:fade/>
+      </p:transition>
+    </mc:Fallback>
+  </mc:AlternateContent>
 </p:sldLayout>
 </file>
 
@@ -5021,7 +5199,7 @@
             <a:fld id="{6F1E101A-BD3B-B542-8690-1916D72F307E}" type="datetime1">
               <a:rPr lang="de-DE" smtClean="0"/>
               <a:pPr/>
-              <a:t>04.07.2023</a:t>
+              <a:t>05.07.2023</a:t>
             </a:fld>
             <a:endParaRPr lang="de-DE" dirty="0"/>
           </a:p>
@@ -5181,6 +5359,18 @@
     <p:sldLayoutId id="2147483678" r:id="rId6"/>
     <p:sldLayoutId id="2147483679" r:id="rId7"/>
   </p:sldLayoutIdLst>
+  <mc:AlternateContent xmlns:mc="http://schemas.openxmlformats.org/markup-compatibility/2006" xmlns:p14="http://schemas.microsoft.com/office/powerpoint/2010/main">
+    <mc:Choice Requires="p14">
+      <p:transition spd="med" p14:dur="700">
+        <p:fade/>
+      </p:transition>
+    </mc:Choice>
+    <mc:Fallback xmlns="">
+      <p:transition spd="med">
+        <p:fade/>
+      </p:transition>
+    </mc:Fallback>
+  </mc:AlternateContent>
   <p:hf hdr="0"/>
   <p:txStyles>
     <p:titleStyle>
@@ -5686,7 +5876,7 @@
           <a:p>
             <a:fld id="{6F1E101A-BD3B-B542-8690-1916D72F307E}" type="datetime1">
               <a:rPr lang="de-DE" smtClean="0"/>
-              <a:t>04.07.2023</a:t>
+              <a:t>05.07.2023</a:t>
             </a:fld>
             <a:endParaRPr lang="de-DE" dirty="0"/>
           </a:p>
@@ -5926,6 +6116,18 @@
     <p:sldLayoutId id="2147483687" r:id="rId6"/>
     <p:sldLayoutId id="2147483688" r:id="rId7"/>
   </p:sldLayoutIdLst>
+  <mc:AlternateContent xmlns:mc="http://schemas.openxmlformats.org/markup-compatibility/2006" xmlns:p14="http://schemas.microsoft.com/office/powerpoint/2010/main">
+    <mc:Choice Requires="p14">
+      <p:transition spd="med" p14:dur="700">
+        <p:fade/>
+      </p:transition>
+    </mc:Choice>
+    <mc:Fallback xmlns="">
+      <p:transition spd="med">
+        <p:fade/>
+      </p:transition>
+    </mc:Fallback>
+  </mc:AlternateContent>
   <p:hf hdr="0"/>
   <p:txStyles>
     <p:titleStyle>
@@ -6597,6 +6799,18 @@
   <p:sldLayoutIdLst>
     <p:sldLayoutId id="2147483690" r:id="rId1"/>
   </p:sldLayoutIdLst>
+  <mc:AlternateContent xmlns:mc="http://schemas.openxmlformats.org/markup-compatibility/2006" xmlns:p14="http://schemas.microsoft.com/office/powerpoint/2010/main">
+    <mc:Choice Requires="p14">
+      <p:transition spd="med" p14:dur="700">
+        <p:fade/>
+      </p:transition>
+    </mc:Choice>
+    <mc:Fallback xmlns="">
+      <p:transition spd="med">
+        <p:fade/>
+      </p:transition>
+    </mc:Fallback>
+  </mc:AlternateContent>
   <p:hf hdr="0"/>
   <p:txStyles>
     <p:titleStyle>
@@ -6980,7 +7194,7 @@
             <a:fld id="{6F1E101A-BD3B-B542-8690-1916D72F307E}" type="datetime1">
               <a:rPr lang="de-DE" smtClean="0"/>
               <a:pPr/>
-              <a:t>04.07.2023</a:t>
+              <a:t>05.07.2023</a:t>
             </a:fld>
             <a:endParaRPr lang="de-DE" dirty="0"/>
           </a:p>
@@ -7055,6 +7269,18 @@
   <p:clrMapOvr>
     <a:masterClrMapping/>
   </p:clrMapOvr>
+  <mc:AlternateContent xmlns:mc="http://schemas.openxmlformats.org/markup-compatibility/2006" xmlns:p14="http://schemas.microsoft.com/office/powerpoint/2010/main">
+    <mc:Choice Requires="p14">
+      <p:transition spd="med" p14:dur="700">
+        <p:fade/>
+      </p:transition>
+    </mc:Choice>
+    <mc:Fallback xmlns="">
+      <p:transition spd="med">
+        <p:fade/>
+      </p:transition>
+    </mc:Fallback>
+  </mc:AlternateContent>
 </p:sld>
 </file>
 
@@ -7080,7 +7306,7 @@
           <p:cNvPr id="2" name="Titel 1">
             <a:extLst>
               <a:ext uri="{FF2B5EF4-FFF2-40B4-BE49-F238E27FC236}">
-                <a16:creationId xmlns:a16="http://schemas.microsoft.com/office/drawing/2014/main" id="{67FE7B62-6151-683B-CAB7-14BCB37FB787}"/>
+                <a16:creationId xmlns:a16="http://schemas.microsoft.com/office/drawing/2014/main" id="{1307540C-F2DD-39C5-6AAD-8A22F4C5EED3}"/>
               </a:ext>
             </a:extLst>
           </p:cNvPr>
@@ -7100,17 +7326,17 @@
           <a:p>
             <a:r>
               <a:rPr lang="de-DE" dirty="0"/>
-              <a:t>Datenvorbereitung</a:t>
+              <a:t>Aktueller Stand: Map-Matching</a:t>
             </a:r>
           </a:p>
         </p:txBody>
       </p:sp>
       <p:sp>
         <p:nvSpPr>
-          <p:cNvPr id="4" name="Textplatzhalter 3">
-            <a:extLst>
-              <a:ext uri="{FF2B5EF4-FFF2-40B4-BE49-F238E27FC236}">
-                <a16:creationId xmlns:a16="http://schemas.microsoft.com/office/drawing/2014/main" id="{38436B24-737D-7745-F381-CCC7025F43A5}"/>
+          <p:cNvPr id="3" name="Textplatzhalter 2">
+            <a:extLst>
+              <a:ext uri="{FF2B5EF4-FFF2-40B4-BE49-F238E27FC236}">
+                <a16:creationId xmlns:a16="http://schemas.microsoft.com/office/drawing/2014/main" id="{14EEAC35-0616-71E1-437A-DA03C339A353}"/>
               </a:ext>
             </a:extLst>
           </p:cNvPr>
@@ -7121,33 +7347,23 @@
             <p:ph type="body" idx="11"/>
           </p:nvPr>
         </p:nvSpPr>
-        <p:spPr>
-          <a:xfrm>
-            <a:off x="539999" y="1350000"/>
-            <a:ext cx="11159999" cy="360000"/>
-          </a:xfrm>
-        </p:spPr>
+        <p:spPr/>
         <p:txBody>
           <a:bodyPr>
-            <a:normAutofit fontScale="92500" lnSpcReduction="10000"/>
+            <a:normAutofit fontScale="92500" lnSpcReduction="20000"/>
           </a:bodyPr>
           <a:lstStyle/>
           <a:p>
-            <a:r>
-              <a:rPr lang="de-DE" b="1" dirty="0">
-                <a:latin typeface="Helvetica Neue"/>
-              </a:rPr>
-              <a:t>Erweiterung um berechnete Bewegungsinformationen</a:t>
-            </a:r>
+            <a:endParaRPr lang="de-DE" dirty="0"/>
           </a:p>
         </p:txBody>
       </p:sp>
       <p:sp>
         <p:nvSpPr>
-          <p:cNvPr id="7" name="Datumsplatzhalter 6">
-            <a:extLst>
-              <a:ext uri="{FF2B5EF4-FFF2-40B4-BE49-F238E27FC236}">
-                <a16:creationId xmlns:a16="http://schemas.microsoft.com/office/drawing/2014/main" id="{4083538D-A5C0-0699-FECB-F47D0F81480E}"/>
+          <p:cNvPr id="4" name="Datumsplatzhalter 3">
+            <a:extLst>
+              <a:ext uri="{FF2B5EF4-FFF2-40B4-BE49-F238E27FC236}">
+                <a16:creationId xmlns:a16="http://schemas.microsoft.com/office/drawing/2014/main" id="{865B40A7-51D0-2AD4-E9C0-BEBC1C99F13F}"/>
               </a:ext>
             </a:extLst>
           </p:cNvPr>
@@ -7212,7 +7428,7 @@
                 <a:tabLst/>
                 <a:defRPr/>
               </a:pPr>
-              <a:t>04.07.2023</a:t>
+              <a:t>05.07.2023</a:t>
             </a:fld>
             <a:endParaRPr kumimoji="0" lang="de-DE" sz="1800" b="0" i="0" u="none" strike="noStrike" kern="1200" cap="none" spc="0" normalizeH="0" baseline="0" noProof="0" dirty="0">
               <a:ln>
@@ -7231,200 +7447,24 @@
           </a:p>
         </p:txBody>
       </p:sp>
-      <p:pic>
-        <p:nvPicPr>
-          <p:cNvPr id="9" name="Grafik 8">
-            <a:extLst>
-              <a:ext uri="{FF2B5EF4-FFF2-40B4-BE49-F238E27FC236}">
-                <a16:creationId xmlns:a16="http://schemas.microsoft.com/office/drawing/2014/main" id="{8F019482-78FB-7E04-6F8A-FB20A75BCFF8}"/>
-              </a:ext>
-            </a:extLst>
-          </p:cNvPr>
-          <p:cNvPicPr>
-            <a:picLocks noChangeAspect="1"/>
-          </p:cNvPicPr>
-          <p:nvPr/>
-        </p:nvPicPr>
-        <p:blipFill>
-          <a:blip r:embed="rId3"/>
-          <a:stretch>
-            <a:fillRect/>
-          </a:stretch>
-        </p:blipFill>
-        <p:spPr>
-          <a:xfrm>
-            <a:off x="1999860" y="1768854"/>
-            <a:ext cx="8240275" cy="1343212"/>
-          </a:xfrm>
-          <a:prstGeom prst="rect">
-            <a:avLst/>
-          </a:prstGeom>
-        </p:spPr>
-      </p:pic>
-      <p:pic>
-        <p:nvPicPr>
-          <p:cNvPr id="11" name="Grafik 10">
-            <a:extLst>
-              <a:ext uri="{FF2B5EF4-FFF2-40B4-BE49-F238E27FC236}">
-                <a16:creationId xmlns:a16="http://schemas.microsoft.com/office/drawing/2014/main" id="{DCC64E52-193F-2A23-F860-DABE3695D28E}"/>
-              </a:ext>
-            </a:extLst>
-          </p:cNvPr>
-          <p:cNvPicPr>
-            <a:picLocks noChangeAspect="1"/>
-          </p:cNvPicPr>
-          <p:nvPr/>
-        </p:nvPicPr>
-        <p:blipFill>
-          <a:blip r:embed="rId4"/>
-          <a:stretch>
-            <a:fillRect/>
-          </a:stretch>
-        </p:blipFill>
-        <p:spPr>
-          <a:xfrm>
-            <a:off x="178962" y="4260475"/>
-            <a:ext cx="11834075" cy="1060883"/>
-          </a:xfrm>
-          <a:prstGeom prst="rect">
-            <a:avLst/>
-          </a:prstGeom>
-        </p:spPr>
-      </p:pic>
-      <p:sp>
-        <p:nvSpPr>
-          <p:cNvPr id="12" name="Pfeil: nach unten 11">
-            <a:extLst>
-              <a:ext uri="{FF2B5EF4-FFF2-40B4-BE49-F238E27FC236}">
-                <a16:creationId xmlns:a16="http://schemas.microsoft.com/office/drawing/2014/main" id="{6D38D22B-EC10-7218-B09D-CE7DF87C1191}"/>
-              </a:ext>
-            </a:extLst>
-          </p:cNvPr>
-          <p:cNvSpPr/>
-          <p:nvPr/>
-        </p:nvSpPr>
-        <p:spPr>
-          <a:xfrm>
-            <a:off x="5613632" y="3429000"/>
-            <a:ext cx="964734" cy="652770"/>
-          </a:xfrm>
-          <a:prstGeom prst="downArrow">
-            <a:avLst/>
-          </a:prstGeom>
-        </p:spPr>
-        <p:style>
-          <a:lnRef idx="2">
-            <a:schemeClr val="accent1">
-              <a:shade val="15000"/>
-            </a:schemeClr>
-          </a:lnRef>
-          <a:fillRef idx="1">
-            <a:schemeClr val="accent1"/>
-          </a:fillRef>
-          <a:effectRef idx="0">
-            <a:schemeClr val="accent1"/>
-          </a:effectRef>
-          <a:fontRef idx="minor">
-            <a:schemeClr val="lt1"/>
-          </a:fontRef>
-        </p:style>
-        <p:txBody>
-          <a:bodyPr rtlCol="0" anchor="ctr"/>
-          <a:lstStyle/>
-          <a:p>
-            <a:pPr algn="ctr"/>
-            <a:endParaRPr lang="de-DE"/>
-          </a:p>
-        </p:txBody>
-      </p:sp>
-      <p:sp>
-        <p:nvSpPr>
-          <p:cNvPr id="13" name="Textfeld 12">
-            <a:extLst>
-              <a:ext uri="{FF2B5EF4-FFF2-40B4-BE49-F238E27FC236}">
-                <a16:creationId xmlns:a16="http://schemas.microsoft.com/office/drawing/2014/main" id="{623E1701-DCEB-6341-57B2-A571FCA5B283}"/>
-              </a:ext>
-            </a:extLst>
-          </p:cNvPr>
-          <p:cNvSpPr txBox="1"/>
-          <p:nvPr/>
-        </p:nvSpPr>
-        <p:spPr>
-          <a:xfrm>
-            <a:off x="5886273" y="2921880"/>
-            <a:ext cx="419449" cy="523220"/>
-          </a:xfrm>
-          <a:prstGeom prst="rect">
-            <a:avLst/>
-          </a:prstGeom>
-          <a:noFill/>
-        </p:spPr>
-        <p:txBody>
-          <a:bodyPr wrap="square" rtlCol="0">
-            <a:spAutoFit/>
-          </a:bodyPr>
-          <a:lstStyle/>
-          <a:p>
-            <a:r>
-              <a:rPr lang="de-DE" sz="2800" b="1" dirty="0"/>
-              <a:t>…</a:t>
-            </a:r>
-          </a:p>
-        </p:txBody>
-      </p:sp>
-      <p:sp>
-        <p:nvSpPr>
-          <p:cNvPr id="16" name="Textfeld 15">
-            <a:extLst>
-              <a:ext uri="{FF2B5EF4-FFF2-40B4-BE49-F238E27FC236}">
-                <a16:creationId xmlns:a16="http://schemas.microsoft.com/office/drawing/2014/main" id="{4F27A6E3-6101-41E3-D193-E1501FECAD6C}"/>
-              </a:ext>
-            </a:extLst>
-          </p:cNvPr>
-          <p:cNvSpPr txBox="1"/>
-          <p:nvPr/>
-        </p:nvSpPr>
-        <p:spPr>
-          <a:xfrm>
-            <a:off x="5886272" y="5139321"/>
-            <a:ext cx="419449" cy="523220"/>
-          </a:xfrm>
-          <a:prstGeom prst="rect">
-            <a:avLst/>
-          </a:prstGeom>
-          <a:noFill/>
-        </p:spPr>
-        <p:txBody>
-          <a:bodyPr wrap="square" rtlCol="0">
-            <a:spAutoFit/>
-          </a:bodyPr>
-          <a:lstStyle/>
-          <a:p>
-            <a:r>
-              <a:rPr lang="de-DE" sz="2800" b="1" dirty="0"/>
-              <a:t>…</a:t>
-            </a:r>
-          </a:p>
-        </p:txBody>
-      </p:sp>
     </p:spTree>
     <p:extLst>
       <p:ext uri="{BB962C8B-B14F-4D97-AF65-F5344CB8AC3E}">
-        <p14:creationId xmlns:p14="http://schemas.microsoft.com/office/powerpoint/2010/main" val="527222674"/>
+        <p14:creationId xmlns:p14="http://schemas.microsoft.com/office/powerpoint/2010/main" val="1198131991"/>
       </p:ext>
     </p:extLst>
   </p:cSld>
   <p:clrMapOvr>
     <a:masterClrMapping/>
   </p:clrMapOvr>
-  <mc:AlternateContent xmlns:mc="http://schemas.openxmlformats.org/markup-compatibility/2006">
-    <mc:Choice xmlns:p159="http://schemas.microsoft.com/office/powerpoint/2015/09/main" Requires="p159">
-      <p:transition xmlns:p14="http://schemas.microsoft.com/office/powerpoint/2010/main" spd="slow" p14:dur="1500">
-        <p159:morph option="byObject"/>
+  <mc:AlternateContent xmlns:mc="http://schemas.openxmlformats.org/markup-compatibility/2006" xmlns:p14="http://schemas.microsoft.com/office/powerpoint/2010/main">
+    <mc:Choice Requires="p14">
+      <p:transition spd="med" p14:dur="700">
+        <p:fade/>
       </p:transition>
     </mc:Choice>
-    <mc:Fallback>
-      <p:transition spd="slow">
+    <mc:Fallback xmlns="">
+      <p:transition spd="med">
         <p:fade/>
       </p:transition>
     </mc:Fallback>
@@ -7454,7 +7494,7 @@
           <p:cNvPr id="2" name="Titel 1">
             <a:extLst>
               <a:ext uri="{FF2B5EF4-FFF2-40B4-BE49-F238E27FC236}">
-                <a16:creationId xmlns:a16="http://schemas.microsoft.com/office/drawing/2014/main" id="{1307540C-F2DD-39C5-6AAD-8A22F4C5EED3}"/>
+                <a16:creationId xmlns:a16="http://schemas.microsoft.com/office/drawing/2014/main" id="{67FE7B62-6151-683B-CAB7-14BCB37FB787}"/>
               </a:ext>
             </a:extLst>
           </p:cNvPr>
@@ -7474,44 +7514,17 @@
           <a:p>
             <a:r>
               <a:rPr lang="de-DE" dirty="0"/>
-              <a:t>Aktueller Stand: Map-Matching</a:t>
+              <a:t>Map-Matching</a:t>
             </a:r>
           </a:p>
         </p:txBody>
       </p:sp>
       <p:sp>
         <p:nvSpPr>
-          <p:cNvPr id="3" name="Textplatzhalter 2">
-            <a:extLst>
-              <a:ext uri="{FF2B5EF4-FFF2-40B4-BE49-F238E27FC236}">
-                <a16:creationId xmlns:a16="http://schemas.microsoft.com/office/drawing/2014/main" id="{14EEAC35-0616-71E1-437A-DA03C339A353}"/>
-              </a:ext>
-            </a:extLst>
-          </p:cNvPr>
-          <p:cNvSpPr>
-            <a:spLocks noGrp="1"/>
-          </p:cNvSpPr>
-          <p:nvPr>
-            <p:ph type="body" idx="11"/>
-          </p:nvPr>
-        </p:nvSpPr>
-        <p:spPr/>
-        <p:txBody>
-          <a:bodyPr>
-            <a:normAutofit fontScale="92500" lnSpcReduction="20000"/>
-          </a:bodyPr>
-          <a:lstStyle/>
-          <a:p>
-            <a:endParaRPr lang="de-DE" dirty="0"/>
-          </a:p>
-        </p:txBody>
-      </p:sp>
-      <p:sp>
-        <p:nvSpPr>
-          <p:cNvPr id="4" name="Datumsplatzhalter 3">
-            <a:extLst>
-              <a:ext uri="{FF2B5EF4-FFF2-40B4-BE49-F238E27FC236}">
-                <a16:creationId xmlns:a16="http://schemas.microsoft.com/office/drawing/2014/main" id="{865B40A7-51D0-2AD4-E9C0-BEBC1C99F13F}"/>
+          <p:cNvPr id="7" name="Datumsplatzhalter 6">
+            <a:extLst>
+              <a:ext uri="{FF2B5EF4-FFF2-40B4-BE49-F238E27FC236}">
+                <a16:creationId xmlns:a16="http://schemas.microsoft.com/office/drawing/2014/main" id="{4083538D-A5C0-0699-FECB-F47D0F81480E}"/>
               </a:ext>
             </a:extLst>
           </p:cNvPr>
@@ -7576,159 +7589,7 @@
                 <a:tabLst/>
                 <a:defRPr/>
               </a:pPr>
-              <a:t>04.07.2023</a:t>
-            </a:fld>
-            <a:endParaRPr kumimoji="0" lang="de-DE" sz="1800" b="0" i="0" u="none" strike="noStrike" kern="1200" cap="none" spc="0" normalizeH="0" baseline="0" noProof="0" dirty="0">
-              <a:ln>
-                <a:noFill/>
-              </a:ln>
-              <a:solidFill>
-                <a:srgbClr val="6F6259"/>
-              </a:solidFill>
-              <a:effectLst/>
-              <a:uLnTx/>
-              <a:uFillTx/>
-              <a:latin typeface="Roboto Light"/>
-              <a:ea typeface="+mn-ea"/>
-              <a:cs typeface="+mn-cs"/>
-            </a:endParaRPr>
-          </a:p>
-        </p:txBody>
-      </p:sp>
-    </p:spTree>
-    <p:extLst>
-      <p:ext uri="{BB962C8B-B14F-4D97-AF65-F5344CB8AC3E}">
-        <p14:creationId xmlns:p14="http://schemas.microsoft.com/office/powerpoint/2010/main" val="1198131991"/>
-      </p:ext>
-    </p:extLst>
-  </p:cSld>
-  <p:clrMapOvr>
-    <a:masterClrMapping/>
-  </p:clrMapOvr>
-  <p:transition spd="slow">
-    <p:fade/>
-  </p:transition>
-</p:sld>
-</file>
-
-<file path=ppt/slides/slide12.xml><?xml version="1.0" encoding="utf-8"?>
-<p:sld xmlns:a="http://schemas.openxmlformats.org/drawingml/2006/main" xmlns:r="http://schemas.openxmlformats.org/officeDocument/2006/relationships" xmlns:p="http://schemas.openxmlformats.org/presentationml/2006/main">
-  <p:cSld>
-    <p:spTree>
-      <p:nvGrpSpPr>
-        <p:cNvPr id="1" name=""/>
-        <p:cNvGrpSpPr/>
-        <p:nvPr/>
-      </p:nvGrpSpPr>
-      <p:grpSpPr>
-        <a:xfrm>
-          <a:off x="0" y="0"/>
-          <a:ext cx="0" cy="0"/>
-          <a:chOff x="0" y="0"/>
-          <a:chExt cx="0" cy="0"/>
-        </a:xfrm>
-      </p:grpSpPr>
-      <p:sp>
-        <p:nvSpPr>
-          <p:cNvPr id="2" name="Titel 1">
-            <a:extLst>
-              <a:ext uri="{FF2B5EF4-FFF2-40B4-BE49-F238E27FC236}">
-                <a16:creationId xmlns:a16="http://schemas.microsoft.com/office/drawing/2014/main" id="{67FE7B62-6151-683B-CAB7-14BCB37FB787}"/>
-              </a:ext>
-            </a:extLst>
-          </p:cNvPr>
-          <p:cNvSpPr>
-            <a:spLocks noGrp="1"/>
-          </p:cNvSpPr>
-          <p:nvPr>
-            <p:ph type="title"/>
-          </p:nvPr>
-        </p:nvSpPr>
-        <p:spPr/>
-        <p:txBody>
-          <a:bodyPr>
-            <a:normAutofit fontScale="90000"/>
-          </a:bodyPr>
-          <a:lstStyle/>
-          <a:p>
-            <a:r>
-              <a:rPr lang="de-DE" dirty="0"/>
-              <a:t>Map-Matching</a:t>
-            </a:r>
-          </a:p>
-        </p:txBody>
-      </p:sp>
-      <p:sp>
-        <p:nvSpPr>
-          <p:cNvPr id="7" name="Datumsplatzhalter 6">
-            <a:extLst>
-              <a:ext uri="{FF2B5EF4-FFF2-40B4-BE49-F238E27FC236}">
-                <a16:creationId xmlns:a16="http://schemas.microsoft.com/office/drawing/2014/main" id="{4083538D-A5C0-0699-FECB-F47D0F81480E}"/>
-              </a:ext>
-            </a:extLst>
-          </p:cNvPr>
-          <p:cNvSpPr>
-            <a:spLocks noGrp="1"/>
-          </p:cNvSpPr>
-          <p:nvPr>
-            <p:ph type="dt" sz="half" idx="2"/>
-          </p:nvPr>
-        </p:nvSpPr>
-        <p:spPr/>
-        <p:txBody>
-          <a:bodyPr/>
-          <a:lstStyle/>
-          <a:p>
-            <a:pPr marL="0" marR="0" lvl="0" indent="0" algn="l" defTabSz="914400" rtl="0" eaLnBrk="1" fontAlgn="auto" latinLnBrk="0" hangingPunct="1">
-              <a:lnSpc>
-                <a:spcPct val="100000"/>
-              </a:lnSpc>
-              <a:spcBef>
-                <a:spcPts val="0"/>
-              </a:spcBef>
-              <a:spcAft>
-                <a:spcPts val="0"/>
-              </a:spcAft>
-              <a:buClrTx/>
-              <a:buSzTx/>
-              <a:buFontTx/>
-              <a:buNone/>
-              <a:tabLst/>
-              <a:defRPr/>
-            </a:pPr>
-            <a:fld id="{6F1E101A-BD3B-B542-8690-1916D72F307E}" type="datetime1">
-              <a:rPr kumimoji="0" lang="de-DE" sz="1800" b="0" i="0" u="none" strike="noStrike" kern="1200" cap="none" spc="0" normalizeH="0" baseline="0" noProof="0" smtClean="0">
-                <a:ln>
-                  <a:noFill/>
-                </a:ln>
-                <a:solidFill>
-                  <a:srgbClr val="6F6259"/>
-                </a:solidFill>
-                <a:effectLst/>
-                <a:uLnTx/>
-                <a:uFillTx/>
-                <a:latin typeface="Roboto Light"/>
-                <a:ea typeface="+mn-ea"/>
-                <a:cs typeface="+mn-cs"/>
-              </a:rPr>
-              <a:pPr marL="0" marR="0" lvl="0" indent="0" algn="l" defTabSz="914400" rtl="0" eaLnBrk="1" fontAlgn="auto" latinLnBrk="0" hangingPunct="1">
-                <a:lnSpc>
-                  <a:spcPct val="100000"/>
-                </a:lnSpc>
-                <a:spcBef>
-                  <a:spcPts val="0"/>
-                </a:spcBef>
-                <a:spcAft>
-                  <a:spcPts val="0"/>
-                </a:spcAft>
-                <a:buClrTx/>
-                <a:buSzTx/>
-                <a:buFontTx/>
-                <a:buNone/>
-                <a:tabLst/>
-                <a:defRPr/>
-              </a:pPr>
-              <a:t>04.07.2023</a:t>
+              <a:t>05.07.2023</a:t>
             </a:fld>
             <a:endParaRPr kumimoji="0" lang="de-DE" sz="1800" b="0" i="0" u="none" strike="noStrike" kern="1200" cap="none" spc="0" normalizeH="0" baseline="0" noProof="0" dirty="0">
               <a:ln>
@@ -8005,7 +7866,7 @@
         </p:spPr>
         <p:txBody>
           <a:bodyPr vert="horz" lIns="91440" tIns="45720" rIns="91440" bIns="45720" rtlCol="0">
-            <a:normAutofit lnSpcReduction="10000"/>
+            <a:normAutofit/>
           </a:bodyPr>
           <a:lstStyle>
             <a:lvl1pPr marL="228600" indent="-228600" algn="l" defTabSz="914400" rtl="0" eaLnBrk="1" latinLnBrk="0" hangingPunct="1">
@@ -8198,16 +8059,7 @@
                 <a:latin typeface="Helvetica Neue"/>
                 <a:sym typeface="Wingdings" panose="05000000000000000000" pitchFamily="2" charset="2"/>
               </a:rPr>
-              <a:t>Nutzung der Map-Matching-Engine „Valhalla“</a:t>
-            </a:r>
-          </a:p>
-          <a:p>
-            <a:r>
-              <a:rPr lang="de-DE" dirty="0">
-                <a:latin typeface="Helvetica Neue"/>
-                <a:sym typeface="Wingdings" panose="05000000000000000000" pitchFamily="2" charset="2"/>
-              </a:rPr>
-              <a:t>Map-Matching ist vollständig umgesetzt und hinsichtlich der Parameter optimiert</a:t>
+              <a:t>Map-Matching ist mittels „Valhalla“ vollständig umgesetzt und hinsichtlich der Parameter optimiert</a:t>
             </a:r>
           </a:p>
           <a:p>
@@ -8308,14 +8160,14 @@
   <p:clrMapOvr>
     <a:masterClrMapping/>
   </p:clrMapOvr>
-  <mc:AlternateContent xmlns:mc="http://schemas.openxmlformats.org/markup-compatibility/2006">
-    <mc:Choice xmlns:p159="http://schemas.microsoft.com/office/powerpoint/2015/09/main" Requires="p159">
-      <p:transition xmlns:p14="http://schemas.microsoft.com/office/powerpoint/2010/main" spd="slow" p14:dur="1500">
-        <p159:morph option="byObject"/>
+  <mc:AlternateContent xmlns:mc="http://schemas.openxmlformats.org/markup-compatibility/2006" xmlns:p14="http://schemas.microsoft.com/office/powerpoint/2010/main">
+    <mc:Choice Requires="p14">
+      <p:transition spd="med" p14:dur="700">
+        <p:fade/>
       </p:transition>
     </mc:Choice>
-    <mc:Fallback>
-      <p:transition spd="slow">
+    <mc:Fallback xmlns="">
+      <p:transition spd="med">
         <p:fade/>
       </p:transition>
     </mc:Fallback>
@@ -8409,7 +8261,7 @@
 </p:sld>
 </file>
 
-<file path=ppt/slides/slide13.xml><?xml version="1.0" encoding="utf-8"?>
+<file path=ppt/slides/slide12.xml><?xml version="1.0" encoding="utf-8"?>
 <p:sld xmlns:a="http://schemas.openxmlformats.org/drawingml/2006/main" xmlns:r="http://schemas.openxmlformats.org/officeDocument/2006/relationships" xmlns:p="http://schemas.openxmlformats.org/presentationml/2006/main">
   <p:cSld>
     <p:spTree>
@@ -8526,7 +8378,7 @@
                 <a:tabLst/>
                 <a:defRPr/>
               </a:pPr>
-              <a:t>04.07.2023</a:t>
+              <a:t>05.07.2023</a:t>
             </a:fld>
             <a:endParaRPr kumimoji="0" lang="de-DE" sz="1800" b="0" i="0" u="none" strike="noStrike" kern="1200" cap="none" spc="0" normalizeH="0" baseline="0" noProof="0" dirty="0">
               <a:ln>
@@ -8810,7 +8662,7 @@
                 <a:latin typeface="Helvetica Neue"/>
                 <a:sym typeface="Wingdings" panose="05000000000000000000" pitchFamily="2" charset="2"/>
               </a:rPr>
-              <a:t>Eingabe: Zusammenfassung der Sequenzen mittels deskriptiver Merkmale</a:t>
+              <a:t>Eingabe: 12 Merkmale </a:t>
             </a:r>
           </a:p>
           <a:p>
@@ -8823,7 +8675,24 @@
                 <a:latin typeface="Helvetica Neue"/>
                 <a:sym typeface="Wingdings" panose="05000000000000000000" pitchFamily="2" charset="2"/>
               </a:rPr>
-              <a:t>Geschwindigkeit 	 Mittelwert, Standardabweichung, 10%-Quantil und 90%-Quantil</a:t>
+              <a:t>Dauer</a:t>
+            </a:r>
+            <a:endParaRPr lang="de-DE" dirty="0">
+              <a:latin typeface="Helvetica Neue"/>
+              <a:sym typeface="Wingdings" panose="05000000000000000000" pitchFamily="2" charset="2"/>
+            </a:endParaRPr>
+          </a:p>
+          <a:p>
+            <a:pPr lvl="1">
+              <a:buFont typeface="Wingdings" panose="05000000000000000000" pitchFamily="2" charset="2"/>
+              <a:buChar char="§"/>
+            </a:pPr>
+            <a:r>
+              <a:rPr lang="de-DE" sz="1600" dirty="0">
+                <a:latin typeface="Helvetica Neue"/>
+                <a:sym typeface="Wingdings" panose="05000000000000000000" pitchFamily="2" charset="2"/>
+              </a:rPr>
+              <a:t>Geschwindigkeit 	 Mittelwert, Standardabweichung, 10%-, 50%- und 90%-Quantil</a:t>
             </a:r>
           </a:p>
           <a:p>
@@ -8884,14 +8753,400 @@
   <p:clrMapOvr>
     <a:masterClrMapping/>
   </p:clrMapOvr>
-  <mc:AlternateContent xmlns:mc="http://schemas.openxmlformats.org/markup-compatibility/2006">
-    <mc:Choice xmlns:p159="http://schemas.microsoft.com/office/powerpoint/2015/09/main" Requires="p159">
-      <p:transition xmlns:p14="http://schemas.microsoft.com/office/powerpoint/2010/main" spd="slow" p14:dur="1500">
-        <p159:morph option="byObject"/>
+  <mc:AlternateContent xmlns:mc="http://schemas.openxmlformats.org/markup-compatibility/2006" xmlns:p14="http://schemas.microsoft.com/office/powerpoint/2010/main">
+    <mc:Choice Requires="p14">
+      <p:transition spd="med" p14:dur="700">
+        <p:fade/>
       </p:transition>
     </mc:Choice>
-    <mc:Fallback>
-      <p:transition spd="slow">
+    <mc:Fallback xmlns="">
+      <p:transition spd="med">
+        <p:fade/>
+      </p:transition>
+    </mc:Fallback>
+  </mc:AlternateContent>
+</p:sld>
+</file>
+
+<file path=ppt/slides/slide13.xml><?xml version="1.0" encoding="utf-8"?>
+<p:sld xmlns:a="http://schemas.openxmlformats.org/drawingml/2006/main" xmlns:r="http://schemas.openxmlformats.org/officeDocument/2006/relationships" xmlns:p="http://schemas.openxmlformats.org/presentationml/2006/main">
+  <p:cSld>
+    <p:spTree>
+      <p:nvGrpSpPr>
+        <p:cNvPr id="1" name=""/>
+        <p:cNvGrpSpPr/>
+        <p:nvPr/>
+      </p:nvGrpSpPr>
+      <p:grpSpPr>
+        <a:xfrm>
+          <a:off x="0" y="0"/>
+          <a:ext cx="0" cy="0"/>
+          <a:chOff x="0" y="0"/>
+          <a:chExt cx="0" cy="0"/>
+        </a:xfrm>
+      </p:grpSpPr>
+      <p:sp>
+        <p:nvSpPr>
+          <p:cNvPr id="2" name="Titel 1">
+            <a:extLst>
+              <a:ext uri="{FF2B5EF4-FFF2-40B4-BE49-F238E27FC236}">
+                <a16:creationId xmlns:a16="http://schemas.microsoft.com/office/drawing/2014/main" id="{67FE7B62-6151-683B-CAB7-14BCB37FB787}"/>
+              </a:ext>
+            </a:extLst>
+          </p:cNvPr>
+          <p:cNvSpPr>
+            <a:spLocks noGrp="1"/>
+          </p:cNvSpPr>
+          <p:nvPr>
+            <p:ph type="title"/>
+          </p:nvPr>
+        </p:nvSpPr>
+        <p:spPr/>
+        <p:txBody>
+          <a:bodyPr>
+            <a:normAutofit fontScale="90000"/>
+          </a:bodyPr>
+          <a:lstStyle/>
+          <a:p>
+            <a:r>
+              <a:rPr lang="de-DE" dirty="0"/>
+              <a:t>Vorhersage des Matching-Modus</a:t>
+            </a:r>
+          </a:p>
+        </p:txBody>
+      </p:sp>
+      <p:sp>
+        <p:nvSpPr>
+          <p:cNvPr id="4" name="Textplatzhalter 3">
+            <a:extLst>
+              <a:ext uri="{FF2B5EF4-FFF2-40B4-BE49-F238E27FC236}">
+                <a16:creationId xmlns:a16="http://schemas.microsoft.com/office/drawing/2014/main" id="{38436B24-737D-7745-F381-CCC7025F43A5}"/>
+              </a:ext>
+            </a:extLst>
+          </p:cNvPr>
+          <p:cNvSpPr>
+            <a:spLocks noGrp="1"/>
+          </p:cNvSpPr>
+          <p:nvPr>
+            <p:ph type="body" idx="11"/>
+          </p:nvPr>
+        </p:nvSpPr>
+        <p:spPr>
+          <a:xfrm>
+            <a:off x="539999" y="1350000"/>
+            <a:ext cx="11159999" cy="360000"/>
+          </a:xfrm>
+        </p:spPr>
+        <p:txBody>
+          <a:bodyPr>
+            <a:normAutofit fontScale="92500" lnSpcReduction="10000"/>
+          </a:bodyPr>
+          <a:lstStyle/>
+          <a:p>
+            <a:r>
+              <a:rPr lang="de-DE" b="1" dirty="0">
+                <a:latin typeface="Helvetica Neue"/>
+              </a:rPr>
+              <a:t>Evaluierung optimierter Modelle für Abtastperiode = 1s</a:t>
+            </a:r>
+          </a:p>
+        </p:txBody>
+      </p:sp>
+      <p:sp>
+        <p:nvSpPr>
+          <p:cNvPr id="7" name="Datumsplatzhalter 6">
+            <a:extLst>
+              <a:ext uri="{FF2B5EF4-FFF2-40B4-BE49-F238E27FC236}">
+                <a16:creationId xmlns:a16="http://schemas.microsoft.com/office/drawing/2014/main" id="{4083538D-A5C0-0699-FECB-F47D0F81480E}"/>
+              </a:ext>
+            </a:extLst>
+          </p:cNvPr>
+          <p:cNvSpPr>
+            <a:spLocks noGrp="1"/>
+          </p:cNvSpPr>
+          <p:nvPr>
+            <p:ph type="dt" sz="half" idx="2"/>
+          </p:nvPr>
+        </p:nvSpPr>
+        <p:spPr/>
+        <p:txBody>
+          <a:bodyPr/>
+          <a:lstStyle/>
+          <a:p>
+            <a:pPr marL="0" marR="0" lvl="0" indent="0" algn="l" defTabSz="914400" rtl="0" eaLnBrk="1" fontAlgn="auto" latinLnBrk="0" hangingPunct="1">
+              <a:lnSpc>
+                <a:spcPct val="100000"/>
+              </a:lnSpc>
+              <a:spcBef>
+                <a:spcPts val="0"/>
+              </a:spcBef>
+              <a:spcAft>
+                <a:spcPts val="0"/>
+              </a:spcAft>
+              <a:buClrTx/>
+              <a:buSzTx/>
+              <a:buFontTx/>
+              <a:buNone/>
+              <a:tabLst/>
+              <a:defRPr/>
+            </a:pPr>
+            <a:fld id="{6F1E101A-BD3B-B542-8690-1916D72F307E}" type="datetime1">
+              <a:rPr kumimoji="0" lang="de-DE" sz="1800" b="0" i="0" u="none" strike="noStrike" kern="1200" cap="none" spc="0" normalizeH="0" baseline="0" noProof="0" smtClean="0">
+                <a:ln>
+                  <a:noFill/>
+                </a:ln>
+                <a:solidFill>
+                  <a:srgbClr val="6F6259"/>
+                </a:solidFill>
+                <a:effectLst/>
+                <a:uLnTx/>
+                <a:uFillTx/>
+                <a:latin typeface="Roboto Light"/>
+                <a:ea typeface="+mn-ea"/>
+                <a:cs typeface="+mn-cs"/>
+              </a:rPr>
+              <a:pPr marL="0" marR="0" lvl="0" indent="0" algn="l" defTabSz="914400" rtl="0" eaLnBrk="1" fontAlgn="auto" latinLnBrk="0" hangingPunct="1">
+                <a:lnSpc>
+                  <a:spcPct val="100000"/>
+                </a:lnSpc>
+                <a:spcBef>
+                  <a:spcPts val="0"/>
+                </a:spcBef>
+                <a:spcAft>
+                  <a:spcPts val="0"/>
+                </a:spcAft>
+                <a:buClrTx/>
+                <a:buSzTx/>
+                <a:buFontTx/>
+                <a:buNone/>
+                <a:tabLst/>
+                <a:defRPr/>
+              </a:pPr>
+              <a:t>05.07.2023</a:t>
+            </a:fld>
+            <a:endParaRPr kumimoji="0" lang="de-DE" sz="1800" b="0" i="0" u="none" strike="noStrike" kern="1200" cap="none" spc="0" normalizeH="0" baseline="0" noProof="0" dirty="0">
+              <a:ln>
+                <a:noFill/>
+              </a:ln>
+              <a:solidFill>
+                <a:srgbClr val="6F6259"/>
+              </a:solidFill>
+              <a:effectLst/>
+              <a:uLnTx/>
+              <a:uFillTx/>
+              <a:latin typeface="Roboto Light"/>
+              <a:ea typeface="+mn-ea"/>
+              <a:cs typeface="+mn-cs"/>
+            </a:endParaRPr>
+          </a:p>
+        </p:txBody>
+      </p:sp>
+      <p:pic>
+        <p:nvPicPr>
+          <p:cNvPr id="19" name="Grafik 18" descr="Ein Bild, das Text, Screenshot, Diagramm, Quadrat enthält.&#10;&#10;Automatisch generierte Beschreibung">
+            <a:extLst>
+              <a:ext uri="{FF2B5EF4-FFF2-40B4-BE49-F238E27FC236}">
+                <a16:creationId xmlns:a16="http://schemas.microsoft.com/office/drawing/2014/main" id="{0A66AD40-4088-B590-ACB8-5844CC170782}"/>
+              </a:ext>
+            </a:extLst>
+          </p:cNvPr>
+          <p:cNvPicPr>
+            <a:picLocks noChangeAspect="1"/>
+          </p:cNvPicPr>
+          <p:nvPr/>
+        </p:nvPicPr>
+        <p:blipFill rotWithShape="1">
+          <a:blip r:embed="rId2">
+            <a:extLst>
+              <a:ext uri="{28A0092B-C50C-407E-A947-70E740481C1C}">
+                <a14:useLocalDpi xmlns:a14="http://schemas.microsoft.com/office/drawing/2010/main" val="0"/>
+              </a:ext>
+            </a:extLst>
+          </a:blip>
+          <a:srcRect t="6342"/>
+          <a:stretch/>
+        </p:blipFill>
+        <p:spPr>
+          <a:xfrm>
+            <a:off x="1789802" y="2245894"/>
+            <a:ext cx="3525870" cy="2538063"/>
+          </a:xfrm>
+          <a:prstGeom prst="rect">
+            <a:avLst/>
+          </a:prstGeom>
+          <a:ln>
+            <a:noFill/>
+          </a:ln>
+          <a:effectLst>
+            <a:outerShdw blurRad="292100" dist="139700" dir="2700000" algn="tl" rotWithShape="0">
+              <a:srgbClr val="333333">
+                <a:alpha val="65000"/>
+              </a:srgbClr>
+            </a:outerShdw>
+          </a:effectLst>
+        </p:spPr>
+      </p:pic>
+      <p:pic>
+        <p:nvPicPr>
+          <p:cNvPr id="22" name="Grafik 21" descr="Ein Bild, das Text, Screenshot, Diagramm, Quadrat enthält.&#10;&#10;Automatisch generierte Beschreibung">
+            <a:extLst>
+              <a:ext uri="{FF2B5EF4-FFF2-40B4-BE49-F238E27FC236}">
+                <a16:creationId xmlns:a16="http://schemas.microsoft.com/office/drawing/2014/main" id="{187884C3-676F-66EF-54C8-8319B92A0975}"/>
+              </a:ext>
+            </a:extLst>
+          </p:cNvPr>
+          <p:cNvPicPr>
+            <a:picLocks noChangeAspect="1"/>
+          </p:cNvPicPr>
+          <p:nvPr/>
+        </p:nvPicPr>
+        <p:blipFill rotWithShape="1">
+          <a:blip r:embed="rId3">
+            <a:extLst>
+              <a:ext uri="{28A0092B-C50C-407E-A947-70E740481C1C}">
+                <a14:useLocalDpi xmlns:a14="http://schemas.microsoft.com/office/drawing/2010/main" val="0"/>
+              </a:ext>
+            </a:extLst>
+          </a:blip>
+          <a:srcRect t="6004"/>
+          <a:stretch/>
+        </p:blipFill>
+        <p:spPr>
+          <a:xfrm>
+            <a:off x="6876330" y="2245894"/>
+            <a:ext cx="3525870" cy="2542901"/>
+          </a:xfrm>
+          <a:prstGeom prst="rect">
+            <a:avLst/>
+          </a:prstGeom>
+          <a:ln>
+            <a:noFill/>
+          </a:ln>
+          <a:effectLst>
+            <a:outerShdw blurRad="292100" dist="139700" dir="2700000" algn="tl" rotWithShape="0">
+              <a:srgbClr val="333333">
+                <a:alpha val="65000"/>
+              </a:srgbClr>
+            </a:outerShdw>
+          </a:effectLst>
+        </p:spPr>
+      </p:pic>
+      <p:sp>
+        <p:nvSpPr>
+          <p:cNvPr id="23" name="Textfeld 22">
+            <a:extLst>
+              <a:ext uri="{FF2B5EF4-FFF2-40B4-BE49-F238E27FC236}">
+                <a16:creationId xmlns:a16="http://schemas.microsoft.com/office/drawing/2014/main" id="{D16D8FAC-A6C1-3326-51BE-E318CDC5ED85}"/>
+              </a:ext>
+            </a:extLst>
+          </p:cNvPr>
+          <p:cNvSpPr txBox="1"/>
+          <p:nvPr/>
+        </p:nvSpPr>
+        <p:spPr>
+          <a:xfrm>
+            <a:off x="7614786" y="5030729"/>
+            <a:ext cx="2048959" cy="615553"/>
+          </a:xfrm>
+          <a:prstGeom prst="rect">
+            <a:avLst/>
+          </a:prstGeom>
+          <a:noFill/>
+        </p:spPr>
+        <p:txBody>
+          <a:bodyPr wrap="none" rtlCol="0">
+            <a:spAutoFit/>
+          </a:bodyPr>
+          <a:lstStyle/>
+          <a:p>
+            <a:pPr algn="ctr"/>
+            <a:r>
+              <a:rPr lang="de-DE" b="1" dirty="0"/>
+              <a:t>Random-Forest</a:t>
+            </a:r>
+          </a:p>
+          <a:p>
+            <a:pPr algn="ctr"/>
+            <a:r>
+              <a:rPr lang="de-DE" sz="1600" b="1" dirty="0">
+                <a:sym typeface="Wingdings" panose="05000000000000000000" pitchFamily="2" charset="2"/>
+              </a:rPr>
+              <a:t> </a:t>
+            </a:r>
+            <a:r>
+              <a:rPr lang="de-DE" sz="1600" b="1" dirty="0"/>
+              <a:t>95,1% Genauigkeit</a:t>
+            </a:r>
+          </a:p>
+        </p:txBody>
+      </p:sp>
+      <p:sp>
+        <p:nvSpPr>
+          <p:cNvPr id="24" name="Textfeld 23">
+            <a:extLst>
+              <a:ext uri="{FF2B5EF4-FFF2-40B4-BE49-F238E27FC236}">
+                <a16:creationId xmlns:a16="http://schemas.microsoft.com/office/drawing/2014/main" id="{8F1986A0-5C64-AED4-D145-5DDAA8439560}"/>
+              </a:ext>
+            </a:extLst>
+          </p:cNvPr>
+          <p:cNvSpPr txBox="1"/>
+          <p:nvPr/>
+        </p:nvSpPr>
+        <p:spPr>
+          <a:xfrm>
+            <a:off x="2239715" y="5030729"/>
+            <a:ext cx="2626039" cy="615553"/>
+          </a:xfrm>
+          <a:prstGeom prst="rect">
+            <a:avLst/>
+          </a:prstGeom>
+          <a:noFill/>
+        </p:spPr>
+        <p:txBody>
+          <a:bodyPr wrap="none" rtlCol="0">
+            <a:spAutoFit/>
+          </a:bodyPr>
+          <a:lstStyle/>
+          <a:p>
+            <a:pPr algn="ctr"/>
+            <a:r>
+              <a:rPr lang="de-DE" dirty="0"/>
+              <a:t>Support Vector Machine</a:t>
+            </a:r>
+          </a:p>
+          <a:p>
+            <a:pPr algn="ctr"/>
+            <a:r>
+              <a:rPr lang="de-DE" sz="1600" dirty="0">
+                <a:sym typeface="Wingdings" panose="05000000000000000000" pitchFamily="2" charset="2"/>
+              </a:rPr>
+              <a:t> </a:t>
+            </a:r>
+            <a:r>
+              <a:rPr lang="de-DE" sz="1600" dirty="0"/>
+              <a:t>94,5% Genauigkeit</a:t>
+            </a:r>
+          </a:p>
+        </p:txBody>
+      </p:sp>
+    </p:spTree>
+    <p:extLst>
+      <p:ext uri="{BB962C8B-B14F-4D97-AF65-F5344CB8AC3E}">
+        <p14:creationId xmlns:p14="http://schemas.microsoft.com/office/powerpoint/2010/main" val="3149585720"/>
+      </p:ext>
+    </p:extLst>
+  </p:cSld>
+  <p:clrMapOvr>
+    <a:masterClrMapping/>
+  </p:clrMapOvr>
+  <mc:AlternateContent xmlns:mc="http://schemas.openxmlformats.org/markup-compatibility/2006" xmlns:p14="http://schemas.microsoft.com/office/powerpoint/2010/main">
+    <mc:Choice Requires="p14">
+      <p:transition spd="med" p14:dur="700">
+        <p:fade/>
+      </p:transition>
+    </mc:Choice>
+    <mc:Fallback xmlns="">
+      <p:transition spd="med">
         <p:fade/>
       </p:transition>
     </mc:Fallback>
@@ -8978,7 +9233,7 @@
               <a:rPr lang="de-DE" b="1" dirty="0">
                 <a:latin typeface="Helvetica Neue"/>
               </a:rPr>
-              <a:t>Evaluierung optimierter Modelle für Abtastperiode = 1s</a:t>
+              <a:t>Evaluierung optimierter Modelle für Abtastperiode = 2s</a:t>
             </a:r>
           </a:p>
         </p:txBody>
@@ -9053,393 +9308,7 @@
                 <a:tabLst/>
                 <a:defRPr/>
               </a:pPr>
-              <a:t>04.07.2023</a:t>
-            </a:fld>
-            <a:endParaRPr kumimoji="0" lang="de-DE" sz="1800" b="0" i="0" u="none" strike="noStrike" kern="1200" cap="none" spc="0" normalizeH="0" baseline="0" noProof="0" dirty="0">
-              <a:ln>
-                <a:noFill/>
-              </a:ln>
-              <a:solidFill>
-                <a:srgbClr val="6F6259"/>
-              </a:solidFill>
-              <a:effectLst/>
-              <a:uLnTx/>
-              <a:uFillTx/>
-              <a:latin typeface="Roboto Light"/>
-              <a:ea typeface="+mn-ea"/>
-              <a:cs typeface="+mn-cs"/>
-            </a:endParaRPr>
-          </a:p>
-        </p:txBody>
-      </p:sp>
-      <p:pic>
-        <p:nvPicPr>
-          <p:cNvPr id="19" name="Grafik 18" descr="Ein Bild, das Text, Screenshot, Diagramm, Quadrat enthält.&#10;&#10;Automatisch generierte Beschreibung">
-            <a:extLst>
-              <a:ext uri="{FF2B5EF4-FFF2-40B4-BE49-F238E27FC236}">
-                <a16:creationId xmlns:a16="http://schemas.microsoft.com/office/drawing/2014/main" id="{0A66AD40-4088-B590-ACB8-5844CC170782}"/>
-              </a:ext>
-            </a:extLst>
-          </p:cNvPr>
-          <p:cNvPicPr>
-            <a:picLocks noChangeAspect="1"/>
-          </p:cNvPicPr>
-          <p:nvPr/>
-        </p:nvPicPr>
-        <p:blipFill rotWithShape="1">
-          <a:blip r:embed="rId2">
-            <a:extLst>
-              <a:ext uri="{28A0092B-C50C-407E-A947-70E740481C1C}">
-                <a14:useLocalDpi xmlns:a14="http://schemas.microsoft.com/office/drawing/2010/main" val="0"/>
-              </a:ext>
-            </a:extLst>
-          </a:blip>
-          <a:srcRect t="6342"/>
-          <a:stretch/>
-        </p:blipFill>
-        <p:spPr>
-          <a:xfrm>
-            <a:off x="1789802" y="2245894"/>
-            <a:ext cx="3525870" cy="2538063"/>
-          </a:xfrm>
-          <a:prstGeom prst="rect">
-            <a:avLst/>
-          </a:prstGeom>
-          <a:ln>
-            <a:noFill/>
-          </a:ln>
-          <a:effectLst>
-            <a:outerShdw blurRad="292100" dist="139700" dir="2700000" algn="tl" rotWithShape="0">
-              <a:srgbClr val="333333">
-                <a:alpha val="65000"/>
-              </a:srgbClr>
-            </a:outerShdw>
-          </a:effectLst>
-        </p:spPr>
-      </p:pic>
-      <p:pic>
-        <p:nvPicPr>
-          <p:cNvPr id="22" name="Grafik 21" descr="Ein Bild, das Text, Screenshot, Diagramm, Quadrat enthält.&#10;&#10;Automatisch generierte Beschreibung">
-            <a:extLst>
-              <a:ext uri="{FF2B5EF4-FFF2-40B4-BE49-F238E27FC236}">
-                <a16:creationId xmlns:a16="http://schemas.microsoft.com/office/drawing/2014/main" id="{187884C3-676F-66EF-54C8-8319B92A0975}"/>
-              </a:ext>
-            </a:extLst>
-          </p:cNvPr>
-          <p:cNvPicPr>
-            <a:picLocks noChangeAspect="1"/>
-          </p:cNvPicPr>
-          <p:nvPr/>
-        </p:nvPicPr>
-        <p:blipFill rotWithShape="1">
-          <a:blip r:embed="rId3">
-            <a:extLst>
-              <a:ext uri="{28A0092B-C50C-407E-A947-70E740481C1C}">
-                <a14:useLocalDpi xmlns:a14="http://schemas.microsoft.com/office/drawing/2010/main" val="0"/>
-              </a:ext>
-            </a:extLst>
-          </a:blip>
-          <a:srcRect t="6004"/>
-          <a:stretch/>
-        </p:blipFill>
-        <p:spPr>
-          <a:xfrm>
-            <a:off x="6876330" y="2245894"/>
-            <a:ext cx="3525870" cy="2542901"/>
-          </a:xfrm>
-          <a:prstGeom prst="rect">
-            <a:avLst/>
-          </a:prstGeom>
-          <a:ln>
-            <a:noFill/>
-          </a:ln>
-          <a:effectLst>
-            <a:outerShdw blurRad="292100" dist="139700" dir="2700000" algn="tl" rotWithShape="0">
-              <a:srgbClr val="333333">
-                <a:alpha val="65000"/>
-              </a:srgbClr>
-            </a:outerShdw>
-          </a:effectLst>
-        </p:spPr>
-      </p:pic>
-      <p:sp>
-        <p:nvSpPr>
-          <p:cNvPr id="23" name="Textfeld 22">
-            <a:extLst>
-              <a:ext uri="{FF2B5EF4-FFF2-40B4-BE49-F238E27FC236}">
-                <a16:creationId xmlns:a16="http://schemas.microsoft.com/office/drawing/2014/main" id="{D16D8FAC-A6C1-3326-51BE-E318CDC5ED85}"/>
-              </a:ext>
-            </a:extLst>
-          </p:cNvPr>
-          <p:cNvSpPr txBox="1"/>
-          <p:nvPr/>
-        </p:nvSpPr>
-        <p:spPr>
-          <a:xfrm>
-            <a:off x="7614785" y="5030729"/>
-            <a:ext cx="2048959" cy="615553"/>
-          </a:xfrm>
-          <a:prstGeom prst="rect">
-            <a:avLst/>
-          </a:prstGeom>
-          <a:noFill/>
-        </p:spPr>
-        <p:txBody>
-          <a:bodyPr wrap="none" rtlCol="0">
-            <a:spAutoFit/>
-          </a:bodyPr>
-          <a:lstStyle/>
-          <a:p>
-            <a:pPr algn="ctr"/>
-            <a:r>
-              <a:rPr lang="de-DE" b="1" dirty="0"/>
-              <a:t>Random-Forest</a:t>
-            </a:r>
-          </a:p>
-          <a:p>
-            <a:pPr algn="ctr"/>
-            <a:r>
-              <a:rPr lang="de-DE" sz="1600" b="1" dirty="0">
-                <a:sym typeface="Wingdings" panose="05000000000000000000" pitchFamily="2" charset="2"/>
-              </a:rPr>
-              <a:t> </a:t>
-            </a:r>
-            <a:r>
-              <a:rPr lang="de-DE" sz="1600" b="1" dirty="0"/>
-              <a:t>95,1% Genauigkeit</a:t>
-            </a:r>
-          </a:p>
-        </p:txBody>
-      </p:sp>
-      <p:sp>
-        <p:nvSpPr>
-          <p:cNvPr id="24" name="Textfeld 23">
-            <a:extLst>
-              <a:ext uri="{FF2B5EF4-FFF2-40B4-BE49-F238E27FC236}">
-                <a16:creationId xmlns:a16="http://schemas.microsoft.com/office/drawing/2014/main" id="{8F1986A0-5C64-AED4-D145-5DDAA8439560}"/>
-              </a:ext>
-            </a:extLst>
-          </p:cNvPr>
-          <p:cNvSpPr txBox="1"/>
-          <p:nvPr/>
-        </p:nvSpPr>
-        <p:spPr>
-          <a:xfrm>
-            <a:off x="2239715" y="5030729"/>
-            <a:ext cx="2626039" cy="615553"/>
-          </a:xfrm>
-          <a:prstGeom prst="rect">
-            <a:avLst/>
-          </a:prstGeom>
-          <a:noFill/>
-        </p:spPr>
-        <p:txBody>
-          <a:bodyPr wrap="none" rtlCol="0">
-            <a:spAutoFit/>
-          </a:bodyPr>
-          <a:lstStyle/>
-          <a:p>
-            <a:pPr algn="ctr"/>
-            <a:r>
-              <a:rPr lang="de-DE" dirty="0"/>
-              <a:t>Support Vector Machine</a:t>
-            </a:r>
-          </a:p>
-          <a:p>
-            <a:pPr algn="ctr"/>
-            <a:r>
-              <a:rPr lang="de-DE" sz="1600" dirty="0">
-                <a:sym typeface="Wingdings" panose="05000000000000000000" pitchFamily="2" charset="2"/>
-              </a:rPr>
-              <a:t> </a:t>
-            </a:r>
-            <a:r>
-              <a:rPr lang="de-DE" sz="1600" dirty="0"/>
-              <a:t>94,5% Genauigkeit</a:t>
-            </a:r>
-          </a:p>
-        </p:txBody>
-      </p:sp>
-    </p:spTree>
-    <p:extLst>
-      <p:ext uri="{BB962C8B-B14F-4D97-AF65-F5344CB8AC3E}">
-        <p14:creationId xmlns:p14="http://schemas.microsoft.com/office/powerpoint/2010/main" val="3149585720"/>
-      </p:ext>
-    </p:extLst>
-  </p:cSld>
-  <p:clrMapOvr>
-    <a:masterClrMapping/>
-  </p:clrMapOvr>
-  <mc:AlternateContent xmlns:mc="http://schemas.openxmlformats.org/markup-compatibility/2006" xmlns:p159="http://schemas.microsoft.com/office/powerpoint/2015/09/main">
-    <mc:Choice Requires="p159">
-      <p:transition xmlns:p14="http://schemas.microsoft.com/office/powerpoint/2010/main" spd="slow" p14:dur="1500">
-        <p159:morph option="byObject"/>
-      </p:transition>
-    </mc:Choice>
-    <mc:Fallback xmlns="">
-      <p:transition spd="slow">
-        <p:fade/>
-      </p:transition>
-    </mc:Fallback>
-  </mc:AlternateContent>
-</p:sld>
-</file>
-
-<file path=ppt/slides/slide15.xml><?xml version="1.0" encoding="utf-8"?>
-<p:sld xmlns:a="http://schemas.openxmlformats.org/drawingml/2006/main" xmlns:r="http://schemas.openxmlformats.org/officeDocument/2006/relationships" xmlns:p="http://schemas.openxmlformats.org/presentationml/2006/main">
-  <p:cSld>
-    <p:spTree>
-      <p:nvGrpSpPr>
-        <p:cNvPr id="1" name=""/>
-        <p:cNvGrpSpPr/>
-        <p:nvPr/>
-      </p:nvGrpSpPr>
-      <p:grpSpPr>
-        <a:xfrm>
-          <a:off x="0" y="0"/>
-          <a:ext cx="0" cy="0"/>
-          <a:chOff x="0" y="0"/>
-          <a:chExt cx="0" cy="0"/>
-        </a:xfrm>
-      </p:grpSpPr>
-      <p:sp>
-        <p:nvSpPr>
-          <p:cNvPr id="2" name="Titel 1">
-            <a:extLst>
-              <a:ext uri="{FF2B5EF4-FFF2-40B4-BE49-F238E27FC236}">
-                <a16:creationId xmlns:a16="http://schemas.microsoft.com/office/drawing/2014/main" id="{67FE7B62-6151-683B-CAB7-14BCB37FB787}"/>
-              </a:ext>
-            </a:extLst>
-          </p:cNvPr>
-          <p:cNvSpPr>
-            <a:spLocks noGrp="1"/>
-          </p:cNvSpPr>
-          <p:nvPr>
-            <p:ph type="title"/>
-          </p:nvPr>
-        </p:nvSpPr>
-        <p:spPr/>
-        <p:txBody>
-          <a:bodyPr>
-            <a:normAutofit fontScale="90000"/>
-          </a:bodyPr>
-          <a:lstStyle/>
-          <a:p>
-            <a:r>
-              <a:rPr lang="de-DE" dirty="0"/>
-              <a:t>Vorhersage des Matching-Modus</a:t>
-            </a:r>
-          </a:p>
-        </p:txBody>
-      </p:sp>
-      <p:sp>
-        <p:nvSpPr>
-          <p:cNvPr id="4" name="Textplatzhalter 3">
-            <a:extLst>
-              <a:ext uri="{FF2B5EF4-FFF2-40B4-BE49-F238E27FC236}">
-                <a16:creationId xmlns:a16="http://schemas.microsoft.com/office/drawing/2014/main" id="{38436B24-737D-7745-F381-CCC7025F43A5}"/>
-              </a:ext>
-            </a:extLst>
-          </p:cNvPr>
-          <p:cNvSpPr>
-            <a:spLocks noGrp="1"/>
-          </p:cNvSpPr>
-          <p:nvPr>
-            <p:ph type="body" idx="11"/>
-          </p:nvPr>
-        </p:nvSpPr>
-        <p:spPr>
-          <a:xfrm>
-            <a:off x="539999" y="1350000"/>
-            <a:ext cx="11159999" cy="360000"/>
-          </a:xfrm>
-        </p:spPr>
-        <p:txBody>
-          <a:bodyPr>
-            <a:normAutofit fontScale="92500" lnSpcReduction="10000"/>
-          </a:bodyPr>
-          <a:lstStyle/>
-          <a:p>
-            <a:r>
-              <a:rPr lang="de-DE" b="1" dirty="0">
-                <a:latin typeface="Helvetica Neue"/>
-              </a:rPr>
-              <a:t>Evaluierung optimierter Modelle für Abtastperiode = 2s</a:t>
-            </a:r>
-          </a:p>
-        </p:txBody>
-      </p:sp>
-      <p:sp>
-        <p:nvSpPr>
-          <p:cNvPr id="7" name="Datumsplatzhalter 6">
-            <a:extLst>
-              <a:ext uri="{FF2B5EF4-FFF2-40B4-BE49-F238E27FC236}">
-                <a16:creationId xmlns:a16="http://schemas.microsoft.com/office/drawing/2014/main" id="{4083538D-A5C0-0699-FECB-F47D0F81480E}"/>
-              </a:ext>
-            </a:extLst>
-          </p:cNvPr>
-          <p:cNvSpPr>
-            <a:spLocks noGrp="1"/>
-          </p:cNvSpPr>
-          <p:nvPr>
-            <p:ph type="dt" sz="half" idx="2"/>
-          </p:nvPr>
-        </p:nvSpPr>
-        <p:spPr/>
-        <p:txBody>
-          <a:bodyPr/>
-          <a:lstStyle/>
-          <a:p>
-            <a:pPr marL="0" marR="0" lvl="0" indent="0" algn="l" defTabSz="914400" rtl="0" eaLnBrk="1" fontAlgn="auto" latinLnBrk="0" hangingPunct="1">
-              <a:lnSpc>
-                <a:spcPct val="100000"/>
-              </a:lnSpc>
-              <a:spcBef>
-                <a:spcPts val="0"/>
-              </a:spcBef>
-              <a:spcAft>
-                <a:spcPts val="0"/>
-              </a:spcAft>
-              <a:buClrTx/>
-              <a:buSzTx/>
-              <a:buFontTx/>
-              <a:buNone/>
-              <a:tabLst/>
-              <a:defRPr/>
-            </a:pPr>
-            <a:fld id="{6F1E101A-BD3B-B542-8690-1916D72F307E}" type="datetime1">
-              <a:rPr kumimoji="0" lang="de-DE" sz="1800" b="0" i="0" u="none" strike="noStrike" kern="1200" cap="none" spc="0" normalizeH="0" baseline="0" noProof="0" smtClean="0">
-                <a:ln>
-                  <a:noFill/>
-                </a:ln>
-                <a:solidFill>
-                  <a:srgbClr val="6F6259"/>
-                </a:solidFill>
-                <a:effectLst/>
-                <a:uLnTx/>
-                <a:uFillTx/>
-                <a:latin typeface="Roboto Light"/>
-                <a:ea typeface="+mn-ea"/>
-                <a:cs typeface="+mn-cs"/>
-              </a:rPr>
-              <a:pPr marL="0" marR="0" lvl="0" indent="0" algn="l" defTabSz="914400" rtl="0" eaLnBrk="1" fontAlgn="auto" latinLnBrk="0" hangingPunct="1">
-                <a:lnSpc>
-                  <a:spcPct val="100000"/>
-                </a:lnSpc>
-                <a:spcBef>
-                  <a:spcPts val="0"/>
-                </a:spcBef>
-                <a:spcAft>
-                  <a:spcPts val="0"/>
-                </a:spcAft>
-                <a:buClrTx/>
-                <a:buSzTx/>
-                <a:buFontTx/>
-                <a:buNone/>
-                <a:tabLst/>
-                <a:defRPr/>
-              </a:pPr>
-              <a:t>04.07.2023</a:t>
+              <a:t>05.07.2023</a:t>
             </a:fld>
             <a:endParaRPr kumimoji="0" lang="de-DE" sz="1800" b="0" i="0" u="none" strike="noStrike" kern="1200" cap="none" spc="0" normalizeH="0" baseline="0" noProof="0" dirty="0">
               <a:ln>
@@ -9517,8 +9386,8 @@
         </p:nvSpPr>
         <p:spPr>
           <a:xfrm>
-            <a:off x="2239715" y="5030729"/>
-            <a:ext cx="2626039" cy="615553"/>
+            <a:off x="2153954" y="5030729"/>
+            <a:ext cx="2797561" cy="615553"/>
           </a:xfrm>
           <a:prstGeom prst="rect">
             <a:avLst/>
@@ -9547,7 +9416,7 @@
             </a:r>
             <a:r>
               <a:rPr lang="de-DE" sz="1600" dirty="0"/>
-              <a:t>95,2% Genauigkeit</a:t>
+              <a:t>95,2% Genauigkeit (+0,7%)</a:t>
             </a:r>
           </a:p>
         </p:txBody>
@@ -9566,8 +9435,8 @@
         </p:nvSpPr>
         <p:spPr>
           <a:xfrm>
-            <a:off x="7603488" y="5030729"/>
-            <a:ext cx="2079415" cy="615553"/>
+            <a:off x="7266058" y="5030729"/>
+            <a:ext cx="2754280" cy="615553"/>
           </a:xfrm>
           <a:prstGeom prst="rect">
             <a:avLst/>
@@ -9596,7 +9465,7 @@
             </a:r>
             <a:r>
               <a:rPr lang="de-DE" sz="1600" b="1" dirty="0"/>
-              <a:t>96,2% Genauigkeit</a:t>
+              <a:t>96,2% Genauigkeit (+1,1%)</a:t>
             </a:r>
           </a:p>
         </p:txBody>
@@ -9656,14 +9525,175 @@
   <p:clrMapOvr>
     <a:masterClrMapping/>
   </p:clrMapOvr>
-  <mc:AlternateContent xmlns:mc="http://schemas.openxmlformats.org/markup-compatibility/2006" xmlns:p159="http://schemas.microsoft.com/office/powerpoint/2015/09/main">
-    <mc:Choice Requires="p159">
-      <p:transition xmlns:p14="http://schemas.microsoft.com/office/powerpoint/2010/main" spd="slow" p14:dur="1500">
-        <p159:morph option="byObject"/>
+  <mc:AlternateContent xmlns:mc="http://schemas.openxmlformats.org/markup-compatibility/2006" xmlns:p14="http://schemas.microsoft.com/office/powerpoint/2010/main">
+    <mc:Choice Requires="p14">
+      <p:transition spd="med" p14:dur="700">
+        <p:fade/>
       </p:transition>
     </mc:Choice>
     <mc:Fallback xmlns="">
-      <p:transition spd="slow">
+      <p:transition spd="med">
+        <p:fade/>
+      </p:transition>
+    </mc:Fallback>
+  </mc:AlternateContent>
+</p:sld>
+</file>
+
+<file path=ppt/slides/slide15.xml><?xml version="1.0" encoding="utf-8"?>
+<p:sld xmlns:a="http://schemas.openxmlformats.org/drawingml/2006/main" xmlns:r="http://schemas.openxmlformats.org/officeDocument/2006/relationships" xmlns:p="http://schemas.openxmlformats.org/presentationml/2006/main">
+  <p:cSld>
+    <p:spTree>
+      <p:nvGrpSpPr>
+        <p:cNvPr id="1" name=""/>
+        <p:cNvGrpSpPr/>
+        <p:nvPr/>
+      </p:nvGrpSpPr>
+      <p:grpSpPr>
+        <a:xfrm>
+          <a:off x="0" y="0"/>
+          <a:ext cx="0" cy="0"/>
+          <a:chOff x="0" y="0"/>
+          <a:chExt cx="0" cy="0"/>
+        </a:xfrm>
+      </p:grpSpPr>
+      <p:sp>
+        <p:nvSpPr>
+          <p:cNvPr id="2" name="Titel 1">
+            <a:extLst>
+              <a:ext uri="{FF2B5EF4-FFF2-40B4-BE49-F238E27FC236}">
+                <a16:creationId xmlns:a16="http://schemas.microsoft.com/office/drawing/2014/main" id="{1307540C-F2DD-39C5-6AAD-8A22F4C5EED3}"/>
+              </a:ext>
+            </a:extLst>
+          </p:cNvPr>
+          <p:cNvSpPr>
+            <a:spLocks noGrp="1"/>
+          </p:cNvSpPr>
+          <p:nvPr>
+            <p:ph type="title"/>
+          </p:nvPr>
+        </p:nvSpPr>
+        <p:spPr/>
+        <p:txBody>
+          <a:bodyPr>
+            <a:normAutofit fontScale="90000"/>
+          </a:bodyPr>
+          <a:lstStyle/>
+          <a:p>
+            <a:r>
+              <a:rPr lang="de-DE" dirty="0"/>
+              <a:t>Aktueller Stand: Klassifikation</a:t>
+            </a:r>
+          </a:p>
+        </p:txBody>
+      </p:sp>
+      <p:sp>
+        <p:nvSpPr>
+          <p:cNvPr id="4" name="Datumsplatzhalter 3">
+            <a:extLst>
+              <a:ext uri="{FF2B5EF4-FFF2-40B4-BE49-F238E27FC236}">
+                <a16:creationId xmlns:a16="http://schemas.microsoft.com/office/drawing/2014/main" id="{865B40A7-51D0-2AD4-E9C0-BEBC1C99F13F}"/>
+              </a:ext>
+            </a:extLst>
+          </p:cNvPr>
+          <p:cNvSpPr>
+            <a:spLocks noGrp="1"/>
+          </p:cNvSpPr>
+          <p:nvPr>
+            <p:ph type="dt" sz="half" idx="2"/>
+          </p:nvPr>
+        </p:nvSpPr>
+        <p:spPr/>
+        <p:txBody>
+          <a:bodyPr/>
+          <a:lstStyle/>
+          <a:p>
+            <a:pPr marL="0" marR="0" lvl="0" indent="0" algn="l" defTabSz="914400" rtl="0" eaLnBrk="1" fontAlgn="auto" latinLnBrk="0" hangingPunct="1">
+              <a:lnSpc>
+                <a:spcPct val="100000"/>
+              </a:lnSpc>
+              <a:spcBef>
+                <a:spcPts val="0"/>
+              </a:spcBef>
+              <a:spcAft>
+                <a:spcPts val="0"/>
+              </a:spcAft>
+              <a:buClrTx/>
+              <a:buSzTx/>
+              <a:buFontTx/>
+              <a:buNone/>
+              <a:tabLst/>
+              <a:defRPr/>
+            </a:pPr>
+            <a:fld id="{6F1E101A-BD3B-B542-8690-1916D72F307E}" type="datetime1">
+              <a:rPr kumimoji="0" lang="de-DE" sz="1800" b="0" i="0" u="none" strike="noStrike" kern="1200" cap="none" spc="0" normalizeH="0" baseline="0" noProof="0" smtClean="0">
+                <a:ln>
+                  <a:noFill/>
+                </a:ln>
+                <a:solidFill>
+                  <a:srgbClr val="6F6259"/>
+                </a:solidFill>
+                <a:effectLst/>
+                <a:uLnTx/>
+                <a:uFillTx/>
+                <a:latin typeface="Roboto Light"/>
+                <a:ea typeface="+mn-ea"/>
+                <a:cs typeface="+mn-cs"/>
+              </a:rPr>
+              <a:pPr marL="0" marR="0" lvl="0" indent="0" algn="l" defTabSz="914400" rtl="0" eaLnBrk="1" fontAlgn="auto" latinLnBrk="0" hangingPunct="1">
+                <a:lnSpc>
+                  <a:spcPct val="100000"/>
+                </a:lnSpc>
+                <a:spcBef>
+                  <a:spcPts val="0"/>
+                </a:spcBef>
+                <a:spcAft>
+                  <a:spcPts val="0"/>
+                </a:spcAft>
+                <a:buClrTx/>
+                <a:buSzTx/>
+                <a:buFontTx/>
+                <a:buNone/>
+                <a:tabLst/>
+                <a:defRPr/>
+              </a:pPr>
+              <a:t>05.07.2023</a:t>
+            </a:fld>
+            <a:endParaRPr kumimoji="0" lang="de-DE" sz="1800" b="0" i="0" u="none" strike="noStrike" kern="1200" cap="none" spc="0" normalizeH="0" baseline="0" noProof="0" dirty="0">
+              <a:ln>
+                <a:noFill/>
+              </a:ln>
+              <a:solidFill>
+                <a:srgbClr val="6F6259"/>
+              </a:solidFill>
+              <a:effectLst/>
+              <a:uLnTx/>
+              <a:uFillTx/>
+              <a:latin typeface="Roboto Light"/>
+              <a:ea typeface="+mn-ea"/>
+              <a:cs typeface="+mn-cs"/>
+            </a:endParaRPr>
+          </a:p>
+        </p:txBody>
+      </p:sp>
+    </p:spTree>
+    <p:extLst>
+      <p:ext uri="{BB962C8B-B14F-4D97-AF65-F5344CB8AC3E}">
+        <p14:creationId xmlns:p14="http://schemas.microsoft.com/office/powerpoint/2010/main" val="3046779743"/>
+      </p:ext>
+    </p:extLst>
+  </p:cSld>
+  <p:clrMapOvr>
+    <a:masterClrMapping/>
+  </p:clrMapOvr>
+  <mc:AlternateContent xmlns:mc="http://schemas.openxmlformats.org/markup-compatibility/2006" xmlns:p14="http://schemas.microsoft.com/office/powerpoint/2010/main">
+    <mc:Choice Requires="p14">
+      <p:transition spd="med" p14:dur="700">
+        <p:fade/>
+      </p:transition>
+    </mc:Choice>
+    <mc:Fallback xmlns="">
+      <p:transition spd="med">
         <p:fade/>
       </p:transition>
     </mc:Fallback>
@@ -9693,7 +9723,7 @@
           <p:cNvPr id="2" name="Titel 1">
             <a:extLst>
               <a:ext uri="{FF2B5EF4-FFF2-40B4-BE49-F238E27FC236}">
-                <a16:creationId xmlns:a16="http://schemas.microsoft.com/office/drawing/2014/main" id="{1307540C-F2DD-39C5-6AAD-8A22F4C5EED3}"/>
+                <a16:creationId xmlns:a16="http://schemas.microsoft.com/office/drawing/2014/main" id="{67FE7B62-6151-683B-CAB7-14BCB37FB787}"/>
               </a:ext>
             </a:extLst>
           </p:cNvPr>
@@ -9713,17 +9743,54 @@
           <a:p>
             <a:r>
               <a:rPr lang="de-DE" dirty="0"/>
-              <a:t>Aktueller Stand: Klassifikation</a:t>
+              <a:t>Vorhersage der Verkehrsteilnehmerklasse</a:t>
             </a:r>
           </a:p>
         </p:txBody>
       </p:sp>
       <p:sp>
         <p:nvSpPr>
-          <p:cNvPr id="4" name="Datumsplatzhalter 3">
-            <a:extLst>
-              <a:ext uri="{FF2B5EF4-FFF2-40B4-BE49-F238E27FC236}">
-                <a16:creationId xmlns:a16="http://schemas.microsoft.com/office/drawing/2014/main" id="{865B40A7-51D0-2AD4-E9C0-BEBC1C99F13F}"/>
+          <p:cNvPr id="4" name="Textplatzhalter 3">
+            <a:extLst>
+              <a:ext uri="{FF2B5EF4-FFF2-40B4-BE49-F238E27FC236}">
+                <a16:creationId xmlns:a16="http://schemas.microsoft.com/office/drawing/2014/main" id="{38436B24-737D-7745-F381-CCC7025F43A5}"/>
+              </a:ext>
+            </a:extLst>
+          </p:cNvPr>
+          <p:cNvSpPr>
+            <a:spLocks noGrp="1"/>
+          </p:cNvSpPr>
+          <p:nvPr>
+            <p:ph type="body" idx="11"/>
+          </p:nvPr>
+        </p:nvSpPr>
+        <p:spPr>
+          <a:xfrm>
+            <a:off x="539999" y="1350000"/>
+            <a:ext cx="11159999" cy="360000"/>
+          </a:xfrm>
+        </p:spPr>
+        <p:txBody>
+          <a:bodyPr>
+            <a:normAutofit fontScale="92500" lnSpcReduction="10000"/>
+          </a:bodyPr>
+          <a:lstStyle/>
+          <a:p>
+            <a:r>
+              <a:rPr lang="de-DE" b="1" dirty="0">
+                <a:latin typeface="Helvetica Neue"/>
+              </a:rPr>
+              <a:t>Naiver Ansatz: optimierter Random-Forest für 4 Klassen</a:t>
+            </a:r>
+          </a:p>
+        </p:txBody>
+      </p:sp>
+      <p:sp>
+        <p:nvSpPr>
+          <p:cNvPr id="7" name="Datumsplatzhalter 6">
+            <a:extLst>
+              <a:ext uri="{FF2B5EF4-FFF2-40B4-BE49-F238E27FC236}">
+                <a16:creationId xmlns:a16="http://schemas.microsoft.com/office/drawing/2014/main" id="{4083538D-A5C0-0699-FECB-F47D0F81480E}"/>
               </a:ext>
             </a:extLst>
           </p:cNvPr>
@@ -9788,196 +9855,7 @@
                 <a:tabLst/>
                 <a:defRPr/>
               </a:pPr>
-              <a:t>04.07.2023</a:t>
-            </a:fld>
-            <a:endParaRPr kumimoji="0" lang="de-DE" sz="1800" b="0" i="0" u="none" strike="noStrike" kern="1200" cap="none" spc="0" normalizeH="0" baseline="0" noProof="0" dirty="0">
-              <a:ln>
-                <a:noFill/>
-              </a:ln>
-              <a:solidFill>
-                <a:srgbClr val="6F6259"/>
-              </a:solidFill>
-              <a:effectLst/>
-              <a:uLnTx/>
-              <a:uFillTx/>
-              <a:latin typeface="Roboto Light"/>
-              <a:ea typeface="+mn-ea"/>
-              <a:cs typeface="+mn-cs"/>
-            </a:endParaRPr>
-          </a:p>
-        </p:txBody>
-      </p:sp>
-    </p:spTree>
-    <p:extLst>
-      <p:ext uri="{BB962C8B-B14F-4D97-AF65-F5344CB8AC3E}">
-        <p14:creationId xmlns:p14="http://schemas.microsoft.com/office/powerpoint/2010/main" val="3046779743"/>
-      </p:ext>
-    </p:extLst>
-  </p:cSld>
-  <p:clrMapOvr>
-    <a:masterClrMapping/>
-  </p:clrMapOvr>
-  <p:transition spd="slow">
-    <p:fade/>
-  </p:transition>
-</p:sld>
-</file>
-
-<file path=ppt/slides/slide17.xml><?xml version="1.0" encoding="utf-8"?>
-<p:sld xmlns:a="http://schemas.openxmlformats.org/drawingml/2006/main" xmlns:r="http://schemas.openxmlformats.org/officeDocument/2006/relationships" xmlns:p="http://schemas.openxmlformats.org/presentationml/2006/main">
-  <p:cSld>
-    <p:spTree>
-      <p:nvGrpSpPr>
-        <p:cNvPr id="1" name=""/>
-        <p:cNvGrpSpPr/>
-        <p:nvPr/>
-      </p:nvGrpSpPr>
-      <p:grpSpPr>
-        <a:xfrm>
-          <a:off x="0" y="0"/>
-          <a:ext cx="0" cy="0"/>
-          <a:chOff x="0" y="0"/>
-          <a:chExt cx="0" cy="0"/>
-        </a:xfrm>
-      </p:grpSpPr>
-      <p:sp>
-        <p:nvSpPr>
-          <p:cNvPr id="2" name="Titel 1">
-            <a:extLst>
-              <a:ext uri="{FF2B5EF4-FFF2-40B4-BE49-F238E27FC236}">
-                <a16:creationId xmlns:a16="http://schemas.microsoft.com/office/drawing/2014/main" id="{67FE7B62-6151-683B-CAB7-14BCB37FB787}"/>
-              </a:ext>
-            </a:extLst>
-          </p:cNvPr>
-          <p:cNvSpPr>
-            <a:spLocks noGrp="1"/>
-          </p:cNvSpPr>
-          <p:nvPr>
-            <p:ph type="title"/>
-          </p:nvPr>
-        </p:nvSpPr>
-        <p:spPr/>
-        <p:txBody>
-          <a:bodyPr>
-            <a:normAutofit fontScale="90000"/>
-          </a:bodyPr>
-          <a:lstStyle/>
-          <a:p>
-            <a:r>
-              <a:rPr lang="de-DE" dirty="0"/>
-              <a:t>Vorhersage der Verkehrsteilnehmerklasse</a:t>
-            </a:r>
-          </a:p>
-        </p:txBody>
-      </p:sp>
-      <p:sp>
-        <p:nvSpPr>
-          <p:cNvPr id="4" name="Textplatzhalter 3">
-            <a:extLst>
-              <a:ext uri="{FF2B5EF4-FFF2-40B4-BE49-F238E27FC236}">
-                <a16:creationId xmlns:a16="http://schemas.microsoft.com/office/drawing/2014/main" id="{38436B24-737D-7745-F381-CCC7025F43A5}"/>
-              </a:ext>
-            </a:extLst>
-          </p:cNvPr>
-          <p:cNvSpPr>
-            <a:spLocks noGrp="1"/>
-          </p:cNvSpPr>
-          <p:nvPr>
-            <p:ph type="body" idx="11"/>
-          </p:nvPr>
-        </p:nvSpPr>
-        <p:spPr>
-          <a:xfrm>
-            <a:off x="539999" y="1350000"/>
-            <a:ext cx="11159999" cy="360000"/>
-          </a:xfrm>
-        </p:spPr>
-        <p:txBody>
-          <a:bodyPr>
-            <a:normAutofit fontScale="92500" lnSpcReduction="10000"/>
-          </a:bodyPr>
-          <a:lstStyle/>
-          <a:p>
-            <a:r>
-              <a:rPr lang="de-DE" b="1" dirty="0">
-                <a:latin typeface="Helvetica Neue"/>
-              </a:rPr>
-              <a:t>Naiver Ansatz: optimierter Random-Forest für 4 Klassen</a:t>
-            </a:r>
-          </a:p>
-        </p:txBody>
-      </p:sp>
-      <p:sp>
-        <p:nvSpPr>
-          <p:cNvPr id="7" name="Datumsplatzhalter 6">
-            <a:extLst>
-              <a:ext uri="{FF2B5EF4-FFF2-40B4-BE49-F238E27FC236}">
-                <a16:creationId xmlns:a16="http://schemas.microsoft.com/office/drawing/2014/main" id="{4083538D-A5C0-0699-FECB-F47D0F81480E}"/>
-              </a:ext>
-            </a:extLst>
-          </p:cNvPr>
-          <p:cNvSpPr>
-            <a:spLocks noGrp="1"/>
-          </p:cNvSpPr>
-          <p:nvPr>
-            <p:ph type="dt" sz="half" idx="2"/>
-          </p:nvPr>
-        </p:nvSpPr>
-        <p:spPr/>
-        <p:txBody>
-          <a:bodyPr/>
-          <a:lstStyle/>
-          <a:p>
-            <a:pPr marL="0" marR="0" lvl="0" indent="0" algn="l" defTabSz="914400" rtl="0" eaLnBrk="1" fontAlgn="auto" latinLnBrk="0" hangingPunct="1">
-              <a:lnSpc>
-                <a:spcPct val="100000"/>
-              </a:lnSpc>
-              <a:spcBef>
-                <a:spcPts val="0"/>
-              </a:spcBef>
-              <a:spcAft>
-                <a:spcPts val="0"/>
-              </a:spcAft>
-              <a:buClrTx/>
-              <a:buSzTx/>
-              <a:buFontTx/>
-              <a:buNone/>
-              <a:tabLst/>
-              <a:defRPr/>
-            </a:pPr>
-            <a:fld id="{6F1E101A-BD3B-B542-8690-1916D72F307E}" type="datetime1">
-              <a:rPr kumimoji="0" lang="de-DE" sz="1800" b="0" i="0" u="none" strike="noStrike" kern="1200" cap="none" spc="0" normalizeH="0" baseline="0" noProof="0" smtClean="0">
-                <a:ln>
-                  <a:noFill/>
-                </a:ln>
-                <a:solidFill>
-                  <a:srgbClr val="6F6259"/>
-                </a:solidFill>
-                <a:effectLst/>
-                <a:uLnTx/>
-                <a:uFillTx/>
-                <a:latin typeface="Roboto Light"/>
-                <a:ea typeface="+mn-ea"/>
-                <a:cs typeface="+mn-cs"/>
-              </a:rPr>
-              <a:pPr marL="0" marR="0" lvl="0" indent="0" algn="l" defTabSz="914400" rtl="0" eaLnBrk="1" fontAlgn="auto" latinLnBrk="0" hangingPunct="1">
-                <a:lnSpc>
-                  <a:spcPct val="100000"/>
-                </a:lnSpc>
-                <a:spcBef>
-                  <a:spcPts val="0"/>
-                </a:spcBef>
-                <a:spcAft>
-                  <a:spcPts val="0"/>
-                </a:spcAft>
-                <a:buClrTx/>
-                <a:buSzTx/>
-                <a:buFontTx/>
-                <a:buNone/>
-                <a:tabLst/>
-                <a:defRPr/>
-              </a:pPr>
-              <a:t>04.07.2023</a:t>
+              <a:t>05.07.2023</a:t>
             </a:fld>
             <a:endParaRPr kumimoji="0" lang="de-DE" sz="1800" b="0" i="0" u="none" strike="noStrike" kern="1200" cap="none" spc="0" normalizeH="0" baseline="0" noProof="0" dirty="0">
               <a:ln>
@@ -10194,14 +10072,14 @@
   <p:clrMapOvr>
     <a:masterClrMapping/>
   </p:clrMapOvr>
-  <mc:AlternateContent xmlns:mc="http://schemas.openxmlformats.org/markup-compatibility/2006" xmlns:p159="http://schemas.microsoft.com/office/powerpoint/2015/09/main">
-    <mc:Choice Requires="p159">
-      <p:transition xmlns:p14="http://schemas.microsoft.com/office/powerpoint/2010/main" spd="slow" p14:dur="1500">
-        <p159:morph option="byObject"/>
+  <mc:AlternateContent xmlns:mc="http://schemas.openxmlformats.org/markup-compatibility/2006" xmlns:p14="http://schemas.microsoft.com/office/powerpoint/2010/main">
+    <mc:Choice Requires="p14">
+      <p:transition spd="med" p14:dur="700">
+        <p:fade/>
       </p:transition>
     </mc:Choice>
     <mc:Fallback xmlns="">
-      <p:transition spd="slow">
+      <p:transition spd="med">
         <p:fade/>
       </p:transition>
     </mc:Fallback>
@@ -10209,7 +10087,7 @@
 </p:sld>
 </file>
 
-<file path=ppt/slides/slide18.xml><?xml version="1.0" encoding="utf-8"?>
+<file path=ppt/slides/slide17.xml><?xml version="1.0" encoding="utf-8"?>
 <p:sld xmlns:a="http://schemas.openxmlformats.org/drawingml/2006/main" xmlns:r="http://schemas.openxmlformats.org/officeDocument/2006/relationships" xmlns:p="http://schemas.openxmlformats.org/presentationml/2006/main">
   <p:cSld>
     <p:spTree>
@@ -10363,7 +10241,7 @@
                 <a:tabLst/>
                 <a:defRPr/>
               </a:pPr>
-              <a:t>04.07.2023</a:t>
+              <a:t>05.07.2023</a:t>
             </a:fld>
             <a:endParaRPr kumimoji="0" lang="de-DE" sz="1800" b="0" i="0" u="none" strike="noStrike" kern="1200" cap="none" spc="0" normalizeH="0" baseline="0" noProof="0" dirty="0">
               <a:ln>
@@ -10711,14 +10589,14 @@
   <p:clrMapOvr>
     <a:masterClrMapping/>
   </p:clrMapOvr>
-  <mc:AlternateContent xmlns:mc="http://schemas.openxmlformats.org/markup-compatibility/2006">
-    <mc:Choice xmlns:p159="http://schemas.microsoft.com/office/powerpoint/2015/09/main" Requires="p159">
-      <p:transition xmlns:p14="http://schemas.microsoft.com/office/powerpoint/2010/main" spd="slow" p14:dur="1500">
-        <p159:morph option="byObject"/>
+  <mc:AlternateContent xmlns:mc="http://schemas.openxmlformats.org/markup-compatibility/2006" xmlns:p14="http://schemas.microsoft.com/office/powerpoint/2010/main">
+    <mc:Choice Requires="p14">
+      <p:transition spd="med" p14:dur="700">
+        <p:fade/>
       </p:transition>
     </mc:Choice>
-    <mc:Fallback>
-      <p:transition spd="slow">
+    <mc:Fallback xmlns="">
+      <p:transition spd="med">
         <p:fade/>
       </p:transition>
     </mc:Fallback>
@@ -10726,7 +10604,7 @@
 </p:sld>
 </file>
 
-<file path=ppt/slides/slide19.xml><?xml version="1.0" encoding="utf-8"?>
+<file path=ppt/slides/slide18.xml><?xml version="1.0" encoding="utf-8"?>
 <p:sld xmlns:a="http://schemas.openxmlformats.org/drawingml/2006/main" xmlns:r="http://schemas.openxmlformats.org/officeDocument/2006/relationships" xmlns:p="http://schemas.openxmlformats.org/presentationml/2006/main">
   <p:cSld>
     <p:spTree>
@@ -10880,7 +10758,7 @@
                 <a:tabLst/>
                 <a:defRPr/>
               </a:pPr>
-              <a:t>04.07.2023</a:t>
+              <a:t>05.07.2023</a:t>
             </a:fld>
             <a:endParaRPr kumimoji="0" lang="de-DE" sz="1800" b="0" i="0" u="none" strike="noStrike" kern="1200" cap="none" spc="0" normalizeH="0" baseline="0" noProof="0" dirty="0">
               <a:ln>
@@ -10939,14 +10817,14 @@
   <p:clrMapOvr>
     <a:masterClrMapping/>
   </p:clrMapOvr>
-  <mc:AlternateContent xmlns:mc="http://schemas.openxmlformats.org/markup-compatibility/2006" xmlns:p159="http://schemas.microsoft.com/office/powerpoint/2015/09/main">
-    <mc:Choice Requires="p159">
-      <p:transition xmlns:p14="http://schemas.microsoft.com/office/powerpoint/2010/main" spd="slow" p14:dur="1500">
-        <p159:morph option="byObject"/>
+  <mc:AlternateContent xmlns:mc="http://schemas.openxmlformats.org/markup-compatibility/2006" xmlns:p14="http://schemas.microsoft.com/office/powerpoint/2010/main">
+    <mc:Choice Requires="p14">
+      <p:transition spd="med" p14:dur="700">
+        <p:fade/>
       </p:transition>
     </mc:Choice>
     <mc:Fallback xmlns="">
-      <p:transition spd="slow">
+      <p:transition spd="med">
         <p:fade/>
       </p:transition>
     </mc:Fallback>
@@ -10954,7 +10832,7 @@
 </p:sld>
 </file>
 
-<file path=ppt/slides/slide2.xml><?xml version="1.0" encoding="utf-8"?>
+<file path=ppt/slides/slide19.xml><?xml version="1.0" encoding="utf-8"?>
 <p:sld xmlns:a="http://schemas.openxmlformats.org/drawingml/2006/main" xmlns:r="http://schemas.openxmlformats.org/officeDocument/2006/relationships" xmlns:p="http://schemas.openxmlformats.org/presentationml/2006/main">
   <p:cSld>
     <p:spTree>
@@ -10976,7 +10854,7 @@
           <p:cNvPr id="2" name="Titel 1">
             <a:extLst>
               <a:ext uri="{FF2B5EF4-FFF2-40B4-BE49-F238E27FC236}">
-                <a16:creationId xmlns:a16="http://schemas.microsoft.com/office/drawing/2014/main" id="{1307540C-F2DD-39C5-6AAD-8A22F4C5EED3}"/>
+                <a16:creationId xmlns:a16="http://schemas.microsoft.com/office/drawing/2014/main" id="{67FE7B62-6151-683B-CAB7-14BCB37FB787}"/>
               </a:ext>
             </a:extLst>
           </p:cNvPr>
@@ -10996,17 +10874,17 @@
           <a:p>
             <a:r>
               <a:rPr lang="de-DE" dirty="0"/>
-              <a:t>Rückblick: Thema und Aufgaben</a:t>
+              <a:t>Vorhersage der Verkehrsteilnehmerklasse</a:t>
             </a:r>
           </a:p>
         </p:txBody>
       </p:sp>
       <p:sp>
         <p:nvSpPr>
-          <p:cNvPr id="3" name="Textplatzhalter 2">
-            <a:extLst>
-              <a:ext uri="{FF2B5EF4-FFF2-40B4-BE49-F238E27FC236}">
-                <a16:creationId xmlns:a16="http://schemas.microsoft.com/office/drawing/2014/main" id="{14EEAC35-0616-71E1-437A-DA03C339A353}"/>
+          <p:cNvPr id="4" name="Textplatzhalter 3">
+            <a:extLst>
+              <a:ext uri="{FF2B5EF4-FFF2-40B4-BE49-F238E27FC236}">
+                <a16:creationId xmlns:a16="http://schemas.microsoft.com/office/drawing/2014/main" id="{38436B24-737D-7745-F381-CCC7025F43A5}"/>
               </a:ext>
             </a:extLst>
           </p:cNvPr>
@@ -11017,23 +10895,33 @@
             <p:ph type="body" idx="11"/>
           </p:nvPr>
         </p:nvSpPr>
-        <p:spPr/>
+        <p:spPr>
+          <a:xfrm>
+            <a:off x="539999" y="1350000"/>
+            <a:ext cx="11159999" cy="360000"/>
+          </a:xfrm>
+        </p:spPr>
         <p:txBody>
           <a:bodyPr>
-            <a:normAutofit fontScale="92500" lnSpcReduction="20000"/>
+            <a:normAutofit fontScale="92500" lnSpcReduction="10000"/>
           </a:bodyPr>
           <a:lstStyle/>
           <a:p>
-            <a:endParaRPr lang="de-DE" dirty="0"/>
+            <a:r>
+              <a:rPr lang="de-DE" b="1" dirty="0">
+                <a:latin typeface="Helvetica Neue"/>
+              </a:rPr>
+              <a:t>Evaluierung des RNNs auf verschiedenen Datensätzen</a:t>
+            </a:r>
           </a:p>
         </p:txBody>
       </p:sp>
       <p:sp>
         <p:nvSpPr>
-          <p:cNvPr id="4" name="Datumsplatzhalter 3">
-            <a:extLst>
-              <a:ext uri="{FF2B5EF4-FFF2-40B4-BE49-F238E27FC236}">
-                <a16:creationId xmlns:a16="http://schemas.microsoft.com/office/drawing/2014/main" id="{865B40A7-51D0-2AD4-E9C0-BEBC1C99F13F}"/>
+          <p:cNvPr id="7" name="Datumsplatzhalter 6">
+            <a:extLst>
+              <a:ext uri="{FF2B5EF4-FFF2-40B4-BE49-F238E27FC236}">
+                <a16:creationId xmlns:a16="http://schemas.microsoft.com/office/drawing/2014/main" id="{4083538D-A5C0-0699-FECB-F47D0F81480E}"/>
               </a:ext>
             </a:extLst>
           </p:cNvPr>
@@ -11098,196 +10986,7 @@
                 <a:tabLst/>
                 <a:defRPr/>
               </a:pPr>
-              <a:t>04.07.2023</a:t>
-            </a:fld>
-            <a:endParaRPr kumimoji="0" lang="de-DE" sz="1800" b="0" i="0" u="none" strike="noStrike" kern="1200" cap="none" spc="0" normalizeH="0" baseline="0" noProof="0" dirty="0">
-              <a:ln>
-                <a:noFill/>
-              </a:ln>
-              <a:solidFill>
-                <a:srgbClr val="6F6259"/>
-              </a:solidFill>
-              <a:effectLst/>
-              <a:uLnTx/>
-              <a:uFillTx/>
-              <a:latin typeface="Roboto Light"/>
-              <a:ea typeface="+mn-ea"/>
-              <a:cs typeface="+mn-cs"/>
-            </a:endParaRPr>
-          </a:p>
-        </p:txBody>
-      </p:sp>
-    </p:spTree>
-    <p:extLst>
-      <p:ext uri="{BB962C8B-B14F-4D97-AF65-F5344CB8AC3E}">
-        <p14:creationId xmlns:p14="http://schemas.microsoft.com/office/powerpoint/2010/main" val="3849409619"/>
-      </p:ext>
-    </p:extLst>
-  </p:cSld>
-  <p:clrMapOvr>
-    <a:masterClrMapping/>
-  </p:clrMapOvr>
-  <p:transition spd="slow">
-    <p:fade/>
-  </p:transition>
-</p:sld>
-</file>
-
-<file path=ppt/slides/slide20.xml><?xml version="1.0" encoding="utf-8"?>
-<p:sld xmlns:a="http://schemas.openxmlformats.org/drawingml/2006/main" xmlns:r="http://schemas.openxmlformats.org/officeDocument/2006/relationships" xmlns:p="http://schemas.openxmlformats.org/presentationml/2006/main">
-  <p:cSld>
-    <p:spTree>
-      <p:nvGrpSpPr>
-        <p:cNvPr id="1" name=""/>
-        <p:cNvGrpSpPr/>
-        <p:nvPr/>
-      </p:nvGrpSpPr>
-      <p:grpSpPr>
-        <a:xfrm>
-          <a:off x="0" y="0"/>
-          <a:ext cx="0" cy="0"/>
-          <a:chOff x="0" y="0"/>
-          <a:chExt cx="0" cy="0"/>
-        </a:xfrm>
-      </p:grpSpPr>
-      <p:sp>
-        <p:nvSpPr>
-          <p:cNvPr id="2" name="Titel 1">
-            <a:extLst>
-              <a:ext uri="{FF2B5EF4-FFF2-40B4-BE49-F238E27FC236}">
-                <a16:creationId xmlns:a16="http://schemas.microsoft.com/office/drawing/2014/main" id="{67FE7B62-6151-683B-CAB7-14BCB37FB787}"/>
-              </a:ext>
-            </a:extLst>
-          </p:cNvPr>
-          <p:cNvSpPr>
-            <a:spLocks noGrp="1"/>
-          </p:cNvSpPr>
-          <p:nvPr>
-            <p:ph type="title"/>
-          </p:nvPr>
-        </p:nvSpPr>
-        <p:spPr/>
-        <p:txBody>
-          <a:bodyPr>
-            <a:normAutofit fontScale="90000"/>
-          </a:bodyPr>
-          <a:lstStyle/>
-          <a:p>
-            <a:r>
-              <a:rPr lang="de-DE" dirty="0"/>
-              <a:t>Vorhersage der Verkehrsteilnehmerklasse</a:t>
-            </a:r>
-          </a:p>
-        </p:txBody>
-      </p:sp>
-      <p:sp>
-        <p:nvSpPr>
-          <p:cNvPr id="4" name="Textplatzhalter 3">
-            <a:extLst>
-              <a:ext uri="{FF2B5EF4-FFF2-40B4-BE49-F238E27FC236}">
-                <a16:creationId xmlns:a16="http://schemas.microsoft.com/office/drawing/2014/main" id="{38436B24-737D-7745-F381-CCC7025F43A5}"/>
-              </a:ext>
-            </a:extLst>
-          </p:cNvPr>
-          <p:cNvSpPr>
-            <a:spLocks noGrp="1"/>
-          </p:cNvSpPr>
-          <p:nvPr>
-            <p:ph type="body" idx="11"/>
-          </p:nvPr>
-        </p:nvSpPr>
-        <p:spPr>
-          <a:xfrm>
-            <a:off x="539999" y="1350000"/>
-            <a:ext cx="11159999" cy="360000"/>
-          </a:xfrm>
-        </p:spPr>
-        <p:txBody>
-          <a:bodyPr>
-            <a:normAutofit fontScale="92500" lnSpcReduction="10000"/>
-          </a:bodyPr>
-          <a:lstStyle/>
-          <a:p>
-            <a:r>
-              <a:rPr lang="de-DE" b="1" dirty="0">
-                <a:latin typeface="Helvetica Neue"/>
-              </a:rPr>
-              <a:t>Evaluierung des RNNs auf verschiedenen Datensätzen</a:t>
-            </a:r>
-          </a:p>
-        </p:txBody>
-      </p:sp>
-      <p:sp>
-        <p:nvSpPr>
-          <p:cNvPr id="7" name="Datumsplatzhalter 6">
-            <a:extLst>
-              <a:ext uri="{FF2B5EF4-FFF2-40B4-BE49-F238E27FC236}">
-                <a16:creationId xmlns:a16="http://schemas.microsoft.com/office/drawing/2014/main" id="{4083538D-A5C0-0699-FECB-F47D0F81480E}"/>
-              </a:ext>
-            </a:extLst>
-          </p:cNvPr>
-          <p:cNvSpPr>
-            <a:spLocks noGrp="1"/>
-          </p:cNvSpPr>
-          <p:nvPr>
-            <p:ph type="dt" sz="half" idx="2"/>
-          </p:nvPr>
-        </p:nvSpPr>
-        <p:spPr/>
-        <p:txBody>
-          <a:bodyPr/>
-          <a:lstStyle/>
-          <a:p>
-            <a:pPr marL="0" marR="0" lvl="0" indent="0" algn="l" defTabSz="914400" rtl="0" eaLnBrk="1" fontAlgn="auto" latinLnBrk="0" hangingPunct="1">
-              <a:lnSpc>
-                <a:spcPct val="100000"/>
-              </a:lnSpc>
-              <a:spcBef>
-                <a:spcPts val="0"/>
-              </a:spcBef>
-              <a:spcAft>
-                <a:spcPts val="0"/>
-              </a:spcAft>
-              <a:buClrTx/>
-              <a:buSzTx/>
-              <a:buFontTx/>
-              <a:buNone/>
-              <a:tabLst/>
-              <a:defRPr/>
-            </a:pPr>
-            <a:fld id="{6F1E101A-BD3B-B542-8690-1916D72F307E}" type="datetime1">
-              <a:rPr kumimoji="0" lang="de-DE" sz="1800" b="0" i="0" u="none" strike="noStrike" kern="1200" cap="none" spc="0" normalizeH="0" baseline="0" noProof="0" smtClean="0">
-                <a:ln>
-                  <a:noFill/>
-                </a:ln>
-                <a:solidFill>
-                  <a:srgbClr val="6F6259"/>
-                </a:solidFill>
-                <a:effectLst/>
-                <a:uLnTx/>
-                <a:uFillTx/>
-                <a:latin typeface="Roboto Light"/>
-                <a:ea typeface="+mn-ea"/>
-                <a:cs typeface="+mn-cs"/>
-              </a:rPr>
-              <a:pPr marL="0" marR="0" lvl="0" indent="0" algn="l" defTabSz="914400" rtl="0" eaLnBrk="1" fontAlgn="auto" latinLnBrk="0" hangingPunct="1">
-                <a:lnSpc>
-                  <a:spcPct val="100000"/>
-                </a:lnSpc>
-                <a:spcBef>
-                  <a:spcPts val="0"/>
-                </a:spcBef>
-                <a:spcAft>
-                  <a:spcPts val="0"/>
-                </a:spcAft>
-                <a:buClrTx/>
-                <a:buSzTx/>
-                <a:buFontTx/>
-                <a:buNone/>
-                <a:tabLst/>
-                <a:defRPr/>
-              </a:pPr>
-              <a:t>04.07.2023</a:t>
+              <a:t>05.07.2023</a:t>
             </a:fld>
             <a:endParaRPr kumimoji="0" lang="de-DE" sz="1800" b="0" i="0" u="none" strike="noStrike" kern="1200" cap="none" spc="0" normalizeH="0" baseline="0" noProof="0" dirty="0">
               <a:ln>
@@ -11574,14 +11273,664 @@
   <p:clrMapOvr>
     <a:masterClrMapping/>
   </p:clrMapOvr>
-  <mc:AlternateContent xmlns:mc="http://schemas.openxmlformats.org/markup-compatibility/2006" xmlns:p159="http://schemas.microsoft.com/office/powerpoint/2015/09/main">
-    <mc:Choice Requires="p159">
-      <p:transition xmlns:p14="http://schemas.microsoft.com/office/powerpoint/2010/main" spd="slow" p14:dur="1500">
-        <p159:morph option="byObject"/>
+  <mc:AlternateContent xmlns:mc="http://schemas.openxmlformats.org/markup-compatibility/2006" xmlns:p14="http://schemas.microsoft.com/office/powerpoint/2010/main">
+    <mc:Choice Requires="p14">
+      <p:transition spd="med" p14:dur="700">
+        <p:fade/>
       </p:transition>
     </mc:Choice>
     <mc:Fallback xmlns="">
-      <p:transition spd="slow">
+      <p:transition spd="med">
+        <p:fade/>
+      </p:transition>
+    </mc:Fallback>
+  </mc:AlternateContent>
+</p:sld>
+</file>
+
+<file path=ppt/slides/slide2.xml><?xml version="1.0" encoding="utf-8"?>
+<p:sld xmlns:a="http://schemas.openxmlformats.org/drawingml/2006/main" xmlns:r="http://schemas.openxmlformats.org/officeDocument/2006/relationships" xmlns:p="http://schemas.openxmlformats.org/presentationml/2006/main">
+  <p:cSld>
+    <p:spTree>
+      <p:nvGrpSpPr>
+        <p:cNvPr id="1" name=""/>
+        <p:cNvGrpSpPr/>
+        <p:nvPr/>
+      </p:nvGrpSpPr>
+      <p:grpSpPr>
+        <a:xfrm>
+          <a:off x="0" y="0"/>
+          <a:ext cx="0" cy="0"/>
+          <a:chOff x="0" y="0"/>
+          <a:chExt cx="0" cy="0"/>
+        </a:xfrm>
+      </p:grpSpPr>
+      <p:sp>
+        <p:nvSpPr>
+          <p:cNvPr id="2" name="Titel 1">
+            <a:extLst>
+              <a:ext uri="{FF2B5EF4-FFF2-40B4-BE49-F238E27FC236}">
+                <a16:creationId xmlns:a16="http://schemas.microsoft.com/office/drawing/2014/main" id="{1307540C-F2DD-39C5-6AAD-8A22F4C5EED3}"/>
+              </a:ext>
+            </a:extLst>
+          </p:cNvPr>
+          <p:cNvSpPr>
+            <a:spLocks noGrp="1"/>
+          </p:cNvSpPr>
+          <p:nvPr>
+            <p:ph type="title"/>
+          </p:nvPr>
+        </p:nvSpPr>
+        <p:spPr/>
+        <p:txBody>
+          <a:bodyPr>
+            <a:normAutofit fontScale="90000"/>
+          </a:bodyPr>
+          <a:lstStyle/>
+          <a:p>
+            <a:r>
+              <a:rPr lang="de-DE" dirty="0"/>
+              <a:t>Rückblick: Thema und Aufgaben</a:t>
+            </a:r>
+          </a:p>
+        </p:txBody>
+      </p:sp>
+      <p:sp>
+        <p:nvSpPr>
+          <p:cNvPr id="3" name="Textplatzhalter 2">
+            <a:extLst>
+              <a:ext uri="{FF2B5EF4-FFF2-40B4-BE49-F238E27FC236}">
+                <a16:creationId xmlns:a16="http://schemas.microsoft.com/office/drawing/2014/main" id="{14EEAC35-0616-71E1-437A-DA03C339A353}"/>
+              </a:ext>
+            </a:extLst>
+          </p:cNvPr>
+          <p:cNvSpPr>
+            <a:spLocks noGrp="1"/>
+          </p:cNvSpPr>
+          <p:nvPr>
+            <p:ph type="body" idx="11"/>
+          </p:nvPr>
+        </p:nvSpPr>
+        <p:spPr/>
+        <p:txBody>
+          <a:bodyPr>
+            <a:normAutofit fontScale="92500" lnSpcReduction="20000"/>
+          </a:bodyPr>
+          <a:lstStyle/>
+          <a:p>
+            <a:endParaRPr lang="de-DE" dirty="0"/>
+          </a:p>
+        </p:txBody>
+      </p:sp>
+      <p:sp>
+        <p:nvSpPr>
+          <p:cNvPr id="4" name="Datumsplatzhalter 3">
+            <a:extLst>
+              <a:ext uri="{FF2B5EF4-FFF2-40B4-BE49-F238E27FC236}">
+                <a16:creationId xmlns:a16="http://schemas.microsoft.com/office/drawing/2014/main" id="{865B40A7-51D0-2AD4-E9C0-BEBC1C99F13F}"/>
+              </a:ext>
+            </a:extLst>
+          </p:cNvPr>
+          <p:cNvSpPr>
+            <a:spLocks noGrp="1"/>
+          </p:cNvSpPr>
+          <p:nvPr>
+            <p:ph type="dt" sz="half" idx="2"/>
+          </p:nvPr>
+        </p:nvSpPr>
+        <p:spPr/>
+        <p:txBody>
+          <a:bodyPr/>
+          <a:lstStyle/>
+          <a:p>
+            <a:pPr marL="0" marR="0" lvl="0" indent="0" algn="l" defTabSz="914400" rtl="0" eaLnBrk="1" fontAlgn="auto" latinLnBrk="0" hangingPunct="1">
+              <a:lnSpc>
+                <a:spcPct val="100000"/>
+              </a:lnSpc>
+              <a:spcBef>
+                <a:spcPts val="0"/>
+              </a:spcBef>
+              <a:spcAft>
+                <a:spcPts val="0"/>
+              </a:spcAft>
+              <a:buClrTx/>
+              <a:buSzTx/>
+              <a:buFontTx/>
+              <a:buNone/>
+              <a:tabLst/>
+              <a:defRPr/>
+            </a:pPr>
+            <a:fld id="{6F1E101A-BD3B-B542-8690-1916D72F307E}" type="datetime1">
+              <a:rPr kumimoji="0" lang="de-DE" sz="1800" b="0" i="0" u="none" strike="noStrike" kern="1200" cap="none" spc="0" normalizeH="0" baseline="0" noProof="0" smtClean="0">
+                <a:ln>
+                  <a:noFill/>
+                </a:ln>
+                <a:solidFill>
+                  <a:srgbClr val="6F6259"/>
+                </a:solidFill>
+                <a:effectLst/>
+                <a:uLnTx/>
+                <a:uFillTx/>
+                <a:latin typeface="Roboto Light"/>
+                <a:ea typeface="+mn-ea"/>
+                <a:cs typeface="+mn-cs"/>
+              </a:rPr>
+              <a:pPr marL="0" marR="0" lvl="0" indent="0" algn="l" defTabSz="914400" rtl="0" eaLnBrk="1" fontAlgn="auto" latinLnBrk="0" hangingPunct="1">
+                <a:lnSpc>
+                  <a:spcPct val="100000"/>
+                </a:lnSpc>
+                <a:spcBef>
+                  <a:spcPts val="0"/>
+                </a:spcBef>
+                <a:spcAft>
+                  <a:spcPts val="0"/>
+                </a:spcAft>
+                <a:buClrTx/>
+                <a:buSzTx/>
+                <a:buFontTx/>
+                <a:buNone/>
+                <a:tabLst/>
+                <a:defRPr/>
+              </a:pPr>
+              <a:t>05.07.2023</a:t>
+            </a:fld>
+            <a:endParaRPr kumimoji="0" lang="de-DE" sz="1800" b="0" i="0" u="none" strike="noStrike" kern="1200" cap="none" spc="0" normalizeH="0" baseline="0" noProof="0" dirty="0">
+              <a:ln>
+                <a:noFill/>
+              </a:ln>
+              <a:solidFill>
+                <a:srgbClr val="6F6259"/>
+              </a:solidFill>
+              <a:effectLst/>
+              <a:uLnTx/>
+              <a:uFillTx/>
+              <a:latin typeface="Roboto Light"/>
+              <a:ea typeface="+mn-ea"/>
+              <a:cs typeface="+mn-cs"/>
+            </a:endParaRPr>
+          </a:p>
+        </p:txBody>
+      </p:sp>
+    </p:spTree>
+    <p:extLst>
+      <p:ext uri="{BB962C8B-B14F-4D97-AF65-F5344CB8AC3E}">
+        <p14:creationId xmlns:p14="http://schemas.microsoft.com/office/powerpoint/2010/main" val="3849409619"/>
+      </p:ext>
+    </p:extLst>
+  </p:cSld>
+  <p:clrMapOvr>
+    <a:masterClrMapping/>
+  </p:clrMapOvr>
+  <mc:AlternateContent xmlns:mc="http://schemas.openxmlformats.org/markup-compatibility/2006" xmlns:p14="http://schemas.microsoft.com/office/powerpoint/2010/main">
+    <mc:Choice Requires="p14">
+      <p:transition spd="med" p14:dur="700">
+        <p:fade/>
+      </p:transition>
+    </mc:Choice>
+    <mc:Fallback xmlns="">
+      <p:transition spd="med">
+        <p:fade/>
+      </p:transition>
+    </mc:Fallback>
+  </mc:AlternateContent>
+</p:sld>
+</file>
+
+<file path=ppt/slides/slide20.xml><?xml version="1.0" encoding="utf-8"?>
+<p:sld xmlns:a="http://schemas.openxmlformats.org/drawingml/2006/main" xmlns:r="http://schemas.openxmlformats.org/officeDocument/2006/relationships" xmlns:p="http://schemas.openxmlformats.org/presentationml/2006/main">
+  <p:cSld>
+    <p:spTree>
+      <p:nvGrpSpPr>
+        <p:cNvPr id="1" name=""/>
+        <p:cNvGrpSpPr/>
+        <p:nvPr/>
+      </p:nvGrpSpPr>
+      <p:grpSpPr>
+        <a:xfrm>
+          <a:off x="0" y="0"/>
+          <a:ext cx="0" cy="0"/>
+          <a:chOff x="0" y="0"/>
+          <a:chExt cx="0" cy="0"/>
+        </a:xfrm>
+      </p:grpSpPr>
+      <p:sp>
+        <p:nvSpPr>
+          <p:cNvPr id="2" name="Titel 1">
+            <a:extLst>
+              <a:ext uri="{FF2B5EF4-FFF2-40B4-BE49-F238E27FC236}">
+                <a16:creationId xmlns:a16="http://schemas.microsoft.com/office/drawing/2014/main" id="{67FE7B62-6151-683B-CAB7-14BCB37FB787}"/>
+              </a:ext>
+            </a:extLst>
+          </p:cNvPr>
+          <p:cNvSpPr>
+            <a:spLocks noGrp="1"/>
+          </p:cNvSpPr>
+          <p:nvPr>
+            <p:ph type="title"/>
+          </p:nvPr>
+        </p:nvSpPr>
+        <p:spPr/>
+        <p:txBody>
+          <a:bodyPr>
+            <a:normAutofit fontScale="90000"/>
+          </a:bodyPr>
+          <a:lstStyle/>
+          <a:p>
+            <a:r>
+              <a:rPr lang="de-DE" dirty="0"/>
+              <a:t>Vorhersage der Verkehrsteilnehmerklasse</a:t>
+            </a:r>
+          </a:p>
+        </p:txBody>
+      </p:sp>
+      <p:sp>
+        <p:nvSpPr>
+          <p:cNvPr id="4" name="Textplatzhalter 3">
+            <a:extLst>
+              <a:ext uri="{FF2B5EF4-FFF2-40B4-BE49-F238E27FC236}">
+                <a16:creationId xmlns:a16="http://schemas.microsoft.com/office/drawing/2014/main" id="{38436B24-737D-7745-F381-CCC7025F43A5}"/>
+              </a:ext>
+            </a:extLst>
+          </p:cNvPr>
+          <p:cNvSpPr>
+            <a:spLocks noGrp="1"/>
+          </p:cNvSpPr>
+          <p:nvPr>
+            <p:ph type="body" idx="11"/>
+          </p:nvPr>
+        </p:nvSpPr>
+        <p:spPr>
+          <a:xfrm>
+            <a:off x="539999" y="1350000"/>
+            <a:ext cx="11159999" cy="360000"/>
+          </a:xfrm>
+        </p:spPr>
+        <p:txBody>
+          <a:bodyPr>
+            <a:normAutofit fontScale="92500" lnSpcReduction="10000"/>
+          </a:bodyPr>
+          <a:lstStyle/>
+          <a:p>
+            <a:r>
+              <a:rPr lang="de-DE" b="1" dirty="0">
+                <a:latin typeface="Helvetica Neue"/>
+              </a:rPr>
+              <a:t>Nächste Ziele</a:t>
+            </a:r>
+          </a:p>
+        </p:txBody>
+      </p:sp>
+      <p:sp>
+        <p:nvSpPr>
+          <p:cNvPr id="7" name="Datumsplatzhalter 6">
+            <a:extLst>
+              <a:ext uri="{FF2B5EF4-FFF2-40B4-BE49-F238E27FC236}">
+                <a16:creationId xmlns:a16="http://schemas.microsoft.com/office/drawing/2014/main" id="{4083538D-A5C0-0699-FECB-F47D0F81480E}"/>
+              </a:ext>
+            </a:extLst>
+          </p:cNvPr>
+          <p:cNvSpPr>
+            <a:spLocks noGrp="1"/>
+          </p:cNvSpPr>
+          <p:nvPr>
+            <p:ph type="dt" sz="half" idx="2"/>
+          </p:nvPr>
+        </p:nvSpPr>
+        <p:spPr/>
+        <p:txBody>
+          <a:bodyPr/>
+          <a:lstStyle/>
+          <a:p>
+            <a:pPr marL="0" marR="0" lvl="0" indent="0" algn="l" defTabSz="914400" rtl="0" eaLnBrk="1" fontAlgn="auto" latinLnBrk="0" hangingPunct="1">
+              <a:lnSpc>
+                <a:spcPct val="100000"/>
+              </a:lnSpc>
+              <a:spcBef>
+                <a:spcPts val="0"/>
+              </a:spcBef>
+              <a:spcAft>
+                <a:spcPts val="0"/>
+              </a:spcAft>
+              <a:buClrTx/>
+              <a:buSzTx/>
+              <a:buFontTx/>
+              <a:buNone/>
+              <a:tabLst/>
+              <a:defRPr/>
+            </a:pPr>
+            <a:fld id="{6F1E101A-BD3B-B542-8690-1916D72F307E}" type="datetime1">
+              <a:rPr kumimoji="0" lang="de-DE" sz="1800" b="0" i="0" u="none" strike="noStrike" kern="1200" cap="none" spc="0" normalizeH="0" baseline="0" noProof="0" smtClean="0">
+                <a:ln>
+                  <a:noFill/>
+                </a:ln>
+                <a:solidFill>
+                  <a:srgbClr val="6F6259"/>
+                </a:solidFill>
+                <a:effectLst/>
+                <a:uLnTx/>
+                <a:uFillTx/>
+                <a:latin typeface="Roboto Light"/>
+                <a:ea typeface="+mn-ea"/>
+                <a:cs typeface="+mn-cs"/>
+              </a:rPr>
+              <a:pPr marL="0" marR="0" lvl="0" indent="0" algn="l" defTabSz="914400" rtl="0" eaLnBrk="1" fontAlgn="auto" latinLnBrk="0" hangingPunct="1">
+                <a:lnSpc>
+                  <a:spcPct val="100000"/>
+                </a:lnSpc>
+                <a:spcBef>
+                  <a:spcPts val="0"/>
+                </a:spcBef>
+                <a:spcAft>
+                  <a:spcPts val="0"/>
+                </a:spcAft>
+                <a:buClrTx/>
+                <a:buSzTx/>
+                <a:buFontTx/>
+                <a:buNone/>
+                <a:tabLst/>
+                <a:defRPr/>
+              </a:pPr>
+              <a:t>05.07.2023</a:t>
+            </a:fld>
+            <a:endParaRPr kumimoji="0" lang="de-DE" sz="1800" b="0" i="0" u="none" strike="noStrike" kern="1200" cap="none" spc="0" normalizeH="0" baseline="0" noProof="0" dirty="0">
+              <a:ln>
+                <a:noFill/>
+              </a:ln>
+              <a:solidFill>
+                <a:srgbClr val="6F6259"/>
+              </a:solidFill>
+              <a:effectLst/>
+              <a:uLnTx/>
+              <a:uFillTx/>
+              <a:latin typeface="Roboto Light"/>
+              <a:ea typeface="+mn-ea"/>
+              <a:cs typeface="+mn-cs"/>
+            </a:endParaRPr>
+          </a:p>
+        </p:txBody>
+      </p:sp>
+      <p:sp>
+        <p:nvSpPr>
+          <p:cNvPr id="3" name="Inhaltsplatzhalter 2">
+            <a:extLst>
+              <a:ext uri="{FF2B5EF4-FFF2-40B4-BE49-F238E27FC236}">
+                <a16:creationId xmlns:a16="http://schemas.microsoft.com/office/drawing/2014/main" id="{8969A7B8-5560-7C07-87DE-F85D2EEF6B8A}"/>
+              </a:ext>
+            </a:extLst>
+          </p:cNvPr>
+          <p:cNvSpPr txBox="1">
+            <a:spLocks/>
+          </p:cNvSpPr>
+          <p:nvPr/>
+        </p:nvSpPr>
+        <p:spPr>
+          <a:xfrm>
+            <a:off x="539999" y="1728778"/>
+            <a:ext cx="10976498" cy="3875433"/>
+          </a:xfrm>
+          <a:prstGeom prst="rect">
+            <a:avLst/>
+          </a:prstGeom>
+        </p:spPr>
+        <p:txBody>
+          <a:bodyPr vert="horz" lIns="91440" tIns="45720" rIns="91440" bIns="45720" rtlCol="0">
+            <a:normAutofit/>
+          </a:bodyPr>
+          <a:lstStyle>
+            <a:lvl1pPr marL="228600" indent="-228600" algn="l" defTabSz="914400" rtl="0" eaLnBrk="1" latinLnBrk="0" hangingPunct="1">
+              <a:lnSpc>
+                <a:spcPct val="90000"/>
+              </a:lnSpc>
+              <a:spcBef>
+                <a:spcPts val="1000"/>
+              </a:spcBef>
+              <a:buFont typeface="Arial" panose="020B0604020202020204" pitchFamily="34" charset="0"/>
+              <a:buChar char="•"/>
+              <a:defRPr sz="2000" kern="1200">
+                <a:solidFill>
+                  <a:schemeClr val="tx1"/>
+                </a:solidFill>
+                <a:latin typeface="+mn-lt"/>
+                <a:ea typeface="+mn-ea"/>
+                <a:cs typeface="+mn-cs"/>
+              </a:defRPr>
+            </a:lvl1pPr>
+            <a:lvl2pPr marL="685800" indent="-228600" algn="l" defTabSz="914400" rtl="0" eaLnBrk="1" latinLnBrk="0" hangingPunct="1">
+              <a:lnSpc>
+                <a:spcPct val="90000"/>
+              </a:lnSpc>
+              <a:spcBef>
+                <a:spcPts val="500"/>
+              </a:spcBef>
+              <a:buFont typeface="Arial" panose="020B0604020202020204" pitchFamily="34" charset="0"/>
+              <a:buChar char="•"/>
+              <a:defRPr sz="1800" kern="1200">
+                <a:solidFill>
+                  <a:schemeClr val="tx1"/>
+                </a:solidFill>
+                <a:latin typeface="+mn-lt"/>
+                <a:ea typeface="+mn-ea"/>
+                <a:cs typeface="+mn-cs"/>
+              </a:defRPr>
+            </a:lvl2pPr>
+            <a:lvl3pPr marL="1143000" indent="-228600" algn="l" defTabSz="914400" rtl="0" eaLnBrk="1" latinLnBrk="0" hangingPunct="1">
+              <a:lnSpc>
+                <a:spcPct val="90000"/>
+              </a:lnSpc>
+              <a:spcBef>
+                <a:spcPts val="500"/>
+              </a:spcBef>
+              <a:buFont typeface="Arial" panose="020B0604020202020204" pitchFamily="34" charset="0"/>
+              <a:buChar char="•"/>
+              <a:defRPr sz="1600" kern="1200">
+                <a:solidFill>
+                  <a:schemeClr val="tx1"/>
+                </a:solidFill>
+                <a:latin typeface="+mn-lt"/>
+                <a:ea typeface="+mn-ea"/>
+                <a:cs typeface="+mn-cs"/>
+              </a:defRPr>
+            </a:lvl3pPr>
+            <a:lvl4pPr marL="1600200" indent="-228600" algn="l" defTabSz="914400" rtl="0" eaLnBrk="1" latinLnBrk="0" hangingPunct="1">
+              <a:lnSpc>
+                <a:spcPct val="90000"/>
+              </a:lnSpc>
+              <a:spcBef>
+                <a:spcPts val="500"/>
+              </a:spcBef>
+              <a:buFont typeface="Arial" panose="020B0604020202020204" pitchFamily="34" charset="0"/>
+              <a:buChar char="•"/>
+              <a:defRPr sz="1400" kern="1200">
+                <a:solidFill>
+                  <a:schemeClr val="tx1"/>
+                </a:solidFill>
+                <a:latin typeface="+mn-lt"/>
+                <a:ea typeface="+mn-ea"/>
+                <a:cs typeface="+mn-cs"/>
+              </a:defRPr>
+            </a:lvl4pPr>
+            <a:lvl5pPr marL="2057400" indent="-228600" algn="l" defTabSz="914400" rtl="0" eaLnBrk="1" latinLnBrk="0" hangingPunct="1">
+              <a:lnSpc>
+                <a:spcPct val="90000"/>
+              </a:lnSpc>
+              <a:spcBef>
+                <a:spcPts val="500"/>
+              </a:spcBef>
+              <a:buFont typeface="Arial" panose="020B0604020202020204" pitchFamily="34" charset="0"/>
+              <a:buChar char="•"/>
+              <a:defRPr sz="1200" kern="1200">
+                <a:solidFill>
+                  <a:schemeClr val="tx1"/>
+                </a:solidFill>
+                <a:latin typeface="+mn-lt"/>
+                <a:ea typeface="+mn-ea"/>
+                <a:cs typeface="+mn-cs"/>
+              </a:defRPr>
+            </a:lvl5pPr>
+            <a:lvl6pPr marL="2514600" indent="-228600" algn="l" defTabSz="914400" rtl="0" eaLnBrk="1" latinLnBrk="0" hangingPunct="1">
+              <a:lnSpc>
+                <a:spcPct val="90000"/>
+              </a:lnSpc>
+              <a:spcBef>
+                <a:spcPts val="500"/>
+              </a:spcBef>
+              <a:buFont typeface="Arial" panose="020B0604020202020204" pitchFamily="34" charset="0"/>
+              <a:buChar char="•"/>
+              <a:defRPr sz="1800" kern="1200">
+                <a:solidFill>
+                  <a:schemeClr val="tx1"/>
+                </a:solidFill>
+                <a:latin typeface="+mn-lt"/>
+                <a:ea typeface="+mn-ea"/>
+                <a:cs typeface="+mn-cs"/>
+              </a:defRPr>
+            </a:lvl6pPr>
+            <a:lvl7pPr marL="2971800" indent="-228600" algn="l" defTabSz="914400" rtl="0" eaLnBrk="1" latinLnBrk="0" hangingPunct="1">
+              <a:lnSpc>
+                <a:spcPct val="90000"/>
+              </a:lnSpc>
+              <a:spcBef>
+                <a:spcPts val="500"/>
+              </a:spcBef>
+              <a:buFont typeface="Arial" panose="020B0604020202020204" pitchFamily="34" charset="0"/>
+              <a:buChar char="•"/>
+              <a:defRPr sz="1800" kern="1200">
+                <a:solidFill>
+                  <a:schemeClr val="tx1"/>
+                </a:solidFill>
+                <a:latin typeface="+mn-lt"/>
+                <a:ea typeface="+mn-ea"/>
+                <a:cs typeface="+mn-cs"/>
+              </a:defRPr>
+            </a:lvl7pPr>
+            <a:lvl8pPr marL="3429000" indent="-228600" algn="l" defTabSz="914400" rtl="0" eaLnBrk="1" latinLnBrk="0" hangingPunct="1">
+              <a:lnSpc>
+                <a:spcPct val="90000"/>
+              </a:lnSpc>
+              <a:spcBef>
+                <a:spcPts val="500"/>
+              </a:spcBef>
+              <a:buFont typeface="Arial" panose="020B0604020202020204" pitchFamily="34" charset="0"/>
+              <a:buChar char="•"/>
+              <a:defRPr sz="1800" kern="1200">
+                <a:solidFill>
+                  <a:schemeClr val="tx1"/>
+                </a:solidFill>
+                <a:latin typeface="+mn-lt"/>
+                <a:ea typeface="+mn-ea"/>
+                <a:cs typeface="+mn-cs"/>
+              </a:defRPr>
+            </a:lvl8pPr>
+            <a:lvl9pPr marL="3886200" indent="-228600" algn="l" defTabSz="914400" rtl="0" eaLnBrk="1" latinLnBrk="0" hangingPunct="1">
+              <a:lnSpc>
+                <a:spcPct val="90000"/>
+              </a:lnSpc>
+              <a:spcBef>
+                <a:spcPts val="500"/>
+              </a:spcBef>
+              <a:buFont typeface="Arial" panose="020B0604020202020204" pitchFamily="34" charset="0"/>
+              <a:buChar char="•"/>
+              <a:defRPr sz="1800" kern="1200">
+                <a:solidFill>
+                  <a:schemeClr val="tx1"/>
+                </a:solidFill>
+                <a:latin typeface="+mn-lt"/>
+                <a:ea typeface="+mn-ea"/>
+                <a:cs typeface="+mn-cs"/>
+              </a:defRPr>
+            </a:lvl9pPr>
+          </a:lstStyle>
+          <a:p>
+            <a:endParaRPr lang="de-DE" sz="1600" dirty="0">
+              <a:latin typeface="Helvetica Neue"/>
+              <a:sym typeface="Wingdings" panose="05000000000000000000" pitchFamily="2" charset="2"/>
+            </a:endParaRPr>
+          </a:p>
+          <a:p>
+            <a:r>
+              <a:rPr lang="de-DE" sz="1600" dirty="0">
+                <a:latin typeface="Helvetica Neue"/>
+                <a:sym typeface="Wingdings" panose="05000000000000000000" pitchFamily="2" charset="2"/>
+              </a:rPr>
+              <a:t>Hyperparameteroptimierung der RNNs für die einzelnen Datensätze:</a:t>
+            </a:r>
+          </a:p>
+          <a:p>
+            <a:pPr lvl="1"/>
+            <a:r>
+              <a:rPr lang="de-DE" sz="1400" dirty="0">
+                <a:latin typeface="Helvetica Neue"/>
+                <a:sym typeface="Wingdings" panose="05000000000000000000" pitchFamily="2" charset="2"/>
+              </a:rPr>
+              <a:t>Anzahl der (rekurrenten) Schichten</a:t>
+            </a:r>
+          </a:p>
+          <a:p>
+            <a:pPr lvl="1"/>
+            <a:r>
+              <a:rPr lang="de-DE" sz="1400" dirty="0">
+                <a:latin typeface="Helvetica Neue"/>
+                <a:sym typeface="Wingdings" panose="05000000000000000000" pitchFamily="2" charset="2"/>
+              </a:rPr>
+              <a:t>Anzahl der Neuronen pro Schicht</a:t>
+            </a:r>
+          </a:p>
+          <a:p>
+            <a:pPr lvl="1"/>
+            <a:r>
+              <a:rPr lang="de-DE" sz="1400" dirty="0">
+                <a:latin typeface="Helvetica Neue"/>
+                <a:sym typeface="Wingdings" panose="05000000000000000000" pitchFamily="2" charset="2"/>
+              </a:rPr>
+              <a:t>Aktivierungsfunktionen</a:t>
+            </a:r>
+          </a:p>
+          <a:p>
+            <a:pPr lvl="1"/>
+            <a:r>
+              <a:rPr lang="de-DE" sz="1400" dirty="0">
+                <a:latin typeface="Helvetica Neue"/>
+                <a:sym typeface="Wingdings" panose="05000000000000000000" pitchFamily="2" charset="2"/>
+              </a:rPr>
+              <a:t>…</a:t>
+            </a:r>
+          </a:p>
+          <a:p>
+            <a:pPr lvl="1"/>
+            <a:endParaRPr lang="de-DE" sz="1400" dirty="0">
+              <a:latin typeface="Helvetica Neue"/>
+              <a:sym typeface="Wingdings" panose="05000000000000000000" pitchFamily="2" charset="2"/>
+            </a:endParaRPr>
+          </a:p>
+          <a:p>
+            <a:r>
+              <a:rPr lang="de-DE" sz="1600" dirty="0">
+                <a:latin typeface="Helvetica Neue"/>
+                <a:sym typeface="Wingdings" panose="05000000000000000000" pitchFamily="2" charset="2"/>
+              </a:rPr>
+              <a:t> Evaluierung der Ergebnisse</a:t>
+            </a:r>
+          </a:p>
+        </p:txBody>
+      </p:sp>
+    </p:spTree>
+    <p:extLst>
+      <p:ext uri="{BB962C8B-B14F-4D97-AF65-F5344CB8AC3E}">
+        <p14:creationId xmlns:p14="http://schemas.microsoft.com/office/powerpoint/2010/main" val="1581101538"/>
+      </p:ext>
+    </p:extLst>
+  </p:cSld>
+  <p:clrMapOvr>
+    <a:masterClrMapping/>
+  </p:clrMapOvr>
+  <mc:AlternateContent xmlns:mc="http://schemas.openxmlformats.org/markup-compatibility/2006" xmlns:p14="http://schemas.microsoft.com/office/powerpoint/2010/main">
+    <mc:Choice Requires="p14">
+      <p:transition spd="med" p14:dur="700">
+        <p:fade/>
+      </p:transition>
+    </mc:Choice>
+    <mc:Fallback xmlns="">
+      <p:transition spd="med">
         <p:fade/>
       </p:transition>
     </mc:Fallback>
@@ -11611,7 +11960,7 @@
           <p:cNvPr id="2" name="Titel 1">
             <a:extLst>
               <a:ext uri="{FF2B5EF4-FFF2-40B4-BE49-F238E27FC236}">
-                <a16:creationId xmlns:a16="http://schemas.microsoft.com/office/drawing/2014/main" id="{1307540C-F2DD-39C5-6AAD-8A22F4C5EED3}"/>
+                <a16:creationId xmlns:a16="http://schemas.microsoft.com/office/drawing/2014/main" id="{6AEDEB1C-858D-6988-5F7C-D37131E3ED11}"/>
               </a:ext>
             </a:extLst>
           </p:cNvPr>
@@ -11631,17 +11980,17 @@
           <a:p>
             <a:r>
               <a:rPr lang="de-DE" dirty="0"/>
-              <a:t>Nächste Ziele</a:t>
+              <a:t>Danke für eure Aufmerksamkeit!</a:t>
             </a:r>
           </a:p>
         </p:txBody>
       </p:sp>
       <p:sp>
         <p:nvSpPr>
-          <p:cNvPr id="4" name="Datumsplatzhalter 3">
-            <a:extLst>
-              <a:ext uri="{FF2B5EF4-FFF2-40B4-BE49-F238E27FC236}">
-                <a16:creationId xmlns:a16="http://schemas.microsoft.com/office/drawing/2014/main" id="{865B40A7-51D0-2AD4-E9C0-BEBC1C99F13F}"/>
+          <p:cNvPr id="3" name="Datumsplatzhalter 2">
+            <a:extLst>
+              <a:ext uri="{FF2B5EF4-FFF2-40B4-BE49-F238E27FC236}">
+                <a16:creationId xmlns:a16="http://schemas.microsoft.com/office/drawing/2014/main" id="{AF190661-E7EC-D9F4-D9A4-F4B1D58379A8}"/>
               </a:ext>
             </a:extLst>
           </p:cNvPr>
@@ -11657,1280 +12006,10 @@
           <a:bodyPr/>
           <a:lstStyle/>
           <a:p>
-            <a:pPr marL="0" marR="0" lvl="0" indent="0" algn="l" defTabSz="914400" rtl="0" eaLnBrk="1" fontAlgn="auto" latinLnBrk="0" hangingPunct="1">
-              <a:lnSpc>
-                <a:spcPct val="100000"/>
-              </a:lnSpc>
-              <a:spcBef>
-                <a:spcPts val="0"/>
-              </a:spcBef>
-              <a:spcAft>
-                <a:spcPts val="0"/>
-              </a:spcAft>
-              <a:buClrTx/>
-              <a:buSzTx/>
-              <a:buFontTx/>
-              <a:buNone/>
-              <a:tabLst/>
-              <a:defRPr/>
-            </a:pPr>
-            <a:fld id="{6F1E101A-BD3B-B542-8690-1916D72F307E}" type="datetime1">
-              <a:rPr kumimoji="0" lang="de-DE" sz="1800" b="0" i="0" u="none" strike="noStrike" kern="1200" cap="none" spc="0" normalizeH="0" baseline="0" noProof="0" smtClean="0">
-                <a:ln>
-                  <a:noFill/>
-                </a:ln>
-                <a:solidFill>
-                  <a:srgbClr val="6F6259"/>
-                </a:solidFill>
-                <a:effectLst/>
-                <a:uLnTx/>
-                <a:uFillTx/>
-                <a:latin typeface="Roboto Light"/>
-                <a:ea typeface="+mn-ea"/>
-                <a:cs typeface="+mn-cs"/>
-              </a:rPr>
-              <a:pPr marL="0" marR="0" lvl="0" indent="0" algn="l" defTabSz="914400" rtl="0" eaLnBrk="1" fontAlgn="auto" latinLnBrk="0" hangingPunct="1">
-                <a:lnSpc>
-                  <a:spcPct val="100000"/>
-                </a:lnSpc>
-                <a:spcBef>
-                  <a:spcPts val="0"/>
-                </a:spcBef>
-                <a:spcAft>
-                  <a:spcPts val="0"/>
-                </a:spcAft>
-                <a:buClrTx/>
-                <a:buSzTx/>
-                <a:buFontTx/>
-                <a:buNone/>
-                <a:tabLst/>
-                <a:defRPr/>
-              </a:pPr>
-              <a:t>04.07.2023</a:t>
-            </a:fld>
-            <a:endParaRPr kumimoji="0" lang="de-DE" sz="1800" b="0" i="0" u="none" strike="noStrike" kern="1200" cap="none" spc="0" normalizeH="0" baseline="0" noProof="0" dirty="0">
-              <a:ln>
-                <a:noFill/>
-              </a:ln>
-              <a:solidFill>
-                <a:srgbClr val="6F6259"/>
-              </a:solidFill>
-              <a:effectLst/>
-              <a:uLnTx/>
-              <a:uFillTx/>
-              <a:latin typeface="Roboto Light"/>
-              <a:ea typeface="+mn-ea"/>
-              <a:cs typeface="+mn-cs"/>
-            </a:endParaRPr>
-          </a:p>
-        </p:txBody>
-      </p:sp>
-    </p:spTree>
-    <p:extLst>
-      <p:ext uri="{BB962C8B-B14F-4D97-AF65-F5344CB8AC3E}">
-        <p14:creationId xmlns:p14="http://schemas.microsoft.com/office/powerpoint/2010/main" val="3871640776"/>
-      </p:ext>
-    </p:extLst>
-  </p:cSld>
-  <p:clrMapOvr>
-    <a:masterClrMapping/>
-  </p:clrMapOvr>
-  <p:transition spd="slow">
-    <p:fade/>
-  </p:transition>
-</p:sld>
-</file>
-
-<file path=ppt/slides/slide22.xml><?xml version="1.0" encoding="utf-8"?>
-<p:sld xmlns:a="http://schemas.openxmlformats.org/drawingml/2006/main" xmlns:r="http://schemas.openxmlformats.org/officeDocument/2006/relationships" xmlns:p="http://schemas.openxmlformats.org/presentationml/2006/main">
-  <p:cSld>
-    <p:spTree>
-      <p:nvGrpSpPr>
-        <p:cNvPr id="1" name=""/>
-        <p:cNvGrpSpPr/>
-        <p:nvPr/>
-      </p:nvGrpSpPr>
-      <p:grpSpPr>
-        <a:xfrm>
-          <a:off x="0" y="0"/>
-          <a:ext cx="0" cy="0"/>
-          <a:chOff x="0" y="0"/>
-          <a:chExt cx="0" cy="0"/>
-        </a:xfrm>
-      </p:grpSpPr>
-      <p:sp>
-        <p:nvSpPr>
-          <p:cNvPr id="4" name="Datumsplatzhalter 3">
-            <a:extLst>
-              <a:ext uri="{FF2B5EF4-FFF2-40B4-BE49-F238E27FC236}">
-                <a16:creationId xmlns:a16="http://schemas.microsoft.com/office/drawing/2014/main" id="{F5949F17-DBB1-8446-E2F5-24A74A0B73A0}"/>
-              </a:ext>
-            </a:extLst>
-          </p:cNvPr>
-          <p:cNvSpPr>
-            <a:spLocks noGrp="1"/>
-          </p:cNvSpPr>
-          <p:nvPr>
-            <p:ph type="dt" sz="half" idx="10"/>
-          </p:nvPr>
-        </p:nvSpPr>
-        <p:spPr/>
-        <p:txBody>
-          <a:bodyPr/>
-          <a:lstStyle/>
-          <a:p>
-            <a:fld id="{8F26348B-845F-9447-ACF0-EB8A1B8AE0E8}" type="datetime1">
-              <a:rPr lang="de-DE" smtClean="0"/>
-              <a:t>04.07.2023</a:t>
-            </a:fld>
-            <a:endParaRPr lang="de-DE" dirty="0"/>
-          </a:p>
-        </p:txBody>
-      </p:sp>
-      <p:pic>
-        <p:nvPicPr>
-          <p:cNvPr id="20" name="Grafik 19" descr="Prozessor Silhouette">
-            <a:extLst>
-              <a:ext uri="{FF2B5EF4-FFF2-40B4-BE49-F238E27FC236}">
-                <a16:creationId xmlns:a16="http://schemas.microsoft.com/office/drawing/2014/main" id="{22AC1BC7-5789-7224-2F58-6618159A8C24}"/>
-              </a:ext>
-            </a:extLst>
-          </p:cNvPr>
-          <p:cNvPicPr>
-            <a:picLocks noChangeAspect="1"/>
-          </p:cNvPicPr>
-          <p:nvPr/>
-        </p:nvPicPr>
-        <p:blipFill>
-          <a:blip r:embed="rId2">
-            <a:extLst>
-              <a:ext uri="{28A0092B-C50C-407E-A947-70E740481C1C}">
-                <a14:useLocalDpi xmlns:a14="http://schemas.microsoft.com/office/drawing/2010/main" val="0"/>
-              </a:ext>
-              <a:ext uri="{96DAC541-7B7A-43D3-8B79-37D633B846F1}">
-                <asvg:svgBlip xmlns:asvg="http://schemas.microsoft.com/office/drawing/2016/SVG/main" r:embed="rId3"/>
-              </a:ext>
-            </a:extLst>
-          </a:blip>
-          <a:stretch>
-            <a:fillRect/>
-          </a:stretch>
-        </p:blipFill>
-        <p:spPr>
-          <a:xfrm>
-            <a:off x="3276012" y="1700219"/>
-            <a:ext cx="914400" cy="914400"/>
-          </a:xfrm>
-          <a:prstGeom prst="rect">
-            <a:avLst/>
-          </a:prstGeom>
-        </p:spPr>
-      </p:pic>
-      <p:pic>
-        <p:nvPicPr>
-          <p:cNvPr id="28" name="Grafik 27" descr="Zahnrad Silhouette">
-            <a:extLst>
-              <a:ext uri="{FF2B5EF4-FFF2-40B4-BE49-F238E27FC236}">
-                <a16:creationId xmlns:a16="http://schemas.microsoft.com/office/drawing/2014/main" id="{845E28D9-BAB8-9504-1FA6-B4FF56458A97}"/>
-              </a:ext>
-            </a:extLst>
-          </p:cNvPr>
-          <p:cNvPicPr>
-            <a:picLocks noChangeAspect="1"/>
-          </p:cNvPicPr>
-          <p:nvPr/>
-        </p:nvPicPr>
-        <p:blipFill>
-          <a:blip r:embed="rId4">
-            <a:extLst>
-              <a:ext uri="{28A0092B-C50C-407E-A947-70E740481C1C}">
-                <a14:useLocalDpi xmlns:a14="http://schemas.microsoft.com/office/drawing/2010/main" val="0"/>
-              </a:ext>
-              <a:ext uri="{96DAC541-7B7A-43D3-8B79-37D633B846F1}">
-                <asvg:svgBlip xmlns:asvg="http://schemas.microsoft.com/office/drawing/2016/SVG/main" r:embed="rId5"/>
-              </a:ext>
-            </a:extLst>
-          </a:blip>
-          <a:stretch>
-            <a:fillRect/>
-          </a:stretch>
-        </p:blipFill>
-        <p:spPr>
-          <a:xfrm>
-            <a:off x="5087440" y="2359867"/>
-            <a:ext cx="1069133" cy="1069133"/>
-          </a:xfrm>
-          <a:prstGeom prst="rect">
-            <a:avLst/>
-          </a:prstGeom>
-        </p:spPr>
-      </p:pic>
-      <p:pic>
-        <p:nvPicPr>
-          <p:cNvPr id="29" name="Grafik 28">
-            <a:extLst>
-              <a:ext uri="{FF2B5EF4-FFF2-40B4-BE49-F238E27FC236}">
-                <a16:creationId xmlns:a16="http://schemas.microsoft.com/office/drawing/2014/main" id="{70555A02-A9A8-3C3D-C2D7-0635449654FD}"/>
-              </a:ext>
-            </a:extLst>
-          </p:cNvPr>
-          <p:cNvPicPr>
-            <a:picLocks noChangeAspect="1"/>
-          </p:cNvPicPr>
-          <p:nvPr/>
-        </p:nvPicPr>
-        <p:blipFill>
-          <a:blip r:embed="rId6"/>
-          <a:stretch>
-            <a:fillRect/>
-          </a:stretch>
-        </p:blipFill>
-        <p:spPr>
-          <a:xfrm>
-            <a:off x="7046613" y="1657503"/>
-            <a:ext cx="914479" cy="999831"/>
-          </a:xfrm>
-          <a:prstGeom prst="rect">
-            <a:avLst/>
-          </a:prstGeom>
-        </p:spPr>
-      </p:pic>
-      <p:sp>
-        <p:nvSpPr>
-          <p:cNvPr id="30" name="Pfeil: nach rechts 29">
-            <a:extLst>
-              <a:ext uri="{FF2B5EF4-FFF2-40B4-BE49-F238E27FC236}">
-                <a16:creationId xmlns:a16="http://schemas.microsoft.com/office/drawing/2014/main" id="{525119CB-82C8-7FBF-1314-E01363EF21A9}"/>
-              </a:ext>
-            </a:extLst>
-          </p:cNvPr>
-          <p:cNvSpPr/>
-          <p:nvPr/>
-        </p:nvSpPr>
-        <p:spPr>
-          <a:xfrm rot="8806191">
-            <a:off x="6084678" y="2456361"/>
-            <a:ext cx="895504" cy="225896"/>
-          </a:xfrm>
-          <a:prstGeom prst="rightArrow">
-            <a:avLst/>
-          </a:prstGeom>
-          <a:solidFill>
-            <a:schemeClr val="bg1"/>
-          </a:solidFill>
-          <a:ln>
-            <a:solidFill>
-              <a:srgbClr val="FF0000"/>
-            </a:solidFill>
-          </a:ln>
-        </p:spPr>
-        <p:style>
-          <a:lnRef idx="2">
-            <a:schemeClr val="accent1">
-              <a:shade val="15000"/>
-            </a:schemeClr>
-          </a:lnRef>
-          <a:fillRef idx="1">
-            <a:schemeClr val="accent1"/>
-          </a:fillRef>
-          <a:effectRef idx="0">
-            <a:schemeClr val="accent1"/>
-          </a:effectRef>
-          <a:fontRef idx="minor">
-            <a:schemeClr val="lt1"/>
-          </a:fontRef>
-        </p:style>
-        <p:txBody>
-          <a:bodyPr rtlCol="0" anchor="ctr"/>
-          <a:lstStyle/>
-          <a:p>
-            <a:pPr algn="ctr"/>
-            <a:endParaRPr lang="de-DE"/>
-          </a:p>
-        </p:txBody>
-      </p:sp>
-      <p:sp>
-        <p:nvSpPr>
-          <p:cNvPr id="31" name="Pfeil: nach rechts 30">
-            <a:extLst>
-              <a:ext uri="{FF2B5EF4-FFF2-40B4-BE49-F238E27FC236}">
-                <a16:creationId xmlns:a16="http://schemas.microsoft.com/office/drawing/2014/main" id="{0B935105-1B55-5758-A2F1-8A812A4018DC}"/>
-              </a:ext>
-            </a:extLst>
-          </p:cNvPr>
-          <p:cNvSpPr/>
-          <p:nvPr/>
-        </p:nvSpPr>
-        <p:spPr>
-          <a:xfrm rot="19606191">
-            <a:off x="6084679" y="2197627"/>
-            <a:ext cx="895505" cy="225896"/>
-          </a:xfrm>
-          <a:prstGeom prst="rightArrow">
-            <a:avLst/>
-          </a:prstGeom>
-          <a:solidFill>
-            <a:schemeClr val="bg1"/>
-          </a:solidFill>
-          <a:ln>
-            <a:solidFill>
-              <a:schemeClr val="accent1"/>
-            </a:solidFill>
-          </a:ln>
-        </p:spPr>
-        <p:style>
-          <a:lnRef idx="2">
-            <a:schemeClr val="accent1">
-              <a:shade val="15000"/>
-            </a:schemeClr>
-          </a:lnRef>
-          <a:fillRef idx="1">
-            <a:schemeClr val="accent1"/>
-          </a:fillRef>
-          <a:effectRef idx="0">
-            <a:schemeClr val="accent1"/>
-          </a:effectRef>
-          <a:fontRef idx="minor">
-            <a:schemeClr val="lt1"/>
-          </a:fontRef>
-        </p:style>
-        <p:txBody>
-          <a:bodyPr rtlCol="0" anchor="ctr"/>
-          <a:lstStyle/>
-          <a:p>
-            <a:pPr algn="ctr"/>
-            <a:endParaRPr lang="de-DE"/>
-          </a:p>
-        </p:txBody>
-      </p:sp>
-      <p:sp>
-        <p:nvSpPr>
-          <p:cNvPr id="33" name="Pfeil: nach rechts 32">
-            <a:extLst>
-              <a:ext uri="{FF2B5EF4-FFF2-40B4-BE49-F238E27FC236}">
-                <a16:creationId xmlns:a16="http://schemas.microsoft.com/office/drawing/2014/main" id="{3E634FDC-5A3E-0754-04A5-7BE64A334702}"/>
-              </a:ext>
-            </a:extLst>
-          </p:cNvPr>
-          <p:cNvSpPr/>
-          <p:nvPr/>
-        </p:nvSpPr>
-        <p:spPr>
-          <a:xfrm>
-            <a:off x="5261068" y="4598108"/>
-            <a:ext cx="895505" cy="225896"/>
-          </a:xfrm>
-          <a:prstGeom prst="rightArrow">
-            <a:avLst/>
-          </a:prstGeom>
-          <a:solidFill>
-            <a:schemeClr val="accent1"/>
-          </a:solidFill>
-          <a:ln>
-            <a:solidFill>
-              <a:srgbClr val="000000"/>
-            </a:solidFill>
-          </a:ln>
-        </p:spPr>
-        <p:style>
-          <a:lnRef idx="2">
-            <a:schemeClr val="accent1">
-              <a:shade val="15000"/>
-            </a:schemeClr>
-          </a:lnRef>
-          <a:fillRef idx="1">
-            <a:schemeClr val="accent1"/>
-          </a:fillRef>
-          <a:effectRef idx="0">
-            <a:schemeClr val="accent1"/>
-          </a:effectRef>
-          <a:fontRef idx="minor">
-            <a:schemeClr val="lt1"/>
-          </a:fontRef>
-        </p:style>
-        <p:txBody>
-          <a:bodyPr rtlCol="0" anchor="ctr"/>
-          <a:lstStyle/>
-          <a:p>
-            <a:pPr algn="ctr"/>
-            <a:endParaRPr lang="de-DE"/>
-          </a:p>
-        </p:txBody>
-      </p:sp>
-      <p:pic>
-        <p:nvPicPr>
-          <p:cNvPr id="34" name="Grafik 33" descr="Zahnrad mit einfarbiger Füllung">
-            <a:extLst>
-              <a:ext uri="{FF2B5EF4-FFF2-40B4-BE49-F238E27FC236}">
-                <a16:creationId xmlns:a16="http://schemas.microsoft.com/office/drawing/2014/main" id="{59584258-64FC-AEC1-25BF-6BF3925DF922}"/>
-              </a:ext>
-            </a:extLst>
-          </p:cNvPr>
-          <p:cNvPicPr>
-            <a:picLocks noChangeAspect="1"/>
-          </p:cNvPicPr>
-          <p:nvPr/>
-        </p:nvPicPr>
-        <p:blipFill>
-          <a:blip r:embed="rId7">
-            <a:extLst>
-              <a:ext uri="{28A0092B-C50C-407E-A947-70E740481C1C}">
-                <a14:useLocalDpi xmlns:a14="http://schemas.microsoft.com/office/drawing/2010/main" val="0"/>
-              </a:ext>
-              <a:ext uri="{96DAC541-7B7A-43D3-8B79-37D633B846F1}">
-                <asvg:svgBlip xmlns:asvg="http://schemas.microsoft.com/office/drawing/2016/SVG/main" r:embed="rId8"/>
-              </a:ext>
-            </a:extLst>
-          </a:blip>
-          <a:stretch>
-            <a:fillRect/>
-          </a:stretch>
-        </p:blipFill>
-        <p:spPr>
-          <a:xfrm>
-            <a:off x="3992584" y="4176489"/>
-            <a:ext cx="1069133" cy="1069133"/>
-          </a:xfrm>
-          <a:prstGeom prst="rect">
-            <a:avLst/>
-          </a:prstGeom>
-        </p:spPr>
-      </p:pic>
-      <p:pic>
-        <p:nvPicPr>
-          <p:cNvPr id="35" name="Inhaltsplatzhalter 7" descr="Prozessor mit einfarbiger Füllung">
-            <a:extLst>
-              <a:ext uri="{FF2B5EF4-FFF2-40B4-BE49-F238E27FC236}">
-                <a16:creationId xmlns:a16="http://schemas.microsoft.com/office/drawing/2014/main" id="{F262C267-2E11-9C8C-61F5-ACAAAA88759A}"/>
-              </a:ext>
-            </a:extLst>
-          </p:cNvPr>
-          <p:cNvPicPr>
-            <a:picLocks noGrp="1" noChangeAspect="1"/>
-          </p:cNvPicPr>
-          <p:nvPr>
-            <p:ph idx="1"/>
-          </p:nvPr>
-        </p:nvPicPr>
-        <p:blipFill>
-          <a:blip r:embed="rId9">
-            <a:extLst>
-              <a:ext uri="{28A0092B-C50C-407E-A947-70E740481C1C}">
-                <a14:useLocalDpi xmlns:a14="http://schemas.microsoft.com/office/drawing/2010/main" val="0"/>
-              </a:ext>
-              <a:ext uri="{96DAC541-7B7A-43D3-8B79-37D633B846F1}">
-                <asvg:svgBlip xmlns:asvg="http://schemas.microsoft.com/office/drawing/2016/SVG/main" r:embed="rId10"/>
-              </a:ext>
-            </a:extLst>
-          </a:blip>
-          <a:stretch>
-            <a:fillRect/>
-          </a:stretch>
-        </p:blipFill>
-        <p:spPr>
-          <a:xfrm>
-            <a:off x="6355924" y="4253855"/>
-            <a:ext cx="914400" cy="914400"/>
-          </a:xfrm>
-        </p:spPr>
-      </p:pic>
-      <p:sp>
-        <p:nvSpPr>
-          <p:cNvPr id="36" name="Pfeil: nach rechts 35">
-            <a:extLst>
-              <a:ext uri="{FF2B5EF4-FFF2-40B4-BE49-F238E27FC236}">
-                <a16:creationId xmlns:a16="http://schemas.microsoft.com/office/drawing/2014/main" id="{482666CD-30A6-4B3F-33BA-55CF17F31464}"/>
-              </a:ext>
-            </a:extLst>
-          </p:cNvPr>
-          <p:cNvSpPr/>
-          <p:nvPr/>
-        </p:nvSpPr>
-        <p:spPr>
-          <a:xfrm rot="18549305">
-            <a:off x="4726501" y="3714219"/>
-            <a:ext cx="895505" cy="225896"/>
-          </a:xfrm>
-          <a:prstGeom prst="rightArrow">
-            <a:avLst/>
-          </a:prstGeom>
-          <a:solidFill>
-            <a:schemeClr val="bg1"/>
-          </a:solidFill>
-          <a:ln>
-            <a:solidFill>
-              <a:schemeClr val="accent1"/>
-            </a:solidFill>
-          </a:ln>
-        </p:spPr>
-        <p:style>
-          <a:lnRef idx="2">
-            <a:schemeClr val="accent1">
-              <a:shade val="15000"/>
-            </a:schemeClr>
-          </a:lnRef>
-          <a:fillRef idx="1">
-            <a:schemeClr val="accent1"/>
-          </a:fillRef>
-          <a:effectRef idx="0">
-            <a:schemeClr val="accent1"/>
-          </a:effectRef>
-          <a:fontRef idx="minor">
-            <a:schemeClr val="lt1"/>
-          </a:fontRef>
-        </p:style>
-        <p:txBody>
-          <a:bodyPr rtlCol="0" anchor="ctr"/>
-          <a:lstStyle/>
-          <a:p>
-            <a:pPr algn="ctr"/>
-            <a:endParaRPr lang="de-DE"/>
-          </a:p>
-        </p:txBody>
-      </p:sp>
-      <p:pic>
-        <p:nvPicPr>
-          <p:cNvPr id="38" name="Grafik 37">
-            <a:extLst>
-              <a:ext uri="{FF2B5EF4-FFF2-40B4-BE49-F238E27FC236}">
-                <a16:creationId xmlns:a16="http://schemas.microsoft.com/office/drawing/2014/main" id="{BC9BB84C-9801-D446-C84C-C3226B3E80B4}"/>
-              </a:ext>
-            </a:extLst>
-          </p:cNvPr>
-          <p:cNvPicPr>
-            <a:picLocks noChangeAspect="1"/>
-          </p:cNvPicPr>
-          <p:nvPr/>
-        </p:nvPicPr>
-        <p:blipFill>
-          <a:blip r:embed="rId11"/>
-          <a:stretch>
-            <a:fillRect/>
-          </a:stretch>
-        </p:blipFill>
-        <p:spPr>
-          <a:xfrm flipV="1">
-            <a:off x="5746642" y="3461838"/>
-            <a:ext cx="646232" cy="773683"/>
-          </a:xfrm>
-          <a:prstGeom prst="rect">
-            <a:avLst/>
-          </a:prstGeom>
-        </p:spPr>
-      </p:pic>
-      <p:sp>
-        <p:nvSpPr>
-          <p:cNvPr id="39" name="Pfeil: nach rechts 38">
-            <a:extLst>
-              <a:ext uri="{FF2B5EF4-FFF2-40B4-BE49-F238E27FC236}">
-                <a16:creationId xmlns:a16="http://schemas.microsoft.com/office/drawing/2014/main" id="{EF602FF1-0407-4AD0-E1E1-E1872A206087}"/>
-              </a:ext>
-            </a:extLst>
-          </p:cNvPr>
-          <p:cNvSpPr/>
-          <p:nvPr/>
-        </p:nvSpPr>
-        <p:spPr>
-          <a:xfrm>
-            <a:off x="2897728" y="4598108"/>
-            <a:ext cx="895505" cy="225896"/>
-          </a:xfrm>
-          <a:prstGeom prst="rightArrow">
-            <a:avLst/>
-          </a:prstGeom>
-          <a:solidFill>
-            <a:schemeClr val="accent1"/>
-          </a:solidFill>
-          <a:ln>
-            <a:solidFill>
-              <a:srgbClr val="000000"/>
-            </a:solidFill>
-          </a:ln>
-        </p:spPr>
-        <p:style>
-          <a:lnRef idx="2">
-            <a:schemeClr val="accent1">
-              <a:shade val="15000"/>
-            </a:schemeClr>
-          </a:lnRef>
-          <a:fillRef idx="1">
-            <a:schemeClr val="accent1"/>
-          </a:fillRef>
-          <a:effectRef idx="0">
-            <a:schemeClr val="accent1"/>
-          </a:effectRef>
-          <a:fontRef idx="minor">
-            <a:schemeClr val="lt1"/>
-          </a:fontRef>
-        </p:style>
-        <p:txBody>
-          <a:bodyPr rtlCol="0" anchor="ctr"/>
-          <a:lstStyle/>
-          <a:p>
-            <a:pPr algn="ctr"/>
-            <a:endParaRPr lang="de-DE"/>
-          </a:p>
-        </p:txBody>
-      </p:sp>
-      <p:sp>
-        <p:nvSpPr>
-          <p:cNvPr id="40" name="Pfeil: nach rechts 39">
-            <a:extLst>
-              <a:ext uri="{FF2B5EF4-FFF2-40B4-BE49-F238E27FC236}">
-                <a16:creationId xmlns:a16="http://schemas.microsoft.com/office/drawing/2014/main" id="{6E7C22D2-2B31-0289-52BA-C26D3B1DAE88}"/>
-              </a:ext>
-            </a:extLst>
-          </p:cNvPr>
-          <p:cNvSpPr/>
-          <p:nvPr/>
-        </p:nvSpPr>
-        <p:spPr>
-          <a:xfrm>
-            <a:off x="7469675" y="4581538"/>
-            <a:ext cx="895505" cy="225896"/>
-          </a:xfrm>
-          <a:prstGeom prst="rightArrow">
-            <a:avLst/>
-          </a:prstGeom>
-          <a:solidFill>
-            <a:schemeClr val="accent1"/>
-          </a:solidFill>
-          <a:ln>
-            <a:solidFill>
-              <a:srgbClr val="000000"/>
-            </a:solidFill>
-          </a:ln>
-        </p:spPr>
-        <p:style>
-          <a:lnRef idx="2">
-            <a:schemeClr val="accent1">
-              <a:shade val="15000"/>
-            </a:schemeClr>
-          </a:lnRef>
-          <a:fillRef idx="1">
-            <a:schemeClr val="accent1"/>
-          </a:fillRef>
-          <a:effectRef idx="0">
-            <a:schemeClr val="accent1"/>
-          </a:effectRef>
-          <a:fontRef idx="minor">
-            <a:schemeClr val="lt1"/>
-          </a:fontRef>
-        </p:style>
-        <p:txBody>
-          <a:bodyPr rtlCol="0" anchor="ctr"/>
-          <a:lstStyle/>
-          <a:p>
-            <a:pPr algn="ctr"/>
-            <a:endParaRPr lang="de-DE"/>
-          </a:p>
-        </p:txBody>
-      </p:sp>
-      <p:pic>
-        <p:nvPicPr>
-          <p:cNvPr id="46" name="Grafik 45" descr="Route zwei Stecknadeln mit Weg Silhouette">
-            <a:extLst>
-              <a:ext uri="{FF2B5EF4-FFF2-40B4-BE49-F238E27FC236}">
-                <a16:creationId xmlns:a16="http://schemas.microsoft.com/office/drawing/2014/main" id="{E4FD412E-B047-9559-99E2-A5C8466523E7}"/>
-              </a:ext>
-            </a:extLst>
-          </p:cNvPr>
-          <p:cNvPicPr>
-            <a:picLocks noChangeAspect="1"/>
-          </p:cNvPicPr>
-          <p:nvPr/>
-        </p:nvPicPr>
-        <p:blipFill>
-          <a:blip r:embed="rId12">
-            <a:extLst>
-              <a:ext uri="{28A0092B-C50C-407E-A947-70E740481C1C}">
-                <a14:useLocalDpi xmlns:a14="http://schemas.microsoft.com/office/drawing/2010/main" val="0"/>
-              </a:ext>
-              <a:ext uri="{96DAC541-7B7A-43D3-8B79-37D633B846F1}">
-                <asvg:svgBlip xmlns:asvg="http://schemas.microsoft.com/office/drawing/2016/SVG/main" r:embed="rId13"/>
-              </a:ext>
-            </a:extLst>
-          </a:blip>
-          <a:stretch>
-            <a:fillRect/>
-          </a:stretch>
-        </p:blipFill>
-        <p:spPr>
-          <a:xfrm>
-            <a:off x="1802872" y="4275671"/>
-            <a:ext cx="895506" cy="837629"/>
-          </a:xfrm>
-          <a:prstGeom prst="rect">
-            <a:avLst/>
-          </a:prstGeom>
-        </p:spPr>
-      </p:pic>
-      <p:pic>
-        <p:nvPicPr>
-          <p:cNvPr id="53" name="Grafik 52" descr="Route zwei Stecknadeln mit Weg mit einfarbiger Füllung">
-            <a:extLst>
-              <a:ext uri="{FF2B5EF4-FFF2-40B4-BE49-F238E27FC236}">
-                <a16:creationId xmlns:a16="http://schemas.microsoft.com/office/drawing/2014/main" id="{56B757C8-80FB-8071-7E4B-503AFBD672C2}"/>
-              </a:ext>
-            </a:extLst>
-          </p:cNvPr>
-          <p:cNvPicPr>
-            <a:picLocks noChangeAspect="1"/>
-          </p:cNvPicPr>
-          <p:nvPr/>
-        </p:nvPicPr>
-        <p:blipFill>
-          <a:blip r:embed="rId14">
-            <a:extLst>
-              <a:ext uri="{28A0092B-C50C-407E-A947-70E740481C1C}">
-                <a14:useLocalDpi xmlns:a14="http://schemas.microsoft.com/office/drawing/2010/main" val="0"/>
-              </a:ext>
-              <a:ext uri="{96DAC541-7B7A-43D3-8B79-37D633B846F1}">
-                <asvg:svgBlip xmlns:asvg="http://schemas.microsoft.com/office/drawing/2016/SVG/main" r:embed="rId15"/>
-              </a:ext>
-            </a:extLst>
-          </a:blip>
-          <a:stretch>
-            <a:fillRect/>
-          </a:stretch>
-        </p:blipFill>
-        <p:spPr>
-          <a:xfrm>
-            <a:off x="6451444" y="2468645"/>
-            <a:ext cx="430620" cy="430620"/>
-          </a:xfrm>
-          <a:prstGeom prst="rect">
-            <a:avLst/>
-          </a:prstGeom>
-        </p:spPr>
-      </p:pic>
-      <p:pic>
-        <p:nvPicPr>
-          <p:cNvPr id="64" name="Grafik 63">
-            <a:extLst>
-              <a:ext uri="{FF2B5EF4-FFF2-40B4-BE49-F238E27FC236}">
-                <a16:creationId xmlns:a16="http://schemas.microsoft.com/office/drawing/2014/main" id="{2651E409-BB5B-DD4B-D9B2-0FB803C891E6}"/>
-              </a:ext>
-            </a:extLst>
-          </p:cNvPr>
-          <p:cNvPicPr>
-            <a:picLocks noChangeAspect="1"/>
-          </p:cNvPicPr>
-          <p:nvPr/>
-        </p:nvPicPr>
-        <p:blipFill>
-          <a:blip r:embed="rId16"/>
-          <a:stretch>
-            <a:fillRect/>
-          </a:stretch>
-        </p:blipFill>
-        <p:spPr>
-          <a:xfrm>
-            <a:off x="4601865" y="3382731"/>
-            <a:ext cx="530007" cy="496560"/>
-          </a:xfrm>
-          <a:prstGeom prst="rect">
-            <a:avLst/>
-          </a:prstGeom>
-        </p:spPr>
-      </p:pic>
-      <p:pic>
-        <p:nvPicPr>
-          <p:cNvPr id="65" name="Grafik 64">
-            <a:extLst>
-              <a:ext uri="{FF2B5EF4-FFF2-40B4-BE49-F238E27FC236}">
-                <a16:creationId xmlns:a16="http://schemas.microsoft.com/office/drawing/2014/main" id="{AC77CE07-8EDA-32C7-A428-D616B6BAB0CE}"/>
-              </a:ext>
-            </a:extLst>
-          </p:cNvPr>
-          <p:cNvPicPr>
-            <a:picLocks noChangeAspect="1"/>
-          </p:cNvPicPr>
-          <p:nvPr/>
-        </p:nvPicPr>
-        <p:blipFill>
-          <a:blip r:embed="rId16"/>
-          <a:stretch>
-            <a:fillRect/>
-          </a:stretch>
-        </p:blipFill>
-        <p:spPr>
-          <a:xfrm>
-            <a:off x="5443816" y="4749062"/>
-            <a:ext cx="530007" cy="496560"/>
-          </a:xfrm>
-          <a:prstGeom prst="rect">
-            <a:avLst/>
-          </a:prstGeom>
-        </p:spPr>
-      </p:pic>
-      <p:pic>
-        <p:nvPicPr>
-          <p:cNvPr id="68" name="Grafik 67">
-            <a:extLst>
-              <a:ext uri="{FF2B5EF4-FFF2-40B4-BE49-F238E27FC236}">
-                <a16:creationId xmlns:a16="http://schemas.microsoft.com/office/drawing/2014/main" id="{66FAE9CE-5304-E1A4-77AA-1957383457C4}"/>
-              </a:ext>
-            </a:extLst>
-          </p:cNvPr>
-          <p:cNvPicPr>
-            <a:picLocks noChangeAspect="1"/>
-          </p:cNvPicPr>
-          <p:nvPr/>
-        </p:nvPicPr>
-        <p:blipFill>
-          <a:blip r:embed="rId17"/>
-          <a:stretch>
-            <a:fillRect/>
-          </a:stretch>
-        </p:blipFill>
-        <p:spPr>
-          <a:xfrm flipH="1">
-            <a:off x="4229328" y="2053112"/>
-            <a:ext cx="874440" cy="841321"/>
-          </a:xfrm>
-          <a:prstGeom prst="rect">
-            <a:avLst/>
-          </a:prstGeom>
-        </p:spPr>
-      </p:pic>
-      <p:pic>
-        <p:nvPicPr>
-          <p:cNvPr id="69" name="Grafik 68">
-            <a:extLst>
-              <a:ext uri="{FF2B5EF4-FFF2-40B4-BE49-F238E27FC236}">
-                <a16:creationId xmlns:a16="http://schemas.microsoft.com/office/drawing/2014/main" id="{AC2EEFC8-5957-9ED8-1787-252FD38561D5}"/>
-              </a:ext>
-            </a:extLst>
-          </p:cNvPr>
-          <p:cNvPicPr>
-            <a:picLocks noChangeAspect="1"/>
-          </p:cNvPicPr>
-          <p:nvPr/>
-        </p:nvPicPr>
-        <p:blipFill>
-          <a:blip r:embed="rId16"/>
-          <a:stretch>
-            <a:fillRect/>
-          </a:stretch>
-        </p:blipFill>
-        <p:spPr>
-          <a:xfrm>
-            <a:off x="4601865" y="1892529"/>
-            <a:ext cx="530007" cy="496560"/>
-          </a:xfrm>
-          <a:prstGeom prst="rect">
-            <a:avLst/>
-          </a:prstGeom>
-        </p:spPr>
-      </p:pic>
-      <p:pic>
-        <p:nvPicPr>
-          <p:cNvPr id="70" name="Grafik 69" descr="Motorrad Silhouette">
-            <a:extLst>
-              <a:ext uri="{FF2B5EF4-FFF2-40B4-BE49-F238E27FC236}">
-                <a16:creationId xmlns:a16="http://schemas.microsoft.com/office/drawing/2014/main" id="{3EA8C53B-9877-3627-FC98-89CF94DCE378}"/>
-              </a:ext>
-            </a:extLst>
-          </p:cNvPr>
-          <p:cNvPicPr>
-            <a:picLocks noChangeAspect="1"/>
-          </p:cNvPicPr>
-          <p:nvPr/>
-        </p:nvPicPr>
-        <p:blipFill>
-          <a:blip r:embed="rId18">
-            <a:extLst>
-              <a:ext uri="{28A0092B-C50C-407E-A947-70E740481C1C}">
-                <a14:useLocalDpi xmlns:a14="http://schemas.microsoft.com/office/drawing/2010/main" val="0"/>
-              </a:ext>
-              <a:ext uri="{96DAC541-7B7A-43D3-8B79-37D633B846F1}">
-                <asvg:svgBlip xmlns:asvg="http://schemas.microsoft.com/office/drawing/2016/SVG/main" r:embed="rId19"/>
-              </a:ext>
-            </a:extLst>
-          </a:blip>
-          <a:stretch>
-            <a:fillRect/>
-          </a:stretch>
-        </p:blipFill>
-        <p:spPr>
-          <a:xfrm>
-            <a:off x="8564531" y="4198900"/>
-            <a:ext cx="914400" cy="914400"/>
-          </a:xfrm>
-          <a:prstGeom prst="rect">
-            <a:avLst/>
-          </a:prstGeom>
-        </p:spPr>
-      </p:pic>
-      <p:pic>
-        <p:nvPicPr>
-          <p:cNvPr id="75" name="Grafik 74">
-            <a:extLst>
-              <a:ext uri="{FF2B5EF4-FFF2-40B4-BE49-F238E27FC236}">
-                <a16:creationId xmlns:a16="http://schemas.microsoft.com/office/drawing/2014/main" id="{3CE191E0-BBFB-01F5-E881-0E1967BBC9E3}"/>
-              </a:ext>
-            </a:extLst>
-          </p:cNvPr>
-          <p:cNvPicPr>
-            <a:picLocks noChangeAspect="1"/>
-          </p:cNvPicPr>
-          <p:nvPr/>
-        </p:nvPicPr>
-        <p:blipFill>
-          <a:blip r:embed="rId20"/>
-          <a:stretch>
-            <a:fillRect/>
-          </a:stretch>
-        </p:blipFill>
-        <p:spPr>
-          <a:xfrm>
-            <a:off x="6052653" y="3407418"/>
-            <a:ext cx="530007" cy="493455"/>
-          </a:xfrm>
-          <a:prstGeom prst="rect">
-            <a:avLst/>
-          </a:prstGeom>
-        </p:spPr>
-      </p:pic>
-      <p:pic>
-        <p:nvPicPr>
-          <p:cNvPr id="76" name="Grafik 75" descr="Route zwei Stecknadeln mit Weg Silhouette">
-            <a:extLst>
-              <a:ext uri="{FF2B5EF4-FFF2-40B4-BE49-F238E27FC236}">
-                <a16:creationId xmlns:a16="http://schemas.microsoft.com/office/drawing/2014/main" id="{A0EEE84B-A995-805D-6E03-C1BDB22ED5A4}"/>
-              </a:ext>
-            </a:extLst>
-          </p:cNvPr>
-          <p:cNvPicPr>
-            <a:picLocks noChangeAspect="1"/>
-          </p:cNvPicPr>
-          <p:nvPr/>
-        </p:nvPicPr>
-        <p:blipFill>
-          <a:blip r:embed="rId12">
-            <a:extLst>
-              <a:ext uri="{28A0092B-C50C-407E-A947-70E740481C1C}">
-                <a14:useLocalDpi xmlns:a14="http://schemas.microsoft.com/office/drawing/2010/main" val="0"/>
-              </a:ext>
-              <a:ext uri="{96DAC541-7B7A-43D3-8B79-37D633B846F1}">
-                <asvg:svgBlip xmlns:asvg="http://schemas.microsoft.com/office/drawing/2016/SVG/main" r:embed="rId13"/>
-              </a:ext>
-            </a:extLst>
-          </a:blip>
-          <a:stretch>
-            <a:fillRect/>
-          </a:stretch>
-        </p:blipFill>
-        <p:spPr>
-          <a:xfrm>
-            <a:off x="6095998" y="1878696"/>
-            <a:ext cx="486662" cy="455209"/>
-          </a:xfrm>
-          <a:prstGeom prst="rect">
-            <a:avLst/>
-          </a:prstGeom>
-        </p:spPr>
-      </p:pic>
-      <p:sp>
-        <p:nvSpPr>
-          <p:cNvPr id="77" name="Textfeld 76">
-            <a:extLst>
-              <a:ext uri="{FF2B5EF4-FFF2-40B4-BE49-F238E27FC236}">
-                <a16:creationId xmlns:a16="http://schemas.microsoft.com/office/drawing/2014/main" id="{9EA62C8E-48C9-CA50-3EDA-25ABBADF2E3B}"/>
-              </a:ext>
-            </a:extLst>
-          </p:cNvPr>
-          <p:cNvSpPr txBox="1"/>
-          <p:nvPr/>
-        </p:nvSpPr>
-        <p:spPr>
-          <a:xfrm>
-            <a:off x="5638800" y="2971800"/>
-            <a:ext cx="65" cy="276999"/>
-          </a:xfrm>
-          <a:prstGeom prst="rect">
-            <a:avLst/>
-          </a:prstGeom>
-          <a:noFill/>
-        </p:spPr>
-        <p:txBody>
-          <a:bodyPr wrap="none" lIns="0" tIns="0" rIns="0" bIns="0" rtlCol="0">
-            <a:spAutoFit/>
-          </a:bodyPr>
-          <a:lstStyle/>
-          <a:p>
-            <a:endParaRPr lang="de-DE" dirty="0"/>
-          </a:p>
-        </p:txBody>
-      </p:sp>
-      <p:sp>
-        <p:nvSpPr>
-          <p:cNvPr id="78" name="Textfeld 77">
-            <a:extLst>
-              <a:ext uri="{FF2B5EF4-FFF2-40B4-BE49-F238E27FC236}">
-                <a16:creationId xmlns:a16="http://schemas.microsoft.com/office/drawing/2014/main" id="{D924BDCE-696D-FAC9-1585-4A6EB08A0923}"/>
-              </a:ext>
-            </a:extLst>
-          </p:cNvPr>
-          <p:cNvSpPr txBox="1"/>
-          <p:nvPr/>
-        </p:nvSpPr>
-        <p:spPr>
-          <a:xfrm rot="1936486">
-            <a:off x="4343631" y="2618096"/>
-            <a:ext cx="619028" cy="261610"/>
-          </a:xfrm>
-          <a:prstGeom prst="rect">
-            <a:avLst/>
-          </a:prstGeom>
-          <a:noFill/>
-        </p:spPr>
-        <p:txBody>
-          <a:bodyPr wrap="square" rtlCol="0">
-            <a:spAutoFit/>
-          </a:bodyPr>
-          <a:lstStyle/>
-          <a:p>
-            <a:r>
-              <a:rPr lang="de-DE" sz="1100" b="1" dirty="0" err="1">
-                <a:solidFill>
-                  <a:srgbClr val="000000"/>
-                </a:solidFill>
-                <a:latin typeface="Calibri" panose="020F0502020204030204" pitchFamily="34" charset="0"/>
-                <a:cs typeface="Calibri" panose="020F0502020204030204" pitchFamily="34" charset="0"/>
-              </a:rPr>
-              <a:t>auto</a:t>
-            </a:r>
-            <a:endParaRPr lang="de-DE" sz="1100" b="1" dirty="0">
-              <a:solidFill>
-                <a:srgbClr val="000000"/>
-              </a:solidFill>
-              <a:latin typeface="Calibri" panose="020F0502020204030204" pitchFamily="34" charset="0"/>
-              <a:cs typeface="Calibri" panose="020F0502020204030204" pitchFamily="34" charset="0"/>
-            </a:endParaRPr>
-          </a:p>
-        </p:txBody>
-      </p:sp>
-      <p:sp>
-        <p:nvSpPr>
-          <p:cNvPr id="79" name="Textfeld 78">
-            <a:extLst>
-              <a:ext uri="{FF2B5EF4-FFF2-40B4-BE49-F238E27FC236}">
-                <a16:creationId xmlns:a16="http://schemas.microsoft.com/office/drawing/2014/main" id="{05256173-AC25-DB3F-454F-219906DFDB27}"/>
-              </a:ext>
-            </a:extLst>
-          </p:cNvPr>
-          <p:cNvSpPr txBox="1"/>
-          <p:nvPr/>
-        </p:nvSpPr>
-        <p:spPr>
-          <a:xfrm rot="182861">
-            <a:off x="6035415" y="1848316"/>
-            <a:ext cx="619028" cy="261610"/>
-          </a:xfrm>
-          <a:prstGeom prst="rect">
-            <a:avLst/>
-          </a:prstGeom>
-          <a:noFill/>
-        </p:spPr>
-        <p:txBody>
-          <a:bodyPr wrap="square" rtlCol="0">
-            <a:spAutoFit/>
-          </a:bodyPr>
-          <a:lstStyle/>
-          <a:p>
-            <a:r>
-              <a:rPr lang="de-DE" sz="1100" b="1" dirty="0" err="1">
-                <a:solidFill>
-                  <a:srgbClr val="000000"/>
-                </a:solidFill>
-                <a:latin typeface="Calibri" panose="020F0502020204030204" pitchFamily="34" charset="0"/>
-                <a:cs typeface="Calibri" panose="020F0502020204030204" pitchFamily="34" charset="0"/>
-              </a:rPr>
-              <a:t>auto</a:t>
-            </a:r>
-            <a:endParaRPr lang="de-DE" sz="1100" b="1" dirty="0">
-              <a:solidFill>
-                <a:srgbClr val="000000"/>
-              </a:solidFill>
-              <a:latin typeface="Calibri" panose="020F0502020204030204" pitchFamily="34" charset="0"/>
-              <a:cs typeface="Calibri" panose="020F0502020204030204" pitchFamily="34" charset="0"/>
-            </a:endParaRPr>
-          </a:p>
-        </p:txBody>
-      </p:sp>
-    </p:spTree>
-    <p:extLst>
-      <p:ext uri="{BB962C8B-B14F-4D97-AF65-F5344CB8AC3E}">
-        <p14:creationId xmlns:p14="http://schemas.microsoft.com/office/powerpoint/2010/main" val="4187439421"/>
-      </p:ext>
-    </p:extLst>
-  </p:cSld>
-  <p:clrMapOvr>
-    <a:masterClrMapping/>
-  </p:clrMapOvr>
-  <p:timing>
-    <p:tnLst>
-      <p:par>
-        <p:cTn id="1" dur="indefinite" restart="never" nodeType="tmRoot">
-          <p:childTnLst>
-            <p:seq concurrent="1" nextAc="seek">
-              <p:cTn id="2" dur="indefinite" nodeType="mainSeq">
-                <p:childTnLst>
-                  <p:par>
-                    <p:cTn id="3" fill="hold">
-                      <p:stCondLst>
-                        <p:cond delay="indefinite"/>
-                        <p:cond evt="onBegin" delay="0">
-                          <p:tn val="2"/>
-                        </p:cond>
-                      </p:stCondLst>
-                      <p:childTnLst>
-                        <p:par>
-                          <p:cTn id="4" fill="hold">
-                            <p:stCondLst>
-                              <p:cond delay="0"/>
-                            </p:stCondLst>
-                            <p:childTnLst>
-                              <p:par>
-                                <p:cTn id="5" presetID="10" presetClass="entr" presetSubtype="0" fill="hold" nodeType="withEffect">
-                                  <p:stCondLst>
-                                    <p:cond delay="0"/>
-                                  </p:stCondLst>
-                                  <p:childTnLst>
-                                    <p:set>
-                                      <p:cBhvr>
-                                        <p:cTn id="6" dur="1" fill="hold">
-                                          <p:stCondLst>
-                                            <p:cond delay="0"/>
-                                          </p:stCondLst>
-                                        </p:cTn>
-                                        <p:tgtEl>
-                                          <p:spTgt spid="70"/>
-                                        </p:tgtEl>
-                                        <p:attrNameLst>
-                                          <p:attrName>style.visibility</p:attrName>
-                                        </p:attrNameLst>
-                                      </p:cBhvr>
-                                      <p:to>
-                                        <p:strVal val="visible"/>
-                                      </p:to>
-                                    </p:set>
-                                    <p:animEffect transition="in" filter="fade">
-                                      <p:cBhvr>
-                                        <p:cTn id="7" dur="500"/>
-                                        <p:tgtEl>
-                                          <p:spTgt spid="70"/>
-                                        </p:tgtEl>
-                                      </p:cBhvr>
-                                    </p:animEffect>
-                                  </p:childTnLst>
-                                </p:cTn>
-                              </p:par>
-                            </p:childTnLst>
-                          </p:cTn>
-                        </p:par>
-                      </p:childTnLst>
-                    </p:cTn>
-                  </p:par>
-                </p:childTnLst>
-              </p:cTn>
-              <p:prevCondLst>
-                <p:cond evt="onPrev" delay="0">
-                  <p:tgtEl>
-                    <p:sldTgt/>
-                  </p:tgtEl>
-                </p:cond>
-              </p:prevCondLst>
-              <p:nextCondLst>
-                <p:cond evt="onNext" delay="0">
-                  <p:tgtEl>
-                    <p:sldTgt/>
-                  </p:tgtEl>
-                </p:cond>
-              </p:nextCondLst>
-            </p:seq>
-          </p:childTnLst>
-        </p:cTn>
-      </p:par>
-    </p:tnLst>
-  </p:timing>
-</p:sld>
-</file>
-
-<file path=ppt/slides/slide23.xml><?xml version="1.0" encoding="utf-8"?>
-<p:sld xmlns:a="http://schemas.openxmlformats.org/drawingml/2006/main" xmlns:r="http://schemas.openxmlformats.org/officeDocument/2006/relationships" xmlns:p="http://schemas.openxmlformats.org/presentationml/2006/main">
-  <p:cSld>
-    <p:spTree>
-      <p:nvGrpSpPr>
-        <p:cNvPr id="1" name=""/>
-        <p:cNvGrpSpPr/>
-        <p:nvPr/>
-      </p:nvGrpSpPr>
-      <p:grpSpPr>
-        <a:xfrm>
-          <a:off x="0" y="0"/>
-          <a:ext cx="0" cy="0"/>
-          <a:chOff x="0" y="0"/>
-          <a:chExt cx="0" cy="0"/>
-        </a:xfrm>
-      </p:grpSpPr>
-      <p:sp>
-        <p:nvSpPr>
-          <p:cNvPr id="2" name="Titel 1">
-            <a:extLst>
-              <a:ext uri="{FF2B5EF4-FFF2-40B4-BE49-F238E27FC236}">
-                <a16:creationId xmlns:a16="http://schemas.microsoft.com/office/drawing/2014/main" id="{6AEDEB1C-858D-6988-5F7C-D37131E3ED11}"/>
-              </a:ext>
-            </a:extLst>
-          </p:cNvPr>
-          <p:cNvSpPr>
-            <a:spLocks noGrp="1"/>
-          </p:cNvSpPr>
-          <p:nvPr>
-            <p:ph type="title"/>
-          </p:nvPr>
-        </p:nvSpPr>
-        <p:spPr/>
-        <p:txBody>
-          <a:bodyPr>
-            <a:normAutofit fontScale="90000"/>
-          </a:bodyPr>
-          <a:lstStyle/>
-          <a:p>
-            <a:r>
-              <a:rPr lang="de-DE" dirty="0"/>
-              <a:t>Danke für eure Aufmerksamkeit!</a:t>
-            </a:r>
-          </a:p>
-        </p:txBody>
-      </p:sp>
-      <p:sp>
-        <p:nvSpPr>
-          <p:cNvPr id="3" name="Datumsplatzhalter 2">
-            <a:extLst>
-              <a:ext uri="{FF2B5EF4-FFF2-40B4-BE49-F238E27FC236}">
-                <a16:creationId xmlns:a16="http://schemas.microsoft.com/office/drawing/2014/main" id="{AF190661-E7EC-D9F4-D9A4-F4B1D58379A8}"/>
-              </a:ext>
-            </a:extLst>
-          </p:cNvPr>
-          <p:cNvSpPr>
-            <a:spLocks noGrp="1"/>
-          </p:cNvSpPr>
-          <p:nvPr>
-            <p:ph type="dt" sz="half" idx="2"/>
-          </p:nvPr>
-        </p:nvSpPr>
-        <p:spPr/>
-        <p:txBody>
-          <a:bodyPr/>
-          <a:lstStyle/>
-          <a:p>
             <a:fld id="{6F1E101A-BD3B-B542-8690-1916D72F307E}" type="datetime1">
               <a:rPr lang="de-DE" smtClean="0"/>
               <a:pPr/>
-              <a:t>04.07.2023</a:t>
+              <a:t>05.07.2023</a:t>
             </a:fld>
             <a:endParaRPr lang="de-DE" dirty="0"/>
           </a:p>
@@ -12946,9 +12025,18 @@
   <p:clrMapOvr>
     <a:masterClrMapping/>
   </p:clrMapOvr>
-  <p:transition spd="slow">
-    <p:fade/>
-  </p:transition>
+  <mc:AlternateContent xmlns:mc="http://schemas.openxmlformats.org/markup-compatibility/2006" xmlns:p14="http://schemas.microsoft.com/office/powerpoint/2010/main">
+    <mc:Choice Requires="p14">
+      <p:transition spd="med" p14:dur="700">
+        <p:fade/>
+      </p:transition>
+    </mc:Choice>
+    <mc:Fallback xmlns="">
+      <p:transition spd="med">
+        <p:fade/>
+      </p:transition>
+    </mc:Fallback>
+  </mc:AlternateContent>
 </p:sld>
 </file>
 
@@ -13151,7 +12239,7 @@
                 <a:tabLst/>
                 <a:defRPr/>
               </a:pPr>
-              <a:t>04.07.2023</a:t>
+              <a:t>05.07.2023</a:t>
             </a:fld>
             <a:endParaRPr kumimoji="0" lang="de-DE" sz="1800" b="0" i="0" u="none" strike="noStrike" kern="1200" cap="none" spc="0" normalizeH="0" baseline="0" noProof="0" dirty="0">
               <a:ln>
@@ -13438,14 +12526,14 @@
   <p:clrMapOvr>
     <a:masterClrMapping/>
   </p:clrMapOvr>
-  <mc:AlternateContent xmlns:mc="http://schemas.openxmlformats.org/markup-compatibility/2006">
-    <mc:Choice xmlns:p159="http://schemas.microsoft.com/office/powerpoint/2015/09/main" Requires="p159">
-      <p:transition xmlns:p14="http://schemas.microsoft.com/office/powerpoint/2010/main" spd="slow" p14:dur="1500">
-        <p159:morph option="byObject"/>
+  <mc:AlternateContent xmlns:mc="http://schemas.openxmlformats.org/markup-compatibility/2006" xmlns:p14="http://schemas.microsoft.com/office/powerpoint/2010/main">
+    <mc:Choice Requires="p14">
+      <p:transition spd="med" p14:dur="700">
+        <p:fade/>
       </p:transition>
     </mc:Choice>
-    <mc:Fallback>
-      <p:transition spd="slow">
+    <mc:Fallback xmlns="">
+      <p:transition spd="med">
         <p:fade/>
       </p:transition>
     </mc:Fallback>
@@ -13594,129 +12682,6 @@
           </a:p>
         </p:txBody>
       </p:sp>
-      <p:sp>
-        <p:nvSpPr>
-          <p:cNvPr id="3" name="Inhaltsplatzhalter 2">
-            <a:extLst>
-              <a:ext uri="{FF2B5EF4-FFF2-40B4-BE49-F238E27FC236}">
-                <a16:creationId xmlns:a16="http://schemas.microsoft.com/office/drawing/2014/main" id="{B5FAC41B-0B3D-CB78-66EA-73ADD7EF023D}"/>
-              </a:ext>
-            </a:extLst>
-          </p:cNvPr>
-          <p:cNvSpPr>
-            <a:spLocks noGrp="1"/>
-          </p:cNvSpPr>
-          <p:nvPr>
-            <p:ph idx="1"/>
-          </p:nvPr>
-        </p:nvSpPr>
-        <p:spPr>
-          <a:xfrm>
-            <a:off x="539998" y="1946802"/>
-            <a:ext cx="7950859" cy="1677600"/>
-          </a:xfrm>
-        </p:spPr>
-        <p:txBody>
-          <a:bodyPr>
-            <a:normAutofit/>
-          </a:bodyPr>
-          <a:lstStyle/>
-          <a:p>
-            <a:r>
-              <a:rPr lang="de-DE" dirty="0">
-                <a:latin typeface="Helvetica Neue"/>
-              </a:rPr>
-              <a:t>Lösung: </a:t>
-            </a:r>
-            <a:r>
-              <a:rPr lang="de-DE" i="1" dirty="0" err="1">
-                <a:latin typeface="Helvetica Neue"/>
-              </a:rPr>
-              <a:t>MotionTrace</a:t>
-            </a:r>
-            <a:r>
-              <a:rPr lang="de-DE" dirty="0">
-                <a:latin typeface="Helvetica Neue"/>
-              </a:rPr>
-              <a:t>-App</a:t>
-            </a:r>
-          </a:p>
-          <a:p>
-            <a:pPr lvl="1">
-              <a:buFont typeface="Wingdings" panose="05000000000000000000" pitchFamily="2" charset="2"/>
-              <a:buChar char="ü"/>
-            </a:pPr>
-            <a:r>
-              <a:rPr lang="de-DE" dirty="0">
-                <a:latin typeface="Helvetica Neue"/>
-              </a:rPr>
-              <a:t>Aufnahme und </a:t>
-            </a:r>
-            <a:r>
-              <a:rPr lang="de-DE" dirty="0" err="1">
-                <a:latin typeface="Helvetica Neue"/>
-              </a:rPr>
-              <a:t>Labeling</a:t>
-            </a:r>
-            <a:r>
-              <a:rPr lang="de-DE" dirty="0">
-                <a:latin typeface="Helvetica Neue"/>
-              </a:rPr>
-              <a:t> von GPS-Sequenzen beliebiger Länge</a:t>
-            </a:r>
-          </a:p>
-          <a:p>
-            <a:pPr lvl="1">
-              <a:buFont typeface="Wingdings" panose="05000000000000000000" pitchFamily="2" charset="2"/>
-              <a:buChar char="ü"/>
-            </a:pPr>
-            <a:r>
-              <a:rPr lang="de-DE" dirty="0">
-                <a:latin typeface="Helvetica Neue"/>
-              </a:rPr>
-              <a:t>Aufnahmeintervall: eine Sekunde</a:t>
-            </a:r>
-            <a:endParaRPr lang="de-DE" dirty="0"/>
-          </a:p>
-        </p:txBody>
-      </p:sp>
-      <p:sp>
-        <p:nvSpPr>
-          <p:cNvPr id="4" name="Textplatzhalter 3">
-            <a:extLst>
-              <a:ext uri="{FF2B5EF4-FFF2-40B4-BE49-F238E27FC236}">
-                <a16:creationId xmlns:a16="http://schemas.microsoft.com/office/drawing/2014/main" id="{38436B24-737D-7745-F381-CCC7025F43A5}"/>
-              </a:ext>
-            </a:extLst>
-          </p:cNvPr>
-          <p:cNvSpPr>
-            <a:spLocks noGrp="1"/>
-          </p:cNvSpPr>
-          <p:nvPr>
-            <p:ph type="body" idx="11"/>
-          </p:nvPr>
-        </p:nvSpPr>
-        <p:spPr>
-          <a:xfrm>
-            <a:off x="539999" y="1350000"/>
-            <a:ext cx="11159999" cy="360000"/>
-          </a:xfrm>
-        </p:spPr>
-        <p:txBody>
-          <a:bodyPr>
-            <a:normAutofit fontScale="92500" lnSpcReduction="10000"/>
-          </a:bodyPr>
-          <a:lstStyle/>
-          <a:p>
-            <a:r>
-              <a:rPr lang="de-DE" b="1" dirty="0">
-                <a:latin typeface="Helvetica Neue"/>
-              </a:rPr>
-              <a:t>Problem: Es existiert noch kein geeigneter Datensatz.</a:t>
-            </a:r>
-          </a:p>
-        </p:txBody>
-      </p:sp>
       <p:pic>
         <p:nvPicPr>
           <p:cNvPr id="15" name="Inhaltsplatzhalter 14" descr="Ein Bild, das Text, Karte, Screenshot enthält.&#10;&#10;Automatisch generierte Beschreibung">
@@ -13849,7 +12814,7 @@
                 <a:tabLst/>
                 <a:defRPr/>
               </a:pPr>
-              <a:t>04.07.2023</a:t>
+              <a:t>05.07.2023</a:t>
             </a:fld>
             <a:endParaRPr kumimoji="0" lang="de-DE" sz="1800" b="0" i="0" u="none" strike="noStrike" kern="1200" cap="none" spc="0" normalizeH="0" baseline="0" noProof="0" dirty="0">
               <a:ln>
@@ -13884,8 +12849,8 @@
         </p:nvSpPr>
         <p:spPr>
           <a:xfrm>
-            <a:off x="539998" y="3289948"/>
-            <a:ext cx="6775200" cy="738355"/>
+            <a:off x="539997" y="2375044"/>
+            <a:ext cx="8052068" cy="1359471"/>
           </a:xfrm>
           <a:prstGeom prst="rect">
             <a:avLst/>
@@ -14094,6 +13059,20 @@
               </a:rPr>
               <a:t>Damaliger Stand:</a:t>
             </a:r>
+            <a:endParaRPr kumimoji="0" lang="de-DE" b="0" i="0" u="none" strike="noStrike" kern="1200" cap="none" spc="0" normalizeH="0" baseline="0" noProof="0" dirty="0">
+              <a:ln>
+                <a:noFill/>
+              </a:ln>
+              <a:solidFill>
+                <a:srgbClr val="6F6259"/>
+              </a:solidFill>
+              <a:effectLst/>
+              <a:uLnTx/>
+              <a:uFillTx/>
+              <a:latin typeface="Helvetica Neue"/>
+              <a:ea typeface="+mn-ea"/>
+              <a:cs typeface="+mn-cs"/>
+            </a:endParaRPr>
           </a:p>
           <a:p>
             <a:pPr marL="685800" marR="0" lvl="1" indent="-228600" algn="l" defTabSz="914400" rtl="0" eaLnBrk="1" fontAlgn="auto" latinLnBrk="0" hangingPunct="1">
@@ -14128,7 +13107,43 @@
                 <a:ea typeface="+mn-ea"/>
                 <a:cs typeface="+mn-cs"/>
               </a:rPr>
-              <a:t>ca. 9h durch vier Nutzer aufgenommen</a:t>
+              <a:t>Datensammlung über MotionTrace-App</a:t>
+            </a:r>
+          </a:p>
+          <a:p>
+            <a:pPr marL="685800" marR="0" lvl="1" indent="-228600" algn="l" defTabSz="914400" rtl="0" eaLnBrk="1" fontAlgn="auto" latinLnBrk="0" hangingPunct="1">
+              <a:lnSpc>
+                <a:spcPct val="90000"/>
+              </a:lnSpc>
+              <a:spcBef>
+                <a:spcPts val="500"/>
+              </a:spcBef>
+              <a:spcAft>
+                <a:spcPts val="0"/>
+              </a:spcAft>
+              <a:buClrTx/>
+              <a:buSzTx/>
+              <a:buFont typeface="Wingdings" panose="05000000000000000000" pitchFamily="2" charset="2"/>
+              <a:buChar char="v"/>
+              <a:tabLst/>
+              <a:defRPr/>
+            </a:pPr>
+            <a:r>
+              <a:rPr kumimoji="0" lang="de-DE" sz="1800" b="0" i="0" u="none" strike="noStrike" kern="1200" cap="none" spc="0" normalizeH="0" baseline="0" noProof="0" dirty="0">
+                <a:ln>
+                  <a:noFill/>
+                </a:ln>
+                <a:solidFill>
+                  <a:srgbClr val="6F6259"/>
+                </a:solidFill>
+                <a:effectLst/>
+                <a:uLnTx/>
+                <a:uFillTx/>
+                <a:latin typeface="Helvetica Neue"/>
+                <a:ea typeface="+mn-ea"/>
+                <a:cs typeface="+mn-cs"/>
+              </a:rPr>
+              <a:t>Aufnahmen im Umfang von 9h durch vier Nutzer gesammelt</a:t>
             </a:r>
           </a:p>
         </p:txBody>
@@ -14149,8 +13164,8 @@
         </p:nvSpPr>
         <p:spPr>
           <a:xfrm>
-            <a:off x="539998" y="4399559"/>
-            <a:ext cx="6775200" cy="905609"/>
+            <a:off x="539997" y="3734515"/>
+            <a:ext cx="7673127" cy="905609"/>
           </a:xfrm>
           <a:prstGeom prst="rect">
             <a:avLst/>
@@ -14384,14 +13399,14 @@
   <p:clrMapOvr>
     <a:masterClrMapping/>
   </p:clrMapOvr>
-  <mc:AlternateContent xmlns:mc="http://schemas.openxmlformats.org/markup-compatibility/2006" xmlns:p159="http://schemas.microsoft.com/office/powerpoint/2015/09/main">
-    <mc:Choice Requires="p159">
-      <p:transition xmlns:p14="http://schemas.microsoft.com/office/powerpoint/2010/main" spd="slow" p14:dur="1500">
-        <p159:morph option="byObject"/>
+  <mc:AlternateContent xmlns:mc="http://schemas.openxmlformats.org/markup-compatibility/2006" xmlns:p14="http://schemas.microsoft.com/office/powerpoint/2010/main">
+    <mc:Choice Requires="p14">
+      <p:transition spd="med" p14:dur="700">
+        <p:fade/>
       </p:transition>
     </mc:Choice>
     <mc:Fallback xmlns="">
-      <p:transition spd="slow">
+      <p:transition spd="med">
         <p:fade/>
       </p:transition>
     </mc:Fallback>
@@ -14553,7 +13568,7 @@
                 <a:tabLst/>
                 <a:defRPr/>
               </a:pPr>
-              <a:t>04.07.2023</a:t>
+              <a:t>05.07.2023</a:t>
             </a:fld>
             <a:endParaRPr kumimoji="0" lang="de-DE" sz="1800" b="0" i="0" u="none" strike="noStrike" kern="1200" cap="none" spc="0" normalizeH="0" baseline="0" noProof="0" dirty="0">
               <a:ln>
@@ -14934,7 +13949,7 @@
                 <a:ea typeface="+mn-ea"/>
                 <a:cs typeface="+mn-cs"/>
               </a:rPr>
-              <a:t> ist vielversprechend, allerdings birgt es potenziell auch neue Probleme</a:t>
+              <a:t> ist vielversprechend, allerdings noch mit Problemen behaftet</a:t>
             </a:r>
           </a:p>
         </p:txBody>
@@ -15110,7 +14125,7 @@
                 <a:tabLst/>
                 <a:defRPr/>
               </a:pPr>
-              <a:t>04.07.2023</a:t>
+              <a:t>05.07.2023</a:t>
             </a:fld>
             <a:endParaRPr kumimoji="0" lang="de-DE" sz="1800" b="0" i="0" u="none" strike="noStrike" kern="1200" cap="none" spc="0" normalizeH="0" baseline="0" noProof="0" dirty="0">
               <a:ln>
@@ -15185,7 +14200,7 @@
         <p:spPr>
           <a:xfrm>
             <a:off x="539999" y="3970749"/>
-            <a:ext cx="11249149" cy="1598502"/>
+            <a:ext cx="8323915" cy="1598502"/>
           </a:xfrm>
         </p:spPr>
         <p:txBody>
@@ -15618,209 +14633,18 @@
   <p:clrMapOvr>
     <a:masterClrMapping/>
   </p:clrMapOvr>
-  <mc:AlternateContent xmlns:mc="http://schemas.openxmlformats.org/markup-compatibility/2006" xmlns:p159="http://schemas.microsoft.com/office/powerpoint/2015/09/main">
-    <mc:Choice Requires="p159">
-      <p:transition xmlns:p14="http://schemas.microsoft.com/office/powerpoint/2010/main" spd="slow" p14:dur="1500">
-        <p159:morph option="byObject"/>
+  <mc:AlternateContent xmlns:mc="http://schemas.openxmlformats.org/markup-compatibility/2006" xmlns:p14="http://schemas.microsoft.com/office/powerpoint/2010/main">
+    <mc:Choice Requires="p14">
+      <p:transition spd="med" p14:dur="700">
+        <p:fade/>
       </p:transition>
     </mc:Choice>
     <mc:Fallback xmlns="">
-      <p:transition spd="slow">
+      <p:transition spd="med">
         <p:fade/>
       </p:transition>
     </mc:Fallback>
   </mc:AlternateContent>
-  <p:timing>
-    <p:tnLst>
-      <p:par>
-        <p:cTn id="1" dur="indefinite" restart="never" nodeType="tmRoot">
-          <p:childTnLst>
-            <p:seq concurrent="1" nextAc="seek">
-              <p:cTn id="2" dur="indefinite" nodeType="mainSeq">
-                <p:childTnLst>
-                  <p:par>
-                    <p:cTn id="3" fill="hold">
-                      <p:stCondLst>
-                        <p:cond delay="indefinite"/>
-                      </p:stCondLst>
-                      <p:childTnLst>
-                        <p:par>
-                          <p:cTn id="4" fill="hold">
-                            <p:stCondLst>
-                              <p:cond delay="0"/>
-                            </p:stCondLst>
-                            <p:childTnLst>
-                              <p:par>
-                                <p:cTn id="5" presetID="10" presetClass="entr" presetSubtype="0" fill="hold" grpId="0" nodeType="clickEffect">
-                                  <p:stCondLst>
-                                    <p:cond delay="0"/>
-                                  </p:stCondLst>
-                                  <p:childTnLst>
-                                    <p:set>
-                                      <p:cBhvr>
-                                        <p:cTn id="6" dur="1" fill="hold">
-                                          <p:stCondLst>
-                                            <p:cond delay="0"/>
-                                          </p:stCondLst>
-                                        </p:cTn>
-                                        <p:tgtEl>
-                                          <p:spTgt spid="11"/>
-                                        </p:tgtEl>
-                                        <p:attrNameLst>
-                                          <p:attrName>style.visibility</p:attrName>
-                                        </p:attrNameLst>
-                                      </p:cBhvr>
-                                      <p:to>
-                                        <p:strVal val="visible"/>
-                                      </p:to>
-                                    </p:set>
-                                    <p:animEffect transition="in" filter="fade">
-                                      <p:cBhvr>
-                                        <p:cTn id="7" dur="500"/>
-                                        <p:tgtEl>
-                                          <p:spTgt spid="11"/>
-                                        </p:tgtEl>
-                                      </p:cBhvr>
-                                    </p:animEffect>
-                                  </p:childTnLst>
-                                </p:cTn>
-                              </p:par>
-                            </p:childTnLst>
-                          </p:cTn>
-                        </p:par>
-                      </p:childTnLst>
-                    </p:cTn>
-                  </p:par>
-                  <p:par>
-                    <p:cTn id="8" fill="hold">
-                      <p:stCondLst>
-                        <p:cond delay="indefinite"/>
-                      </p:stCondLst>
-                      <p:childTnLst>
-                        <p:par>
-                          <p:cTn id="9" fill="hold">
-                            <p:stCondLst>
-                              <p:cond delay="0"/>
-                            </p:stCondLst>
-                            <p:childTnLst>
-                              <p:par>
-                                <p:cTn id="10" presetID="10" presetClass="entr" presetSubtype="0" fill="hold" grpId="0" nodeType="clickEffect">
-                                  <p:stCondLst>
-                                    <p:cond delay="0"/>
-                                  </p:stCondLst>
-                                  <p:childTnLst>
-                                    <p:set>
-                                      <p:cBhvr>
-                                        <p:cTn id="11" dur="1" fill="hold">
-                                          <p:stCondLst>
-                                            <p:cond delay="0"/>
-                                          </p:stCondLst>
-                                        </p:cTn>
-                                        <p:tgtEl>
-                                          <p:spTgt spid="10">
-                                            <p:txEl>
-                                              <p:pRg st="0" end="0"/>
-                                            </p:txEl>
-                                          </p:spTgt>
-                                        </p:tgtEl>
-                                        <p:attrNameLst>
-                                          <p:attrName>style.visibility</p:attrName>
-                                        </p:attrNameLst>
-                                      </p:cBhvr>
-                                      <p:to>
-                                        <p:strVal val="visible"/>
-                                      </p:to>
-                                    </p:set>
-                                    <p:animEffect transition="in" filter="fade">
-                                      <p:cBhvr>
-                                        <p:cTn id="12" dur="500"/>
-                                        <p:tgtEl>
-                                          <p:spTgt spid="10">
-                                            <p:txEl>
-                                              <p:pRg st="0" end="0"/>
-                                            </p:txEl>
-                                          </p:spTgt>
-                                        </p:tgtEl>
-                                      </p:cBhvr>
-                                    </p:animEffect>
-                                  </p:childTnLst>
-                                </p:cTn>
-                              </p:par>
-                              <p:par>
-                                <p:cTn id="13" presetID="10" presetClass="entr" presetSubtype="0" fill="hold" grpId="0" nodeType="withEffect">
-                                  <p:stCondLst>
-                                    <p:cond delay="0"/>
-                                  </p:stCondLst>
-                                  <p:childTnLst>
-                                    <p:set>
-                                      <p:cBhvr>
-                                        <p:cTn id="14" dur="1" fill="hold">
-                                          <p:stCondLst>
-                                            <p:cond delay="0"/>
-                                          </p:stCondLst>
-                                        </p:cTn>
-                                        <p:tgtEl>
-                                          <p:spTgt spid="10">
-                                            <p:txEl>
-                                              <p:pRg st="1" end="1"/>
-                                            </p:txEl>
-                                          </p:spTgt>
-                                        </p:tgtEl>
-                                        <p:attrNameLst>
-                                          <p:attrName>style.visibility</p:attrName>
-                                        </p:attrNameLst>
-                                      </p:cBhvr>
-                                      <p:to>
-                                        <p:strVal val="visible"/>
-                                      </p:to>
-                                    </p:set>
-                                    <p:animEffect transition="in" filter="fade">
-                                      <p:cBhvr>
-                                        <p:cTn id="15" dur="500"/>
-                                        <p:tgtEl>
-                                          <p:spTgt spid="10">
-                                            <p:txEl>
-                                              <p:pRg st="1" end="1"/>
-                                            </p:txEl>
-                                          </p:spTgt>
-                                        </p:tgtEl>
-                                      </p:cBhvr>
-                                    </p:animEffect>
-                                  </p:childTnLst>
-                                </p:cTn>
-                              </p:par>
-                            </p:childTnLst>
-                          </p:cTn>
-                        </p:par>
-                      </p:childTnLst>
-                    </p:cTn>
-                  </p:par>
-                </p:childTnLst>
-              </p:cTn>
-              <p:prevCondLst>
-                <p:cond evt="onPrev" delay="0">
-                  <p:tgtEl>
-                    <p:sldTgt/>
-                  </p:tgtEl>
-                </p:cond>
-              </p:prevCondLst>
-              <p:nextCondLst>
-                <p:cond evt="onNext" delay="0">
-                  <p:tgtEl>
-                    <p:sldTgt/>
-                  </p:tgtEl>
-                </p:cond>
-              </p:nextCondLst>
-            </p:seq>
-          </p:childTnLst>
-        </p:cTn>
-      </p:par>
-    </p:tnLst>
-    <p:bldLst>
-      <p:bldP spid="10" grpId="0" uiExpand="1" build="p"/>
-      <p:bldP spid="11" grpId="0"/>
-    </p:bldLst>
-  </p:timing>
 </p:sld>
 </file>
 
@@ -15941,7 +14765,7 @@
                 <a:tabLst/>
                 <a:defRPr/>
               </a:pPr>
-              <a:t>04.07.2023</a:t>
+              <a:t>05.07.2023</a:t>
             </a:fld>
             <a:endParaRPr kumimoji="0" lang="de-DE" sz="1800" b="0" i="0" u="none" strike="noStrike" kern="1200" cap="none" spc="0" normalizeH="0" baseline="0" noProof="0" dirty="0">
               <a:ln>
@@ -15970,9 +14794,18 @@
   <p:clrMapOvr>
     <a:masterClrMapping/>
   </p:clrMapOvr>
-  <p:transition spd="slow">
-    <p:fade/>
-  </p:transition>
+  <mc:AlternateContent xmlns:mc="http://schemas.openxmlformats.org/markup-compatibility/2006" xmlns:p14="http://schemas.microsoft.com/office/powerpoint/2010/main">
+    <mc:Choice Requires="p14">
+      <p:transition spd="med" p14:dur="700">
+        <p:fade/>
+      </p:transition>
+    </mc:Choice>
+    <mc:Fallback xmlns="">
+      <p:transition spd="med">
+        <p:fade/>
+      </p:transition>
+    </mc:Fallback>
+  </mc:AlternateContent>
 </p:sld>
 </file>
 
@@ -16130,7 +14963,7 @@
                 <a:tabLst/>
                 <a:defRPr/>
               </a:pPr>
-              <a:t>04.07.2023</a:t>
+              <a:t>05.07.2023</a:t>
             </a:fld>
             <a:endParaRPr kumimoji="0" lang="de-DE" sz="1800" b="0" i="0" u="none" strike="noStrike" kern="1200" cap="none" spc="0" normalizeH="0" baseline="0" noProof="0" dirty="0">
               <a:ln>
@@ -16380,21 +15213,22 @@
             <a:r>
               <a:rPr lang="de-DE" dirty="0">
                 <a:latin typeface="Helvetica Neue"/>
-                <a:sym typeface="Wingdings" panose="05000000000000000000" pitchFamily="2" charset="2"/>
               </a:rPr>
-              <a:t>Datengrundlage leider nicht ausgeglichener als zuvor</a:t>
-            </a:r>
-            <a:endParaRPr lang="de-DE" dirty="0">
-              <a:latin typeface="Helvetica Neue"/>
-            </a:endParaRPr>
+              <a:t>158 Aufnahmen verschiedener Länge</a:t>
+            </a:r>
           </a:p>
           <a:p>
             <a:r>
               <a:rPr lang="de-DE" dirty="0">
                 <a:latin typeface="Helvetica Neue"/>
               </a:rPr>
-              <a:t>Gesammelte Aufnahmen umfassen inzwischen fast 30 Stunden </a:t>
-            </a:r>
+              <a:t>Gesammelte Aufnahmen umfassen fast 30 Stunden </a:t>
+            </a:r>
+          </a:p>
+          <a:p>
+            <a:pPr marL="0" indent="271463">
+              <a:buNone/>
+            </a:pPr>
             <a:r>
               <a:rPr lang="de-DE" dirty="0">
                 <a:latin typeface="Helvetica Neue"/>
@@ -16409,7 +15243,7 @@
                 <a:latin typeface="Helvetica Neue"/>
                 <a:sym typeface="Wingdings" panose="05000000000000000000" pitchFamily="2" charset="2"/>
               </a:rPr>
-              <a:t>Gute Repräsentation verschiedener Verkehrssituationen</a:t>
+              <a:t>Datengrundlage immer noch unausgeglichen</a:t>
             </a:r>
           </a:p>
         </p:txBody>
@@ -16424,14 +15258,14 @@
   <p:clrMapOvr>
     <a:masterClrMapping/>
   </p:clrMapOvr>
-  <mc:AlternateContent xmlns:mc="http://schemas.openxmlformats.org/markup-compatibility/2006" xmlns:p159="http://schemas.microsoft.com/office/powerpoint/2015/09/main">
-    <mc:Choice Requires="p159">
-      <p:transition xmlns:p14="http://schemas.microsoft.com/office/powerpoint/2010/main" spd="slow" p14:dur="1500">
-        <p159:morph option="byObject"/>
+  <mc:AlternateContent xmlns:mc="http://schemas.openxmlformats.org/markup-compatibility/2006" xmlns:p14="http://schemas.microsoft.com/office/powerpoint/2010/main">
+    <mc:Choice Requires="p14">
+      <p:transition spd="med" p14:dur="700">
+        <p:fade/>
       </p:transition>
     </mc:Choice>
     <mc:Fallback xmlns="">
-      <p:transition spd="slow">
+      <p:transition spd="med">
         <p:fade/>
       </p:transition>
     </mc:Fallback>
@@ -16593,7 +15427,7 @@
                 <a:tabLst/>
                 <a:defRPr/>
               </a:pPr>
-              <a:t>04.07.2023</a:t>
+              <a:t>05.07.2023</a:t>
             </a:fld>
             <a:endParaRPr kumimoji="0" lang="de-DE" sz="1800" b="0" i="0" u="none" strike="noStrike" kern="1200" cap="none" spc="0" normalizeH="0" baseline="0" noProof="0" dirty="0">
               <a:ln>
@@ -16818,7 +15652,7 @@
                 <a:latin typeface="Helvetica Neue"/>
                 <a:sym typeface="Wingdings" panose="05000000000000000000" pitchFamily="2" charset="2"/>
               </a:rPr>
-              <a:t>Anschließend erfolgt eine stratifizierte Aufteilung und Mischung der Sequenzen in Trainings- (75%) und Testdaten (25%)</a:t>
+              <a:t>Anschließend erfolgt eine stratifizierte Aufteilung der Sequenzen in Trainings- (75%) und Testdaten (25%)</a:t>
             </a:r>
           </a:p>
           <a:p>
@@ -17252,14 +16086,14 @@
   <p:clrMapOvr>
     <a:masterClrMapping/>
   </p:clrMapOvr>
-  <mc:AlternateContent xmlns:mc="http://schemas.openxmlformats.org/markup-compatibility/2006">
-    <mc:Choice xmlns:p159="http://schemas.microsoft.com/office/powerpoint/2015/09/main" Requires="p159">
-      <p:transition xmlns:p14="http://schemas.microsoft.com/office/powerpoint/2010/main" spd="slow" p14:dur="1500">
-        <p159:morph option="byObject"/>
+  <mc:AlternateContent xmlns:mc="http://schemas.openxmlformats.org/markup-compatibility/2006" xmlns:p14="http://schemas.microsoft.com/office/powerpoint/2010/main">
+    <mc:Choice Requires="p14">
+      <p:transition spd="med" p14:dur="700">
+        <p:fade/>
       </p:transition>
     </mc:Choice>
-    <mc:Fallback>
-      <p:transition spd="slow">
+    <mc:Fallback xmlns="">
+      <p:transition spd="med">
         <p:fade/>
       </p:transition>
     </mc:Fallback>

--- a/Seminar/Bachelorseminar_02-07-2023.pptx
+++ b/Seminar/Bachelorseminar_02-07-2023.pptx
@@ -536,7 +536,7 @@
             </a:pPr>
             <a:r>
               <a:rPr lang="de-DE" dirty="0"/>
-              <a:t>Ziel der Arbeit ist konkret: Die Untersuchung inwieweit sich maschinelle Lernverfahren dazu einsetzen lassen aus Positionssequenzen eine Fahrzeugklasse zu erkennen. </a:t>
+              <a:t>Ziel der Arbeit ist konkret: Die Untersuchung inwieweit sich maschinelle Lernverfahren dazu einsetzen lassen aus Positionssequenzen den Typ eines Verkehrsteilnehmers zu erkennen. </a:t>
             </a:r>
           </a:p>
           <a:p>
@@ -546,7 +546,7 @@
             </a:pPr>
             <a:r>
               <a:rPr lang="de-DE" dirty="0"/>
-              <a:t>Dabei hatte ich beim letzten Mal schon von einigen Problemen gesprochen…</a:t>
+              <a:t>Dabei hatte ich beim letzten Mal schon von einigen Aufgabenbereichen gesprochen…</a:t>
             </a:r>
           </a:p>
         </p:txBody>
@@ -633,7 +633,7 @@
           <a:p>
             <a:r>
               <a:rPr lang="de-DE" dirty="0"/>
-              <a:t>… in Bezug auf Nutzer und Klassenverhältnis nicht ausgeglichener als zuvor… Allerdings dürften verschiedenste Verkehrssituationen abgebildet sein, was die Daten zumindest dahingehend repräsentativer macht.</a:t>
+              <a:t>… in Bezug auf Nutzer und Klassenverhältnis nicht ausgeglichener als zuvor… , was zwar unschön aber nicht unbedingt problematisch ist.</a:t>
             </a:r>
           </a:p>
         </p:txBody>
@@ -720,7 +720,7 @@
           <a:p>
             <a:r>
               <a:rPr lang="de-DE" dirty="0"/>
-              <a:t>Die 158 Aufnahmen können nicht einfach so für das maschinelle Lernen genutzt werden. Die Daten müssen vorbereitet werden.</a:t>
+              <a:t>Die 158 Aufnahmen verschiedener Länge können nicht einfach so für das Training von Modellen genutzt werden. Außerdem sollte ein Teil der Daten für die Evaluierung der Modelle zurückgelegt werden.</a:t>
             </a:r>
           </a:p>
         </p:txBody>
@@ -807,7 +807,13 @@
           <a:p>
             <a:r>
               <a:rPr lang="de-DE" dirty="0"/>
-              <a:t>Alle Klassifikatoren erhalten dabei dieselben 12 Merkmale als Eingabe, die im Wesentlichen aus deskriptiven Statistiken zu den berechneten Bewegungsdaten einer Sequenz bestehen.</a:t>
+              <a:t>Unter Map-Matching versteht man die Abbildung... </a:t>
+            </a:r>
+          </a:p>
+          <a:p>
+            <a:r>
+              <a:rPr lang="de-DE" dirty="0"/>
+              <a:t>Verweis auf das Beispiel rechts.</a:t>
             </a:r>
           </a:p>
         </p:txBody>
@@ -829,7 +835,7 @@
           <a:p>
             <a:fld id="{3593FB6F-7BA3-4870-9D0B-837551BFB8B7}" type="slidenum">
               <a:rPr lang="de-DE" smtClean="0"/>
-              <a:t>12</a:t>
+              <a:t>11</a:t>
             </a:fld>
             <a:endParaRPr lang="de-DE"/>
           </a:p>
@@ -838,7 +844,7 @@
     </p:spTree>
     <p:extLst>
       <p:ext uri="{BB962C8B-B14F-4D97-AF65-F5344CB8AC3E}">
-        <p14:creationId xmlns:p14="http://schemas.microsoft.com/office/powerpoint/2010/main" val="2515672857"/>
+        <p14:creationId xmlns:p14="http://schemas.microsoft.com/office/powerpoint/2010/main" val="3431799128"/>
       </p:ext>
     </p:extLst>
   </p:cSld>
@@ -894,7 +900,181 @@
           <a:p>
             <a:r>
               <a:rPr lang="de-DE" dirty="0"/>
-              <a:t>Problem: Zusammenfassung der Daten auf deskriptive Merkmale führt potenziell zu starkem Informationsverlust. Damit ist eine gute Unterscheidung zwischen Motorrädern und Autos kaum möglich.</a:t>
+              <a:t>Alle Klassifikatoren erhalten dabei für jede Sequenz 12 Merkmale als Eingabe, die im Wesentlichen aus deskriptiven Statistiken zur Bewegung des Verkehrsteilnehmers bestehen.</a:t>
+            </a:r>
+          </a:p>
+        </p:txBody>
+      </p:sp>
+      <p:sp>
+        <p:nvSpPr>
+          <p:cNvPr id="4" name="Foliennummernplatzhalter 3"/>
+          <p:cNvSpPr>
+            <a:spLocks noGrp="1"/>
+          </p:cNvSpPr>
+          <p:nvPr>
+            <p:ph type="sldNum" sz="quarter" idx="5"/>
+          </p:nvPr>
+        </p:nvSpPr>
+        <p:spPr/>
+        <p:txBody>
+          <a:bodyPr/>
+          <a:lstStyle/>
+          <a:p>
+            <a:fld id="{3593FB6F-7BA3-4870-9D0B-837551BFB8B7}" type="slidenum">
+              <a:rPr lang="de-DE" smtClean="0"/>
+              <a:t>12</a:t>
+            </a:fld>
+            <a:endParaRPr lang="de-DE"/>
+          </a:p>
+        </p:txBody>
+      </p:sp>
+    </p:spTree>
+    <p:extLst>
+      <p:ext uri="{BB962C8B-B14F-4D97-AF65-F5344CB8AC3E}">
+        <p14:creationId xmlns:p14="http://schemas.microsoft.com/office/powerpoint/2010/main" val="2515672857"/>
+      </p:ext>
+    </p:extLst>
+  </p:cSld>
+  <p:clrMapOvr>
+    <a:masterClrMapping/>
+  </p:clrMapOvr>
+</p:notes>
+</file>
+
+<file path=ppt/notesSlides/notesSlide6.xml><?xml version="1.0" encoding="utf-8"?>
+<p:notes xmlns:a="http://schemas.openxmlformats.org/drawingml/2006/main" xmlns:r="http://schemas.openxmlformats.org/officeDocument/2006/relationships" xmlns:p="http://schemas.openxmlformats.org/presentationml/2006/main">
+  <p:cSld>
+    <p:spTree>
+      <p:nvGrpSpPr>
+        <p:cNvPr id="1" name=""/>
+        <p:cNvGrpSpPr/>
+        <p:nvPr/>
+      </p:nvGrpSpPr>
+      <p:grpSpPr>
+        <a:xfrm>
+          <a:off x="0" y="0"/>
+          <a:ext cx="0" cy="0"/>
+          <a:chOff x="0" y="0"/>
+          <a:chExt cx="0" cy="0"/>
+        </a:xfrm>
+      </p:grpSpPr>
+      <p:sp>
+        <p:nvSpPr>
+          <p:cNvPr id="2" name="Folienbildplatzhalter 1"/>
+          <p:cNvSpPr>
+            <a:spLocks noGrp="1" noRot="1" noChangeAspect="1"/>
+          </p:cNvSpPr>
+          <p:nvPr>
+            <p:ph type="sldImg"/>
+          </p:nvPr>
+        </p:nvSpPr>
+        <p:spPr/>
+      </p:sp>
+      <p:sp>
+        <p:nvSpPr>
+          <p:cNvPr id="3" name="Notizenplatzhalter 2"/>
+          <p:cNvSpPr>
+            <a:spLocks noGrp="1"/>
+          </p:cNvSpPr>
+          <p:nvPr>
+            <p:ph type="body" idx="1"/>
+          </p:nvPr>
+        </p:nvSpPr>
+        <p:spPr/>
+        <p:txBody>
+          <a:bodyPr/>
+          <a:lstStyle/>
+          <a:p>
+            <a:r>
+              <a:rPr lang="de-DE" dirty="0"/>
+              <a:t>Unabhängig von der Abtastperiode (also für alle Datensätze) erzielte das „Random-Forest“-Verfahren die besten Ergebnisse.</a:t>
+            </a:r>
+          </a:p>
+        </p:txBody>
+      </p:sp>
+      <p:sp>
+        <p:nvSpPr>
+          <p:cNvPr id="4" name="Foliennummernplatzhalter 3"/>
+          <p:cNvSpPr>
+            <a:spLocks noGrp="1"/>
+          </p:cNvSpPr>
+          <p:nvPr>
+            <p:ph type="sldNum" sz="quarter" idx="5"/>
+          </p:nvPr>
+        </p:nvSpPr>
+        <p:spPr/>
+        <p:txBody>
+          <a:bodyPr/>
+          <a:lstStyle/>
+          <a:p>
+            <a:fld id="{3593FB6F-7BA3-4870-9D0B-837551BFB8B7}" type="slidenum">
+              <a:rPr lang="de-DE" smtClean="0"/>
+              <a:t>13</a:t>
+            </a:fld>
+            <a:endParaRPr lang="de-DE"/>
+          </a:p>
+        </p:txBody>
+      </p:sp>
+    </p:spTree>
+    <p:extLst>
+      <p:ext uri="{BB962C8B-B14F-4D97-AF65-F5344CB8AC3E}">
+        <p14:creationId xmlns:p14="http://schemas.microsoft.com/office/powerpoint/2010/main" val="1788249482"/>
+      </p:ext>
+    </p:extLst>
+  </p:cSld>
+  <p:clrMapOvr>
+    <a:masterClrMapping/>
+  </p:clrMapOvr>
+</p:notes>
+</file>
+
+<file path=ppt/notesSlides/notesSlide7.xml><?xml version="1.0" encoding="utf-8"?>
+<p:notes xmlns:a="http://schemas.openxmlformats.org/drawingml/2006/main" xmlns:r="http://schemas.openxmlformats.org/officeDocument/2006/relationships" xmlns:p="http://schemas.openxmlformats.org/presentationml/2006/main">
+  <p:cSld>
+    <p:spTree>
+      <p:nvGrpSpPr>
+        <p:cNvPr id="1" name=""/>
+        <p:cNvGrpSpPr/>
+        <p:nvPr/>
+      </p:nvGrpSpPr>
+      <p:grpSpPr>
+        <a:xfrm>
+          <a:off x="0" y="0"/>
+          <a:ext cx="0" cy="0"/>
+          <a:chOff x="0" y="0"/>
+          <a:chExt cx="0" cy="0"/>
+        </a:xfrm>
+      </p:grpSpPr>
+      <p:sp>
+        <p:nvSpPr>
+          <p:cNvPr id="2" name="Folienbildplatzhalter 1"/>
+          <p:cNvSpPr>
+            <a:spLocks noGrp="1" noRot="1" noChangeAspect="1"/>
+          </p:cNvSpPr>
+          <p:nvPr>
+            <p:ph type="sldImg"/>
+          </p:nvPr>
+        </p:nvSpPr>
+        <p:spPr/>
+      </p:sp>
+      <p:sp>
+        <p:nvSpPr>
+          <p:cNvPr id="3" name="Notizenplatzhalter 2"/>
+          <p:cNvSpPr>
+            <a:spLocks noGrp="1"/>
+          </p:cNvSpPr>
+          <p:nvPr>
+            <p:ph type="body" idx="1"/>
+          </p:nvPr>
+        </p:nvSpPr>
+        <p:spPr/>
+        <p:txBody>
+          <a:bodyPr/>
+          <a:lstStyle/>
+          <a:p>
+            <a:r>
+              <a:rPr lang="de-DE" dirty="0"/>
+              <a:t>Problem: Zusammenfassung einer Sequenz auf nur 12 Merkmale führt potenziell zu starkem Informationsverlust. Damit ist eine gute Unterscheidung zwischen Motorrädern und Autos kaum möglich.</a:t>
             </a:r>
           </a:p>
         </p:txBody>
@@ -7623,7 +7803,7 @@
           <p:nvPr/>
         </p:nvPicPr>
         <p:blipFill>
-          <a:blip r:embed="rId2"/>
+          <a:blip r:embed="rId3"/>
           <a:stretch>
             <a:fillRect/>
           </a:stretch>
@@ -8847,7 +9027,7 @@
               <a:rPr lang="de-DE" b="1" dirty="0">
                 <a:latin typeface="Helvetica Neue"/>
               </a:rPr>
-              <a:t>Evaluierung optimierter Modelle für Abtastperiode = 1s</a:t>
+              <a:t>Evaluierung des besten Modells für Abtastperiode = 1s</a:t>
             </a:r>
           </a:p>
         </p:txBody>
@@ -8943,10 +9123,10 @@
       </p:sp>
       <p:pic>
         <p:nvPicPr>
-          <p:cNvPr id="19" name="Grafik 18" descr="Ein Bild, das Text, Screenshot, Diagramm, Quadrat enthält.&#10;&#10;Automatisch generierte Beschreibung">
-            <a:extLst>
-              <a:ext uri="{FF2B5EF4-FFF2-40B4-BE49-F238E27FC236}">
-                <a16:creationId xmlns:a16="http://schemas.microsoft.com/office/drawing/2014/main" id="{0A66AD40-4088-B590-ACB8-5844CC170782}"/>
+          <p:cNvPr id="22" name="Grafik 21" descr="Ein Bild, das Text, Screenshot, Diagramm, Quadrat enthält.&#10;&#10;Automatisch generierte Beschreibung">
+            <a:extLst>
+              <a:ext uri="{FF2B5EF4-FFF2-40B4-BE49-F238E27FC236}">
+                <a16:creationId xmlns:a16="http://schemas.microsoft.com/office/drawing/2014/main" id="{187884C3-676F-66EF-54C8-8319B92A0975}"/>
               </a:ext>
             </a:extLst>
           </p:cNvPr>
@@ -8956,20 +9136,20 @@
           <p:nvPr/>
         </p:nvPicPr>
         <p:blipFill rotWithShape="1">
-          <a:blip r:embed="rId2">
+          <a:blip r:embed="rId3">
             <a:extLst>
               <a:ext uri="{28A0092B-C50C-407E-A947-70E740481C1C}">
                 <a14:useLocalDpi xmlns:a14="http://schemas.microsoft.com/office/drawing/2010/main" val="0"/>
               </a:ext>
             </a:extLst>
           </a:blip>
-          <a:srcRect t="6342"/>
+          <a:srcRect t="6004"/>
           <a:stretch/>
         </p:blipFill>
         <p:spPr>
           <a:xfrm>
-            <a:off x="1789802" y="2245894"/>
-            <a:ext cx="3525870" cy="2538063"/>
+            <a:off x="4210890" y="2069435"/>
+            <a:ext cx="3770219" cy="2719129"/>
           </a:xfrm>
           <a:prstGeom prst="rect">
             <a:avLst/>
@@ -8986,66 +9166,21 @@
           </a:effectLst>
         </p:spPr>
       </p:pic>
-      <p:pic>
-        <p:nvPicPr>
-          <p:cNvPr id="22" name="Grafik 21" descr="Ein Bild, das Text, Screenshot, Diagramm, Quadrat enthält.&#10;&#10;Automatisch generierte Beschreibung">
-            <a:extLst>
-              <a:ext uri="{FF2B5EF4-FFF2-40B4-BE49-F238E27FC236}">
-                <a16:creationId xmlns:a16="http://schemas.microsoft.com/office/drawing/2014/main" id="{187884C3-676F-66EF-54C8-8319B92A0975}"/>
-              </a:ext>
-            </a:extLst>
-          </p:cNvPr>
-          <p:cNvPicPr>
-            <a:picLocks noChangeAspect="1"/>
-          </p:cNvPicPr>
+      <p:sp>
+        <p:nvSpPr>
+          <p:cNvPr id="23" name="Textfeld 22">
+            <a:extLst>
+              <a:ext uri="{FF2B5EF4-FFF2-40B4-BE49-F238E27FC236}">
+                <a16:creationId xmlns:a16="http://schemas.microsoft.com/office/drawing/2014/main" id="{D16D8FAC-A6C1-3326-51BE-E318CDC5ED85}"/>
+              </a:ext>
+            </a:extLst>
+          </p:cNvPr>
+          <p:cNvSpPr txBox="1"/>
           <p:nvPr/>
-        </p:nvPicPr>
-        <p:blipFill rotWithShape="1">
-          <a:blip r:embed="rId3">
-            <a:extLst>
-              <a:ext uri="{28A0092B-C50C-407E-A947-70E740481C1C}">
-                <a14:useLocalDpi xmlns:a14="http://schemas.microsoft.com/office/drawing/2010/main" val="0"/>
-              </a:ext>
-            </a:extLst>
-          </a:blip>
-          <a:srcRect t="6004"/>
-          <a:stretch/>
-        </p:blipFill>
+        </p:nvSpPr>
         <p:spPr>
           <a:xfrm>
-            <a:off x="6876330" y="2245894"/>
-            <a:ext cx="3525870" cy="2542901"/>
-          </a:xfrm>
-          <a:prstGeom prst="rect">
-            <a:avLst/>
-          </a:prstGeom>
-          <a:ln>
-            <a:noFill/>
-          </a:ln>
-          <a:effectLst>
-            <a:outerShdw blurRad="292100" dist="139700" dir="2700000" algn="tl" rotWithShape="0">
-              <a:srgbClr val="333333">
-                <a:alpha val="65000"/>
-              </a:srgbClr>
-            </a:outerShdw>
-          </a:effectLst>
-        </p:spPr>
-      </p:pic>
-      <p:sp>
-        <p:nvSpPr>
-          <p:cNvPr id="23" name="Textfeld 22">
-            <a:extLst>
-              <a:ext uri="{FF2B5EF4-FFF2-40B4-BE49-F238E27FC236}">
-                <a16:creationId xmlns:a16="http://schemas.microsoft.com/office/drawing/2014/main" id="{D16D8FAC-A6C1-3326-51BE-E318CDC5ED85}"/>
-              </a:ext>
-            </a:extLst>
-          </p:cNvPr>
-          <p:cNvSpPr txBox="1"/>
-          <p:nvPr/>
-        </p:nvSpPr>
-        <p:spPr>
-          <a:xfrm>
-            <a:off x="7614786" y="5030729"/>
+            <a:off x="5071519" y="4892447"/>
             <a:ext cx="2048959" cy="615553"/>
           </a:xfrm>
           <a:prstGeom prst="rect">
@@ -9076,55 +9211,6 @@
             <a:r>
               <a:rPr lang="de-DE" sz="1600" b="1" dirty="0"/>
               <a:t>95,1% Genauigkeit</a:t>
-            </a:r>
-          </a:p>
-        </p:txBody>
-      </p:sp>
-      <p:sp>
-        <p:nvSpPr>
-          <p:cNvPr id="24" name="Textfeld 23">
-            <a:extLst>
-              <a:ext uri="{FF2B5EF4-FFF2-40B4-BE49-F238E27FC236}">
-                <a16:creationId xmlns:a16="http://schemas.microsoft.com/office/drawing/2014/main" id="{8F1986A0-5C64-AED4-D145-5DDAA8439560}"/>
-              </a:ext>
-            </a:extLst>
-          </p:cNvPr>
-          <p:cNvSpPr txBox="1"/>
-          <p:nvPr/>
-        </p:nvSpPr>
-        <p:spPr>
-          <a:xfrm>
-            <a:off x="2239715" y="5030729"/>
-            <a:ext cx="2626039" cy="615553"/>
-          </a:xfrm>
-          <a:prstGeom prst="rect">
-            <a:avLst/>
-          </a:prstGeom>
-          <a:noFill/>
-        </p:spPr>
-        <p:txBody>
-          <a:bodyPr wrap="none" rtlCol="0">
-            <a:spAutoFit/>
-          </a:bodyPr>
-          <a:lstStyle/>
-          <a:p>
-            <a:pPr algn="ctr"/>
-            <a:r>
-              <a:rPr lang="de-DE" dirty="0"/>
-              <a:t>Support Vector Machine</a:t>
-            </a:r>
-          </a:p>
-          <a:p>
-            <a:pPr algn="ctr"/>
-            <a:r>
-              <a:rPr lang="de-DE" sz="1600" dirty="0">
-                <a:sym typeface="Wingdings" panose="05000000000000000000" pitchFamily="2" charset="2"/>
-              </a:rPr>
-              <a:t> </a:t>
-            </a:r>
-            <a:r>
-              <a:rPr lang="de-DE" sz="1600" dirty="0"/>
-              <a:t>94,5% Genauigkeit</a:t>
             </a:r>
           </a:p>
         </p:txBody>
@@ -9327,115 +9413,21 @@
           </a:p>
         </p:txBody>
       </p:sp>
-      <p:pic>
-        <p:nvPicPr>
-          <p:cNvPr id="10" name="Grafik 9" descr="Ein Bild, das Text, Screenshot, Diagramm, Quadrat enthält.&#10;&#10;Automatisch generierte Beschreibung">
-            <a:extLst>
-              <a:ext uri="{FF2B5EF4-FFF2-40B4-BE49-F238E27FC236}">
-                <a16:creationId xmlns:a16="http://schemas.microsoft.com/office/drawing/2014/main" id="{4C01C9DC-BB81-BEF0-9F6B-6DC293A5F115}"/>
-              </a:ext>
-            </a:extLst>
-          </p:cNvPr>
-          <p:cNvPicPr>
-            <a:picLocks noChangeAspect="1"/>
-          </p:cNvPicPr>
+      <p:sp>
+        <p:nvSpPr>
+          <p:cNvPr id="15" name="Textfeld 14">
+            <a:extLst>
+              <a:ext uri="{FF2B5EF4-FFF2-40B4-BE49-F238E27FC236}">
+                <a16:creationId xmlns:a16="http://schemas.microsoft.com/office/drawing/2014/main" id="{A3E9A51A-921C-D1F3-E561-8CB4C9EEE55B}"/>
+              </a:ext>
+            </a:extLst>
+          </p:cNvPr>
+          <p:cNvSpPr txBox="1"/>
           <p:nvPr/>
-        </p:nvPicPr>
-        <p:blipFill rotWithShape="1">
-          <a:blip r:embed="rId2">
-            <a:extLst>
-              <a:ext uri="{28A0092B-C50C-407E-A947-70E740481C1C}">
-                <a14:useLocalDpi xmlns:a14="http://schemas.microsoft.com/office/drawing/2010/main" val="0"/>
-              </a:ext>
-            </a:extLst>
-          </a:blip>
-          <a:srcRect t="6163"/>
-          <a:stretch/>
-        </p:blipFill>
+        </p:nvSpPr>
         <p:spPr>
           <a:xfrm>
-            <a:off x="1789800" y="2245894"/>
-            <a:ext cx="3525870" cy="2542901"/>
-          </a:xfrm>
-          <a:prstGeom prst="rect">
-            <a:avLst/>
-          </a:prstGeom>
-          <a:ln>
-            <a:noFill/>
-          </a:ln>
-          <a:effectLst>
-            <a:outerShdw blurRad="292100" dist="139700" dir="2700000" algn="tl" rotWithShape="0">
-              <a:srgbClr val="333333">
-                <a:alpha val="65000"/>
-              </a:srgbClr>
-            </a:outerShdw>
-          </a:effectLst>
-        </p:spPr>
-      </p:pic>
-      <p:sp>
-        <p:nvSpPr>
-          <p:cNvPr id="12" name="Textfeld 11">
-            <a:extLst>
-              <a:ext uri="{FF2B5EF4-FFF2-40B4-BE49-F238E27FC236}">
-                <a16:creationId xmlns:a16="http://schemas.microsoft.com/office/drawing/2014/main" id="{5B78B881-E5F9-F03C-3DDF-D7BA7536B7D2}"/>
-              </a:ext>
-            </a:extLst>
-          </p:cNvPr>
-          <p:cNvSpPr txBox="1"/>
-          <p:nvPr/>
-        </p:nvSpPr>
-        <p:spPr>
-          <a:xfrm>
-            <a:off x="2153954" y="5030729"/>
-            <a:ext cx="2797561" cy="615553"/>
-          </a:xfrm>
-          <a:prstGeom prst="rect">
-            <a:avLst/>
-          </a:prstGeom>
-          <a:noFill/>
-        </p:spPr>
-        <p:txBody>
-          <a:bodyPr wrap="none" rtlCol="0">
-            <a:spAutoFit/>
-          </a:bodyPr>
-          <a:lstStyle/>
-          <a:p>
-            <a:pPr algn="ctr"/>
-            <a:r>
-              <a:rPr lang="de-DE" dirty="0"/>
-              <a:t>Support Vector Machine</a:t>
-            </a:r>
-          </a:p>
-          <a:p>
-            <a:pPr algn="ctr"/>
-            <a:r>
-              <a:rPr lang="de-DE" sz="1600" dirty="0">
-                <a:sym typeface="Wingdings" panose="05000000000000000000" pitchFamily="2" charset="2"/>
-              </a:rPr>
-              <a:t> </a:t>
-            </a:r>
-            <a:r>
-              <a:rPr lang="de-DE" sz="1600" dirty="0"/>
-              <a:t>95,2% Genauigkeit (+0,7%)</a:t>
-            </a:r>
-          </a:p>
-        </p:txBody>
-      </p:sp>
-      <p:sp>
-        <p:nvSpPr>
-          <p:cNvPr id="15" name="Textfeld 14">
-            <a:extLst>
-              <a:ext uri="{FF2B5EF4-FFF2-40B4-BE49-F238E27FC236}">
-                <a16:creationId xmlns:a16="http://schemas.microsoft.com/office/drawing/2014/main" id="{A3E9A51A-921C-D1F3-E561-8CB4C9EEE55B}"/>
-              </a:ext>
-            </a:extLst>
-          </p:cNvPr>
-          <p:cNvSpPr txBox="1"/>
-          <p:nvPr/>
-        </p:nvSpPr>
-        <p:spPr>
-          <a:xfrm>
-            <a:off x="7266058" y="5030729"/>
+            <a:off x="4742857" y="5014253"/>
             <a:ext cx="2754280" cy="615553"/>
           </a:xfrm>
           <a:prstGeom prst="rect">
@@ -9485,7 +9477,7 @@
           <p:nvPr/>
         </p:nvPicPr>
         <p:blipFill rotWithShape="1">
-          <a:blip r:embed="rId3">
+          <a:blip r:embed="rId2">
             <a:extLst>
               <a:ext uri="{28A0092B-C50C-407E-A947-70E740481C1C}">
                 <a14:useLocalDpi xmlns:a14="http://schemas.microsoft.com/office/drawing/2010/main" val="0"/>
@@ -9497,8 +9489,8 @@
         </p:blipFill>
         <p:spPr>
           <a:xfrm>
-            <a:off x="6876332" y="2245893"/>
-            <a:ext cx="3533729" cy="2542901"/>
+            <a:off x="4239788" y="2075985"/>
+            <a:ext cx="3760419" cy="2706029"/>
           </a:xfrm>
           <a:prstGeom prst="rect">
             <a:avLst/>
@@ -9901,8 +9893,8 @@
         </p:blipFill>
         <p:spPr>
           <a:xfrm>
-            <a:off x="6876332" y="2247772"/>
-            <a:ext cx="3404227" cy="2541023"/>
+            <a:off x="6876332" y="2065034"/>
+            <a:ext cx="3649044" cy="2723762"/>
           </a:xfrm>
           <a:prstGeom prst="rect">
             <a:avLst/>
@@ -9946,8 +9938,8 @@
         </p:blipFill>
         <p:spPr>
           <a:xfrm>
-            <a:off x="1908860" y="2247772"/>
-            <a:ext cx="3404227" cy="2543993"/>
+            <a:off x="1664044" y="2064820"/>
+            <a:ext cx="3649044" cy="2726946"/>
           </a:xfrm>
           <a:prstGeom prst="rect">
             <a:avLst/>
@@ -10476,7 +10468,7 @@
                 <a:latin typeface="Helvetica Neue"/>
                 <a:sym typeface="Wingdings" panose="05000000000000000000" pitchFamily="2" charset="2"/>
               </a:rPr>
-              <a:t>Sequenzen müssen somit nicht durch deskriptive Merkmale zusammengefasst werden</a:t>
+              <a:t>Sequenzen müssen somit nicht durch eine feste Anzahl an Merkmalen zusammengefasst werden</a:t>
             </a:r>
           </a:p>
           <a:p>
@@ -10495,7 +10487,7 @@
                 <a:latin typeface="Helvetica Neue"/>
                 <a:sym typeface="Wingdings" panose="05000000000000000000" pitchFamily="2" charset="2"/>
               </a:rPr>
-              <a:t>Anders als gewöhnliche Neuronale Netze (Feed-Forward-Netze) besitzen RNNs rückwärtsgerichtete Verbindungen oder „Gedächtniszellen“</a:t>
+              <a:t>Anders als gewöhnliche Neuronale Netze besitzen RNNs rückwärtsgerichtete Verbindungen, z.B. in Form von „Gedächtniszellen“</a:t>
             </a:r>
           </a:p>
           <a:p>
@@ -10911,7 +10903,7 @@
               <a:rPr lang="de-DE" b="1" dirty="0">
                 <a:latin typeface="Helvetica Neue"/>
               </a:rPr>
-              <a:t>Evaluierung des RNNs auf verschiedenen Datensätzen</a:t>
+              <a:t>Evaluierung des RNNs auf verschiedenen Datensätzen (2min)</a:t>
             </a:r>
           </a:p>
         </p:txBody>
@@ -11139,8 +11131,8 @@
         </p:nvSpPr>
         <p:spPr>
           <a:xfrm>
-            <a:off x="719812" y="4852737"/>
-            <a:ext cx="2888932" cy="615553"/>
+            <a:off x="1099724" y="4852737"/>
+            <a:ext cx="2129108" cy="615553"/>
           </a:xfrm>
           <a:prstGeom prst="rect">
             <a:avLst/>
@@ -11156,7 +11148,7 @@
             <a:pPr algn="ctr"/>
             <a:r>
               <a:rPr lang="de-DE" dirty="0"/>
-              <a:t>Periode = 1s; Dauer = 2min</a:t>
+              <a:t>Periode = 1s </a:t>
             </a:r>
           </a:p>
           <a:p>
@@ -11185,8 +11177,8 @@
         </p:nvSpPr>
         <p:spPr>
           <a:xfrm>
-            <a:off x="4424663" y="4852737"/>
-            <a:ext cx="3390672" cy="615553"/>
+            <a:off x="4564928" y="4852737"/>
+            <a:ext cx="3110147" cy="615553"/>
           </a:xfrm>
           <a:prstGeom prst="rect">
             <a:avLst/>
@@ -11202,7 +11194,7 @@
             <a:pPr algn="ctr"/>
             <a:r>
               <a:rPr lang="de-DE" dirty="0"/>
-              <a:t>Periode = 1s; Dauer = 2min; MM</a:t>
+              <a:t>Periode = 1s (Map-Matching)</a:t>
             </a:r>
           </a:p>
           <a:p>
@@ -11231,8 +11223,8 @@
         </p:nvSpPr>
         <p:spPr>
           <a:xfrm>
-            <a:off x="8560697" y="4852737"/>
-            <a:ext cx="2888932" cy="615553"/>
+            <a:off x="8955838" y="4852737"/>
+            <a:ext cx="2098651" cy="615553"/>
           </a:xfrm>
           <a:prstGeom prst="rect">
             <a:avLst/>
@@ -11248,7 +11240,7 @@
             <a:pPr algn="ctr"/>
             <a:r>
               <a:rPr lang="de-DE" b="1" dirty="0"/>
-              <a:t>Periode = 2s; Dauer = 2min</a:t>
+              <a:t>Periode = 2s</a:t>
             </a:r>
           </a:p>
           <a:p>
@@ -11852,7 +11844,7 @@
                 <a:latin typeface="Helvetica Neue"/>
                 <a:sym typeface="Wingdings" panose="05000000000000000000" pitchFamily="2" charset="2"/>
               </a:rPr>
-              <a:t>Hyperparameteroptimierung der RNNs für die einzelnen Datensätze:</a:t>
+              <a:t>Training und Hyperparameteroptimierung der RNNs für alle 12 Datensätze:</a:t>
             </a:r>
           </a:p>
           <a:p>
@@ -11981,6 +11973,13 @@
             <a:r>
               <a:rPr lang="de-DE" dirty="0"/>
               <a:t>Danke für eure Aufmerksamkeit!</a:t>
+            </a:r>
+            <a:br>
+              <a:rPr lang="de-DE" dirty="0"/>
+            </a:br>
+            <a:r>
+              <a:rPr lang="de-DE" dirty="0"/>
+              <a:t>Fragen?</a:t>
             </a:r>
           </a:p>
         </p:txBody>
@@ -13384,7 +13383,7 @@
               <a:rPr lang="de-DE" dirty="0">
                 <a:latin typeface="Helvetica Neue"/>
               </a:rPr>
-              <a:t>Ausweitung der Datensammlung: Mehr Aufnahmen, mehr Nutzer und bessere Ausgeglichenheit</a:t>
+              <a:t>Ausweitung der Datensammlung: Mehr Aufnahmen, mehr Nutzer und bessere Ausgeglichenheit der Klassen</a:t>
             </a:r>
           </a:p>
         </p:txBody>
@@ -13652,8 +13651,8 @@
         </p:nvSpPr>
         <p:spPr>
           <a:xfrm>
-            <a:off x="530959" y="2323028"/>
-            <a:ext cx="6531692" cy="1620000"/>
+            <a:off x="530958" y="2323028"/>
+            <a:ext cx="6784241" cy="1620000"/>
           </a:xfrm>
           <a:prstGeom prst="rect">
             <a:avLst/>
@@ -13661,7 +13660,7 @@
         </p:spPr>
         <p:txBody>
           <a:bodyPr vert="horz" lIns="91440" tIns="45720" rIns="91440" bIns="45720" rtlCol="0">
-            <a:normAutofit lnSpcReduction="10000"/>
+            <a:normAutofit/>
           </a:bodyPr>
           <a:lstStyle>
             <a:lvl1pPr marL="228600" indent="-228600" algn="l" defTabSz="914400" rtl="0" eaLnBrk="1" latinLnBrk="0" hangingPunct="1">
@@ -13896,7 +13895,41 @@
                 <a:ea typeface="+mn-ea"/>
                 <a:cs typeface="+mn-cs"/>
               </a:rPr>
-              <a:t>Erprobung verschiedener Möglichkeiten, um Abweichungen von der tatsächlichen Strecke zu beheben </a:t>
+              <a:t>Erprobung von </a:t>
+            </a:r>
+            <a:r>
+              <a:rPr kumimoji="0" lang="de-DE" sz="1800" b="0" i="1" u="none" strike="noStrike" kern="1200" cap="none" spc="0" normalizeH="0" baseline="0" noProof="0" dirty="0">
+                <a:ln>
+                  <a:noFill/>
+                </a:ln>
+                <a:solidFill>
+                  <a:srgbClr val="6F6259"/>
+                </a:solidFill>
+                <a:effectLst/>
+                <a:uLnTx/>
+                <a:uFillTx/>
+                <a:latin typeface="Helvetica Neue"/>
+                <a:ea typeface="+mn-ea"/>
+                <a:cs typeface="+mn-cs"/>
+              </a:rPr>
+              <a:t>Map-Matching</a:t>
+            </a:r>
+            <a:r>
+              <a:rPr kumimoji="0" lang="de-DE" sz="1800" b="0" i="0" u="none" strike="noStrike" kern="1200" cap="none" spc="0" normalizeH="0" baseline="0" noProof="0" dirty="0">
+                <a:ln>
+                  <a:noFill/>
+                </a:ln>
+                <a:solidFill>
+                  <a:srgbClr val="6F6259"/>
+                </a:solidFill>
+                <a:effectLst/>
+                <a:uLnTx/>
+                <a:uFillTx/>
+                <a:latin typeface="Helvetica Neue"/>
+                <a:ea typeface="+mn-ea"/>
+                <a:cs typeface="+mn-cs"/>
+              </a:rPr>
+              <a:t> als Möglichkeit, um Abweichungen von der tatsächlichen Strecke zu korrigieren </a:t>
             </a:r>
           </a:p>
           <a:p>
@@ -13918,7 +13951,7 @@
               <a:defRPr/>
             </a:pPr>
             <a:r>
-              <a:rPr kumimoji="0" lang="de-DE" sz="1800" b="0" i="1" u="none" strike="noStrike" kern="1200" cap="none" spc="0" normalizeH="0" baseline="0" noProof="0" dirty="0">
+              <a:rPr kumimoji="0" lang="de-DE" sz="1800" b="0" u="none" strike="noStrike" kern="1200" cap="none" spc="0" normalizeH="0" baseline="0" noProof="0" dirty="0">
                 <a:ln>
                   <a:noFill/>
                 </a:ln>
@@ -13932,7 +13965,7 @@
                 <a:ea typeface="+mn-ea"/>
                 <a:cs typeface="+mn-cs"/>
               </a:rPr>
-              <a:t>Map-Matching</a:t>
+              <a:t>Vielversprechend, allerdings </a:t>
             </a:r>
             <a:r>
               <a:rPr kumimoji="0" lang="de-DE" sz="1800" b="0" i="0" u="none" strike="noStrike" kern="1200" cap="none" spc="0" normalizeH="0" baseline="0" noProof="0" dirty="0">
@@ -13949,7 +13982,7 @@
                 <a:ea typeface="+mn-ea"/>
                 <a:cs typeface="+mn-cs"/>
               </a:rPr>
-              <a:t> ist vielversprechend, allerdings noch mit Problemen behaftet</a:t>
+              <a:t>noch mit Problemen behaftet</a:t>
             </a:r>
           </a:p>
         </p:txBody>
@@ -14225,7 +14258,7 @@
               <a:rPr lang="de-DE" dirty="0">
                 <a:latin typeface="Helvetica Neue"/>
               </a:rPr>
-              <a:t>Erprobung und Umsetzbarkeitsprüfung verschiedener Klassifikatoren mit bereits gesammelten Daten</a:t>
+              <a:t>Erprobung und Umsetzbarkeitsprüfung der Klassifikation mit bereits gesammelten Daten</a:t>
             </a:r>
           </a:p>
         </p:txBody>
@@ -14476,91 +14509,28 @@
               <a:defRPr/>
             </a:pPr>
             <a:r>
-              <a:rPr kumimoji="0" lang="de-DE" sz="1800" b="0" i="0" u="none" strike="noStrike" kern="1200" cap="none" spc="0" normalizeH="0" baseline="0" noProof="0" dirty="0">
-                <a:ln>
-                  <a:noFill/>
-                </a:ln>
-                <a:solidFill>
-                  <a:srgbClr val="6F6259"/>
-                </a:solidFill>
-                <a:effectLst/>
-                <a:uLnTx/>
-                <a:uFillTx/>
-                <a:latin typeface="Helvetica Neue"/>
-                <a:ea typeface="+mn-ea"/>
-                <a:cs typeface="+mn-cs"/>
-              </a:rPr>
-              <a:t>Verschiedene</a:t>
-            </a:r>
-            <a:r>
-              <a:rPr kumimoji="0" lang="de-DE" sz="1800" b="0" i="0" u="none" strike="noStrike" kern="1200" cap="none" spc="0" normalizeH="0" noProof="0" dirty="0">
-                <a:ln>
-                  <a:noFill/>
-                </a:ln>
-                <a:solidFill>
-                  <a:srgbClr val="6F6259"/>
-                </a:solidFill>
-                <a:effectLst/>
-                <a:uLnTx/>
-                <a:uFillTx/>
-                <a:latin typeface="Helvetica Neue"/>
-                <a:ea typeface="+mn-ea"/>
-                <a:cs typeface="+mn-cs"/>
-              </a:rPr>
-              <a:t> </a:t>
-            </a:r>
-            <a:r>
-              <a:rPr kumimoji="0" lang="de-DE" sz="1800" b="0" i="0" u="none" strike="noStrike" kern="1200" cap="none" spc="0" normalizeH="0" noProof="0" dirty="0" err="1">
-                <a:ln>
-                  <a:noFill/>
-                </a:ln>
-                <a:solidFill>
-                  <a:srgbClr val="6F6259"/>
-                </a:solidFill>
-                <a:effectLst/>
-                <a:uLnTx/>
-                <a:uFillTx/>
-                <a:latin typeface="Helvetica Neue"/>
-                <a:ea typeface="+mn-ea"/>
-                <a:cs typeface="+mn-cs"/>
-              </a:rPr>
-              <a:t>geeign</a:t>
-            </a:r>
-            <a:r>
-              <a:rPr lang="de-DE" dirty="0" err="1">
+              <a:rPr lang="de-DE" dirty="0">
                 <a:solidFill>
                   <a:srgbClr val="6F6259"/>
                 </a:solidFill>
                 <a:latin typeface="Helvetica Neue"/>
               </a:rPr>
-              <a:t>ete</a:t>
-            </a:r>
-            <a:r>
-              <a:rPr lang="de-DE" dirty="0">
-                <a:solidFill>
-                  <a:srgbClr val="6F6259"/>
-                </a:solidFill>
-                <a:latin typeface="Helvetica Neue"/>
-              </a:rPr>
-              <a:t> </a:t>
-            </a:r>
-            <a:r>
-              <a:rPr kumimoji="0" lang="de-DE" sz="1800" b="0" i="0" u="none" strike="noStrike" kern="1200" cap="none" spc="0" normalizeH="0" noProof="0" dirty="0">
-                <a:ln>
-                  <a:noFill/>
-                </a:ln>
-                <a:solidFill>
-                  <a:srgbClr val="6F6259"/>
-                </a:solidFill>
-                <a:effectLst/>
-                <a:uLnTx/>
-                <a:uFillTx/>
-                <a:latin typeface="Helvetica Neue"/>
-                <a:ea typeface="+mn-ea"/>
-                <a:cs typeface="+mn-cs"/>
-              </a:rPr>
-              <a:t>Klassifikationsverfahren wurden identifiziert</a:t>
-            </a:r>
+              <a:t>Literaturrecherche</a:t>
+            </a:r>
+            <a:endParaRPr kumimoji="0" lang="de-DE" sz="1800" b="0" i="0" u="none" strike="noStrike" kern="1200" cap="none" spc="0" normalizeH="0" noProof="0" dirty="0">
+              <a:ln>
+                <a:noFill/>
+              </a:ln>
+              <a:solidFill>
+                <a:srgbClr val="6F6259"/>
+              </a:solidFill>
+              <a:effectLst/>
+              <a:uLnTx/>
+              <a:uFillTx/>
+              <a:latin typeface="Helvetica Neue"/>
+              <a:ea typeface="+mn-ea"/>
+              <a:cs typeface="+mn-cs"/>
+            </a:endParaRPr>
           </a:p>
           <a:p>
             <a:pPr marL="685800" marR="0" lvl="1" indent="-228600" algn="l" defTabSz="914400" rtl="0" eaLnBrk="1" fontAlgn="auto" latinLnBrk="0" hangingPunct="1">
@@ -14587,24 +14557,7 @@
                 </a:solidFill>
                 <a:latin typeface="Helvetica Neue"/>
               </a:rPr>
-              <a:t>Rekurrente Neuronale Netze laut Literatur vielversprechend</a:t>
-            </a:r>
-            <a:r>
-              <a:rPr kumimoji="0" lang="de-DE" sz="1800" b="0" i="0" u="none" strike="noStrike" kern="1200" cap="none" spc="0" normalizeH="0" noProof="0" dirty="0">
-                <a:ln>
-                  <a:noFill/>
-                </a:ln>
-                <a:solidFill>
-                  <a:srgbClr val="6F6259"/>
-                </a:solidFill>
-                <a:effectLst/>
-                <a:uLnTx/>
-                <a:uFillTx/>
-                <a:latin typeface="Helvetica Neue"/>
-                <a:ea typeface="+mn-ea"/>
-                <a:cs typeface="+mn-cs"/>
-              </a:rPr>
-              <a:t> </a:t>
+              <a:t>Rekurrente Neuronale Netze als vielversprechendes Verfahren identifiziert</a:t>
             </a:r>
             <a:endParaRPr kumimoji="0" lang="de-DE" sz="1800" b="0" i="0" u="none" strike="noStrike" kern="1200" cap="none" spc="0" normalizeH="0" baseline="0" noProof="0" dirty="0">
               <a:ln>
@@ -15352,7 +15305,7 @@
               <a:rPr lang="de-DE" b="1" dirty="0">
                 <a:latin typeface="Helvetica Neue"/>
               </a:rPr>
-              <a:t>Erzeugung von Trainings- und Testdatensätzen </a:t>
+              <a:t>Erzeugung von Trainings- und Testdaten</a:t>
             </a:r>
           </a:p>
         </p:txBody>

--- a/Seminar/Bachelorseminar_02-07-2023.pptx
+++ b/Seminar/Bachelorseminar_02-07-2023.pptx
@@ -720,7 +720,13 @@
           <a:p>
             <a:r>
               <a:rPr lang="de-DE" dirty="0"/>
-              <a:t>Die 158 Aufnahmen verschiedener Länge können nicht einfach so für das Training von Modellen genutzt werden. Außerdem sollte ein Teil der Daten für die Evaluierung der Modelle zurückgelegt werden.</a:t>
+              <a:t>-Die 158 Aufnahmen verschiedener Länge können nicht einfach so für das Training von Modellen genutzt werden… deswegen…</a:t>
+            </a:r>
+          </a:p>
+          <a:p>
+            <a:r>
+              <a:rPr lang="de-DE" dirty="0"/>
+              <a:t>-Außerdem sollte ein Teil der Daten für die Evaluierung der Modelle zurückgelegt werden… weshalb anschließend…</a:t>
             </a:r>
           </a:p>
         </p:txBody>
@@ -900,8 +906,34 @@
           <a:p>
             <a:r>
               <a:rPr lang="de-DE" dirty="0"/>
-              <a:t>Alle Klassifikatoren erhalten dabei für jede Sequenz 12 Merkmale als Eingabe, die im Wesentlichen aus deskriptiven Statistiken zur Bewegung des Verkehrsteilnehmers bestehen.</a:t>
-            </a:r>
+              <a:t>-Alle Klassifikatoren erhalten dabei für jede Sequenz 12 Merkmale als Eingabe, die im Wesentlichen aus deskriptiven Statistiken zur Bewegung des Verkehrsteilnehmers bestehen.</a:t>
+            </a:r>
+          </a:p>
+          <a:p>
+            <a:pPr marL="0" marR="0" lvl="0" indent="0" algn="l" defTabSz="914400" rtl="0" eaLnBrk="1" fontAlgn="auto" latinLnBrk="0" hangingPunct="1">
+              <a:lnSpc>
+                <a:spcPct val="100000"/>
+              </a:lnSpc>
+              <a:spcBef>
+                <a:spcPts val="0"/>
+              </a:spcBef>
+              <a:spcAft>
+                <a:spcPts val="0"/>
+              </a:spcAft>
+              <a:buClrTx/>
+              <a:buSzTx/>
+              <a:buFontTx/>
+              <a:buNone/>
+              <a:tabLst/>
+              <a:defRPr/>
+            </a:pPr>
+            <a:r>
+              <a:rPr lang="de-DE" dirty="0"/>
+              <a:t>-Unabhängig vom Abtastintervall (also für alle Datensätze) erzielte dabei das „Random-Forest“-Verfahren die besten Ergebnisse.</a:t>
+            </a:r>
+          </a:p>
+          <a:p>
+            <a:endParaRPr lang="de-DE" dirty="0"/>
           </a:p>
         </p:txBody>
       </p:sp>
@@ -987,7 +1019,7 @@
           <a:p>
             <a:r>
               <a:rPr lang="de-DE" dirty="0"/>
-              <a:t>Unabhängig von der Abtastperiode (also für alle Datensätze) erzielte das „Random-Forest“-Verfahren die besten Ergebnisse.</a:t>
+              <a:t>Hier seht ihr bspw. die Konfusionsmatrix für den besten Random-Forest für ein Intervall von 1s. Die Zeilen: tatsächlicher Klasse. Die Spalten: vorhergesagte Klasse.</a:t>
             </a:r>
           </a:p>
         </p:txBody>
@@ -1074,7 +1106,7 @@
           <a:p>
             <a:r>
               <a:rPr lang="de-DE" dirty="0"/>
-              <a:t>Problem: Zusammenfassung einer Sequenz auf nur 12 Merkmale führt potenziell zu starkem Informationsverlust. Damit ist eine gute Unterscheidung zwischen Motorrädern und Autos kaum möglich.</a:t>
+              <a:t>Der Random-Forest Klassifikator liefert also in 95 bzw. 96 Prozent der Fälle den richtigen Matching-Modus um eine gegebene Sequenz an das Straßennetz anzupassen. Das ist ein zufriedenstellendes Ergebnis.</a:t>
             </a:r>
           </a:p>
         </p:txBody>
@@ -1096,6 +1128,93 @@
           <a:p>
             <a:fld id="{3593FB6F-7BA3-4870-9D0B-837551BFB8B7}" type="slidenum">
               <a:rPr lang="de-DE" smtClean="0"/>
+              <a:t>14</a:t>
+            </a:fld>
+            <a:endParaRPr lang="de-DE"/>
+          </a:p>
+        </p:txBody>
+      </p:sp>
+    </p:spTree>
+    <p:extLst>
+      <p:ext uri="{BB962C8B-B14F-4D97-AF65-F5344CB8AC3E}">
+        <p14:creationId xmlns:p14="http://schemas.microsoft.com/office/powerpoint/2010/main" val="2884537045"/>
+      </p:ext>
+    </p:extLst>
+  </p:cSld>
+  <p:clrMapOvr>
+    <a:masterClrMapping/>
+  </p:clrMapOvr>
+</p:notes>
+</file>
+
+<file path=ppt/notesSlides/notesSlide8.xml><?xml version="1.0" encoding="utf-8"?>
+<p:notes xmlns:a="http://schemas.openxmlformats.org/drawingml/2006/main" xmlns:r="http://schemas.openxmlformats.org/officeDocument/2006/relationships" xmlns:p="http://schemas.openxmlformats.org/presentationml/2006/main">
+  <p:cSld>
+    <p:spTree>
+      <p:nvGrpSpPr>
+        <p:cNvPr id="1" name=""/>
+        <p:cNvGrpSpPr/>
+        <p:nvPr/>
+      </p:nvGrpSpPr>
+      <p:grpSpPr>
+        <a:xfrm>
+          <a:off x="0" y="0"/>
+          <a:ext cx="0" cy="0"/>
+          <a:chOff x="0" y="0"/>
+          <a:chExt cx="0" cy="0"/>
+        </a:xfrm>
+      </p:grpSpPr>
+      <p:sp>
+        <p:nvSpPr>
+          <p:cNvPr id="2" name="Folienbildplatzhalter 1"/>
+          <p:cNvSpPr>
+            <a:spLocks noGrp="1" noRot="1" noChangeAspect="1"/>
+          </p:cNvSpPr>
+          <p:nvPr>
+            <p:ph type="sldImg"/>
+          </p:nvPr>
+        </p:nvSpPr>
+        <p:spPr/>
+      </p:sp>
+      <p:sp>
+        <p:nvSpPr>
+          <p:cNvPr id="3" name="Notizenplatzhalter 2"/>
+          <p:cNvSpPr>
+            <a:spLocks noGrp="1"/>
+          </p:cNvSpPr>
+          <p:nvPr>
+            <p:ph type="body" idx="1"/>
+          </p:nvPr>
+        </p:nvSpPr>
+        <p:spPr/>
+        <p:txBody>
+          <a:bodyPr/>
+          <a:lstStyle/>
+          <a:p>
+            <a:r>
+              <a:rPr lang="de-DE" dirty="0"/>
+              <a:t>Problem: Zusammenfassung einer Sequenz auf nur 12 Merkmale führt potenziell zu starkem Informationsverlust. Damit ist eine gute Unterscheidung zwischen Motorrädern und Autos kaum möglich.</a:t>
+            </a:r>
+          </a:p>
+        </p:txBody>
+      </p:sp>
+      <p:sp>
+        <p:nvSpPr>
+          <p:cNvPr id="4" name="Foliennummernplatzhalter 3"/>
+          <p:cNvSpPr>
+            <a:spLocks noGrp="1"/>
+          </p:cNvSpPr>
+          <p:nvPr>
+            <p:ph type="sldNum" sz="quarter" idx="5"/>
+          </p:nvPr>
+        </p:nvSpPr>
+        <p:spPr/>
+        <p:txBody>
+          <a:bodyPr/>
+          <a:lstStyle/>
+          <a:p>
+            <a:fld id="{3593FB6F-7BA3-4870-9D0B-837551BFB8B7}" type="slidenum">
+              <a:rPr lang="de-DE" smtClean="0"/>
               <a:t>16</a:t>
             </a:fld>
             <a:endParaRPr lang="de-DE"/>
@@ -1106,6 +1225,93 @@
     <p:extLst>
       <p:ext uri="{BB962C8B-B14F-4D97-AF65-F5344CB8AC3E}">
         <p14:creationId xmlns:p14="http://schemas.microsoft.com/office/powerpoint/2010/main" val="680332744"/>
+      </p:ext>
+    </p:extLst>
+  </p:cSld>
+  <p:clrMapOvr>
+    <a:masterClrMapping/>
+  </p:clrMapOvr>
+</p:notes>
+</file>
+
+<file path=ppt/notesSlides/notesSlide9.xml><?xml version="1.0" encoding="utf-8"?>
+<p:notes xmlns:a="http://schemas.openxmlformats.org/drawingml/2006/main" xmlns:r="http://schemas.openxmlformats.org/officeDocument/2006/relationships" xmlns:p="http://schemas.openxmlformats.org/presentationml/2006/main">
+  <p:cSld>
+    <p:spTree>
+      <p:nvGrpSpPr>
+        <p:cNvPr id="1" name=""/>
+        <p:cNvGrpSpPr/>
+        <p:nvPr/>
+      </p:nvGrpSpPr>
+      <p:grpSpPr>
+        <a:xfrm>
+          <a:off x="0" y="0"/>
+          <a:ext cx="0" cy="0"/>
+          <a:chOff x="0" y="0"/>
+          <a:chExt cx="0" cy="0"/>
+        </a:xfrm>
+      </p:grpSpPr>
+      <p:sp>
+        <p:nvSpPr>
+          <p:cNvPr id="2" name="Folienbildplatzhalter 1"/>
+          <p:cNvSpPr>
+            <a:spLocks noGrp="1" noRot="1" noChangeAspect="1"/>
+          </p:cNvSpPr>
+          <p:nvPr>
+            <p:ph type="sldImg"/>
+          </p:nvPr>
+        </p:nvSpPr>
+        <p:spPr/>
+      </p:sp>
+      <p:sp>
+        <p:nvSpPr>
+          <p:cNvPr id="3" name="Notizenplatzhalter 2"/>
+          <p:cNvSpPr>
+            <a:spLocks noGrp="1"/>
+          </p:cNvSpPr>
+          <p:nvPr>
+            <p:ph type="body" idx="1"/>
+          </p:nvPr>
+        </p:nvSpPr>
+        <p:spPr/>
+        <p:txBody>
+          <a:bodyPr/>
+          <a:lstStyle/>
+          <a:p>
+            <a:r>
+              <a:rPr lang="de-DE" dirty="0"/>
+              <a:t>… etwas versagt hat lediglich das Modell in der Mitte, welches auf gematchten Daten trainiert wurde. Das muss aber nicht zwangsläufig daran liegen, dass Map-Matching immer zu schlechteren Ergebnissen führt, sondern…</a:t>
+            </a:r>
+          </a:p>
+        </p:txBody>
+      </p:sp>
+      <p:sp>
+        <p:nvSpPr>
+          <p:cNvPr id="4" name="Foliennummernplatzhalter 3"/>
+          <p:cNvSpPr>
+            <a:spLocks noGrp="1"/>
+          </p:cNvSpPr>
+          <p:nvPr>
+            <p:ph type="sldNum" sz="quarter" idx="5"/>
+          </p:nvPr>
+        </p:nvSpPr>
+        <p:spPr/>
+        <p:txBody>
+          <a:bodyPr/>
+          <a:lstStyle/>
+          <a:p>
+            <a:fld id="{3593FB6F-7BA3-4870-9D0B-837551BFB8B7}" type="slidenum">
+              <a:rPr lang="de-DE" smtClean="0"/>
+              <a:t>19</a:t>
+            </a:fld>
+            <a:endParaRPr lang="de-DE"/>
+          </a:p>
+        </p:txBody>
+      </p:sp>
+    </p:spTree>
+    <p:extLst>
+      <p:ext uri="{BB962C8B-B14F-4D97-AF65-F5344CB8AC3E}">
+        <p14:creationId xmlns:p14="http://schemas.microsoft.com/office/powerpoint/2010/main" val="3637714928"/>
       </p:ext>
     </p:extLst>
   </p:cSld>
@@ -7513,33 +7719,6 @@
       </p:sp>
       <p:sp>
         <p:nvSpPr>
-          <p:cNvPr id="3" name="Textplatzhalter 2">
-            <a:extLst>
-              <a:ext uri="{FF2B5EF4-FFF2-40B4-BE49-F238E27FC236}">
-                <a16:creationId xmlns:a16="http://schemas.microsoft.com/office/drawing/2014/main" id="{14EEAC35-0616-71E1-437A-DA03C339A353}"/>
-              </a:ext>
-            </a:extLst>
-          </p:cNvPr>
-          <p:cNvSpPr>
-            <a:spLocks noGrp="1"/>
-          </p:cNvSpPr>
-          <p:nvPr>
-            <p:ph type="body" idx="11"/>
-          </p:nvPr>
-        </p:nvSpPr>
-        <p:spPr/>
-        <p:txBody>
-          <a:bodyPr>
-            <a:normAutofit fontScale="92500" lnSpcReduction="20000"/>
-          </a:bodyPr>
-          <a:lstStyle/>
-          <a:p>
-            <a:endParaRPr lang="de-DE" dirty="0"/>
-          </a:p>
-        </p:txBody>
-      </p:sp>
-      <p:sp>
-        <p:nvSpPr>
           <p:cNvPr id="4" name="Datumsplatzhalter 3">
             <a:extLst>
               <a:ext uri="{FF2B5EF4-FFF2-40B4-BE49-F238E27FC236}">
@@ -9027,7 +9206,7 @@
               <a:rPr lang="de-DE" b="1" dirty="0">
                 <a:latin typeface="Helvetica Neue"/>
               </a:rPr>
-              <a:t>Evaluierung des besten Modells für Abtastperiode = 1s</a:t>
+              <a:t>Evaluierung des besten Modells für Abtastintervall = 1s</a:t>
             </a:r>
           </a:p>
         </p:txBody>
@@ -9168,10 +9347,10 @@
       </p:pic>
       <p:sp>
         <p:nvSpPr>
-          <p:cNvPr id="23" name="Textfeld 22">
-            <a:extLst>
-              <a:ext uri="{FF2B5EF4-FFF2-40B4-BE49-F238E27FC236}">
-                <a16:creationId xmlns:a16="http://schemas.microsoft.com/office/drawing/2014/main" id="{D16D8FAC-A6C1-3326-51BE-E318CDC5ED85}"/>
+          <p:cNvPr id="5" name="Textfeld 4">
+            <a:extLst>
+              <a:ext uri="{FF2B5EF4-FFF2-40B4-BE49-F238E27FC236}">
+                <a16:creationId xmlns:a16="http://schemas.microsoft.com/office/drawing/2014/main" id="{C9B4B5F1-D2F1-FC54-40F6-193EF4CB7650}"/>
               </a:ext>
             </a:extLst>
           </p:cNvPr>
@@ -9180,7 +9359,7 @@
         </p:nvSpPr>
         <p:spPr>
           <a:xfrm>
-            <a:off x="5071519" y="4892447"/>
+            <a:off x="5095515" y="5014253"/>
             <a:ext cx="2048959" cy="615553"/>
           </a:xfrm>
           <a:prstGeom prst="rect">
@@ -9319,7 +9498,7 @@
               <a:rPr lang="de-DE" b="1" dirty="0">
                 <a:latin typeface="Helvetica Neue"/>
               </a:rPr>
-              <a:t>Evaluierung optimierter Modelle für Abtastperiode = 2s</a:t>
+              <a:t>Evaluierung des besten Modells für Abtastintervall = 2s</a:t>
             </a:r>
           </a:p>
         </p:txBody>
@@ -9477,7 +9656,7 @@
           <p:nvPr/>
         </p:nvPicPr>
         <p:blipFill rotWithShape="1">
-          <a:blip r:embed="rId2">
+          <a:blip r:embed="rId3">
             <a:extLst>
               <a:ext uri="{28A0092B-C50C-407E-A947-70E740481C1C}">
                 <a14:useLocalDpi xmlns:a14="http://schemas.microsoft.com/office/drawing/2010/main" val="0"/>
@@ -9987,7 +10166,7 @@
             <a:pPr algn="ctr"/>
             <a:r>
               <a:rPr lang="de-DE" dirty="0"/>
-              <a:t>Periode = 1s</a:t>
+              <a:t>Intervall = 1s</a:t>
             </a:r>
           </a:p>
           <a:p>
@@ -10036,7 +10215,7 @@
             <a:pPr algn="ctr"/>
             <a:r>
               <a:rPr lang="de-DE" b="1" dirty="0"/>
-              <a:t>Periode = 2s</a:t>
+              <a:t>Intervall = 2s</a:t>
             </a:r>
           </a:p>
           <a:p>
@@ -10455,7 +10634,7 @@
                 <a:latin typeface="Helvetica Neue"/>
                 <a:sym typeface="Wingdings" panose="05000000000000000000" pitchFamily="2" charset="2"/>
               </a:rPr>
-              <a:t>Großer Vorteil: RNNs sind in der Lage mit Sequenzen beliebiger Länge, statt mit einzelnen Eingaben fester Größe zu arbeiten</a:t>
+              <a:t>Großer Vorteil: RNNs sind in der Lage mit Sequenzen beliebiger Länge zu arbeiten</a:t>
             </a:r>
           </a:p>
           <a:p>
@@ -10513,7 +10692,7 @@
                 <a:latin typeface="Helvetica Neue"/>
                 <a:sym typeface="Wingdings" panose="05000000000000000000" pitchFamily="2" charset="2"/>
               </a:rPr>
-              <a:t>Die Ausgabe im aktuellen Zeitschritt t ist damit nicht nur von der Eingabe zum Zeitpunkt t sondern auch von der Ausgabe der Zelle zum Zeitpunkt t-1 abhängig</a:t>
+              <a:t>Ausgabe im aktuellen Zeitschritt t ist nicht nur von der Eingabe zum Zeitpunkt t sondern auch von der Ausgabe zum Zeitpunkt t-1 abhängig</a:t>
             </a:r>
           </a:p>
           <a:p>
@@ -10536,7 +10715,7 @@
                 <a:latin typeface="Helvetica Neue"/>
                 <a:sym typeface="Wingdings" panose="05000000000000000000" pitchFamily="2" charset="2"/>
               </a:rPr>
-              <a:t>Hierdurch können zeitlich codierte Muster in den Daten abgebildet werden</a:t>
+              <a:t>Kann zeitlich codierte Muster in den Daten abbilden</a:t>
             </a:r>
           </a:p>
         </p:txBody>
@@ -11012,7 +11191,7 @@
           <p:nvPr/>
         </p:nvPicPr>
         <p:blipFill>
-          <a:blip r:embed="rId2"/>
+          <a:blip r:embed="rId3"/>
           <a:stretch>
             <a:fillRect/>
           </a:stretch>
@@ -11052,7 +11231,7 @@
           <p:nvPr/>
         </p:nvPicPr>
         <p:blipFill>
-          <a:blip r:embed="rId3"/>
+          <a:blip r:embed="rId4"/>
           <a:stretch>
             <a:fillRect/>
           </a:stretch>
@@ -11092,7 +11271,7 @@
           <p:nvPr/>
         </p:nvPicPr>
         <p:blipFill>
-          <a:blip r:embed="rId4"/>
+          <a:blip r:embed="rId5"/>
           <a:stretch>
             <a:fillRect/>
           </a:stretch>
@@ -11148,7 +11327,7 @@
             <a:pPr algn="ctr"/>
             <a:r>
               <a:rPr lang="de-DE" dirty="0"/>
-              <a:t>Periode = 1s </a:t>
+              <a:t>Intervall = 1s </a:t>
             </a:r>
           </a:p>
           <a:p>
@@ -11177,8 +11356,8 @@
         </p:nvSpPr>
         <p:spPr>
           <a:xfrm>
-            <a:off x="4564928" y="4852737"/>
-            <a:ext cx="3110147" cy="615553"/>
+            <a:off x="4495200" y="4852737"/>
+            <a:ext cx="3249608" cy="615553"/>
           </a:xfrm>
           <a:prstGeom prst="rect">
             <a:avLst/>
@@ -11194,7 +11373,7 @@
             <a:pPr algn="ctr"/>
             <a:r>
               <a:rPr lang="de-DE" dirty="0"/>
-              <a:t>Periode = 1s (Map-Matching)</a:t>
+              <a:t>Intervall = 1s + Map-Matching</a:t>
             </a:r>
           </a:p>
           <a:p>
@@ -11240,7 +11419,7 @@
             <a:pPr algn="ctr"/>
             <a:r>
               <a:rPr lang="de-DE" b="1" dirty="0"/>
-              <a:t>Periode = 2s</a:t>
+              <a:t>Intervall = 2s</a:t>
             </a:r>
           </a:p>
           <a:p>
@@ -11313,7 +11492,12 @@
             <p:ph type="title"/>
           </p:nvPr>
         </p:nvSpPr>
-        <p:spPr/>
+        <p:spPr>
+          <a:xfrm>
+            <a:off x="2900320" y="3777337"/>
+            <a:ext cx="8737498" cy="360000"/>
+          </a:xfrm>
+        </p:spPr>
         <p:txBody>
           <a:bodyPr>
             <a:normAutofit fontScale="90000"/>
@@ -11322,35 +11506,8 @@
           <a:p>
             <a:r>
               <a:rPr lang="de-DE" dirty="0"/>
-              <a:t>Rückblick: Thema und Aufgaben</a:t>
-            </a:r>
-          </a:p>
-        </p:txBody>
-      </p:sp>
-      <p:sp>
-        <p:nvSpPr>
-          <p:cNvPr id="3" name="Textplatzhalter 2">
-            <a:extLst>
-              <a:ext uri="{FF2B5EF4-FFF2-40B4-BE49-F238E27FC236}">
-                <a16:creationId xmlns:a16="http://schemas.microsoft.com/office/drawing/2014/main" id="{14EEAC35-0616-71E1-437A-DA03C339A353}"/>
-              </a:ext>
-            </a:extLst>
-          </p:cNvPr>
-          <p:cNvSpPr>
-            <a:spLocks noGrp="1"/>
-          </p:cNvSpPr>
-          <p:nvPr>
-            <p:ph type="body" idx="11"/>
-          </p:nvPr>
-        </p:nvSpPr>
-        <p:spPr/>
-        <p:txBody>
-          <a:bodyPr>
-            <a:normAutofit fontScale="92500" lnSpcReduction="20000"/>
-          </a:bodyPr>
-          <a:lstStyle/>
-          <a:p>
-            <a:endParaRPr lang="de-DE" dirty="0"/>
+              <a:t>Rückblick: Thema und Aufgabenbereiche</a:t>
+            </a:r>
           </a:p>
         </p:txBody>
       </p:sp>
@@ -14643,7 +14800,7 @@
           <a:p>
             <a:r>
               <a:rPr lang="de-DE" dirty="0"/>
-              <a:t>Aktueller Stand: Datengewinnung und -vorbereitung</a:t>
+              <a:t>Aktueller Stand: Datengrundlage</a:t>
             </a:r>
           </a:p>
         </p:txBody>
@@ -14804,7 +14961,7 @@
           <a:p>
             <a:r>
               <a:rPr lang="de-DE" dirty="0"/>
-              <a:t>Datengewinnung</a:t>
+              <a:t>Datengrundlage</a:t>
             </a:r>
           </a:p>
         </p:txBody>
@@ -15268,7 +15425,7 @@
           <a:p>
             <a:r>
               <a:rPr lang="de-DE" dirty="0"/>
-              <a:t>Datenvorbereitung</a:t>
+              <a:t>Datengrundlage</a:t>
             </a:r>
           </a:p>
         </p:txBody>
@@ -15634,7 +15791,7 @@
           <p:nvPr>
             <p:extLst>
               <p:ext uri="{D42A27DB-BD31-4B8C-83A1-F6EECF244321}">
-                <p14:modId xmlns:p14="http://schemas.microsoft.com/office/powerpoint/2010/main" val="2012961494"/>
+                <p14:modId xmlns:p14="http://schemas.microsoft.com/office/powerpoint/2010/main" val="704202323"/>
               </p:ext>
             </p:extLst>
           </p:nvPr>
@@ -15687,7 +15844,7 @@
                     <a:p>
                       <a:r>
                         <a:rPr lang="de-DE" dirty="0"/>
-                        <a:t>Abtastperiode</a:t>
+                        <a:t>Abtastintervall</a:t>
                       </a:r>
                     </a:p>
                   </a:txBody>

--- a/Seminar/Bachelorseminar_02-07-2023.pptx
+++ b/Seminar/Bachelorseminar_02-07-2023.pptx
@@ -10950,10 +10950,10 @@
       </p:sp>
       <p:pic>
         <p:nvPicPr>
-          <p:cNvPr id="293" name="Grafik 292">
-            <a:extLst>
-              <a:ext uri="{FF2B5EF4-FFF2-40B4-BE49-F238E27FC236}">
-                <a16:creationId xmlns:a16="http://schemas.microsoft.com/office/drawing/2014/main" id="{D2F8C39F-897D-7DF3-8A59-AEAC5B3708BF}"/>
+          <p:cNvPr id="309" name="Grafik 308">
+            <a:extLst>
+              <a:ext uri="{FF2B5EF4-FFF2-40B4-BE49-F238E27FC236}">
+                <a16:creationId xmlns:a16="http://schemas.microsoft.com/office/drawing/2014/main" id="{F50D42B8-40BE-4A7B-2B70-7DF7E6DD422D}"/>
               </a:ext>
             </a:extLst>
           </p:cNvPr>
@@ -10970,8 +10970,8 @@
         </p:blipFill>
         <p:spPr>
           <a:xfrm>
-            <a:off x="1115035" y="2070000"/>
-            <a:ext cx="9099884" cy="3358481"/>
+            <a:off x="762420" y="2070000"/>
+            <a:ext cx="9557779" cy="3551070"/>
           </a:xfrm>
           <a:prstGeom prst="rect">
             <a:avLst/>

--- a/Seminar/Bachelorseminar_02-07-2023.pptx
+++ b/Seminar/Bachelorseminar_02-07-2023.pptx
@@ -219,7 +219,7 @@
           <a:p>
             <a:fld id="{A2DD4E1C-547B-4546-95CE-121FDA015484}" type="datetimeFigureOut">
               <a:rPr lang="de-DE" smtClean="0"/>
-              <a:t>05.07.2023</a:t>
+              <a:t>21.07.2023</a:t>
             </a:fld>
             <a:endParaRPr lang="de-DE"/>
           </a:p>
@@ -633,7 +633,7 @@
           <a:p>
             <a:r>
               <a:rPr lang="de-DE" dirty="0"/>
-              <a:t>… in Bezug auf Nutzer und Klassenverhältnis nicht ausgeglichener als zuvor… , was zwar unschön aber nicht unbedingt problematisch ist.</a:t>
+              <a:t>… in Bezug auf Nutzer und Klassenverhältnis nicht ausgeglichener als zuvor…</a:t>
             </a:r>
           </a:p>
         </p:txBody>
@@ -718,16 +718,7 @@
           <a:bodyPr/>
           <a:lstStyle/>
           <a:p>
-            <a:r>
-              <a:rPr lang="de-DE" dirty="0"/>
-              <a:t>-Die 158 Aufnahmen verschiedener Länge können nicht einfach so für das Training von Modellen genutzt werden… deswegen…</a:t>
-            </a:r>
-          </a:p>
-          <a:p>
-            <a:r>
-              <a:rPr lang="de-DE" dirty="0"/>
-              <a:t>-Außerdem sollte ein Teil der Daten für die Evaluierung der Modelle zurückgelegt werden… weshalb anschließend…</a:t>
-            </a:r>
+            <a:endParaRPr lang="de-DE" dirty="0"/>
           </a:p>
         </p:txBody>
       </p:sp>
@@ -811,16 +802,7 @@
           <a:bodyPr/>
           <a:lstStyle/>
           <a:p>
-            <a:r>
-              <a:rPr lang="de-DE" dirty="0"/>
-              <a:t>Unter Map-Matching versteht man die Abbildung... </a:t>
-            </a:r>
-          </a:p>
-          <a:p>
-            <a:r>
-              <a:rPr lang="de-DE" dirty="0"/>
-              <a:t>Verweis auf das Beispiel rechts.</a:t>
-            </a:r>
+            <a:endParaRPr lang="de-DE" dirty="0"/>
           </a:p>
         </p:txBody>
       </p:sp>
@@ -904,12 +886,6 @@
           <a:bodyPr/>
           <a:lstStyle/>
           <a:p>
-            <a:r>
-              <a:rPr lang="de-DE" dirty="0"/>
-              <a:t>-Alle Klassifikatoren erhalten dabei für jede Sequenz 12 Merkmale als Eingabe, die im Wesentlichen aus deskriptiven Statistiken zur Bewegung des Verkehrsteilnehmers bestehen.</a:t>
-            </a:r>
-          </a:p>
-          <a:p>
             <a:pPr marL="0" marR="0" lvl="0" indent="0" algn="l" defTabSz="914400" rtl="0" eaLnBrk="1" fontAlgn="auto" latinLnBrk="0" hangingPunct="1">
               <a:lnSpc>
                 <a:spcPct val="100000"/>
@@ -1017,10 +993,7 @@
           <a:bodyPr/>
           <a:lstStyle/>
           <a:p>
-            <a:r>
-              <a:rPr lang="de-DE" dirty="0"/>
-              <a:t>Hier seht ihr bspw. die Konfusionsmatrix für den besten Random-Forest für ein Intervall von 1s. Die Zeilen: tatsächlicher Klasse. Die Spalten: vorhergesagte Klasse.</a:t>
-            </a:r>
+            <a:endParaRPr lang="de-DE" dirty="0"/>
           </a:p>
         </p:txBody>
       </p:sp>
@@ -1104,10 +1077,7 @@
           <a:bodyPr/>
           <a:lstStyle/>
           <a:p>
-            <a:r>
-              <a:rPr lang="de-DE" dirty="0"/>
-              <a:t>Der Random-Forest Klassifikator liefert also in 95 bzw. 96 Prozent der Fälle den richtigen Matching-Modus um eine gegebene Sequenz an das Straßennetz anzupassen. Das ist ein zufriedenstellendes Ergebnis.</a:t>
-            </a:r>
+            <a:endParaRPr lang="de-DE" dirty="0"/>
           </a:p>
         </p:txBody>
       </p:sp>
@@ -1278,10 +1248,7 @@
           <a:bodyPr/>
           <a:lstStyle/>
           <a:p>
-            <a:r>
-              <a:rPr lang="de-DE" dirty="0"/>
-              <a:t>… etwas versagt hat lediglich das Modell in der Mitte, welches auf gematchten Daten trainiert wurde. Das muss aber nicht zwangsläufig daran liegen, dass Map-Matching immer zu schlechteren Ergebnissen führt, sondern…</a:t>
-            </a:r>
+            <a:endParaRPr lang="de-DE" dirty="0"/>
           </a:p>
         </p:txBody>
       </p:sp>
@@ -1417,7 +1384,7 @@
             <a:fld id="{6F1E101A-BD3B-B542-8690-1916D72F307E}" type="datetime1">
               <a:rPr lang="de-DE" smtClean="0"/>
               <a:pPr/>
-              <a:t>05.07.2023</a:t>
+              <a:t>21.07.2023</a:t>
             </a:fld>
             <a:endParaRPr lang="de-DE" dirty="0"/>
           </a:p>
@@ -1573,7 +1540,7 @@
           <a:p>
             <a:fld id="{8F26348B-845F-9447-ACF0-EB8A1B8AE0E8}" type="datetime1">
               <a:rPr lang="de-DE" smtClean="0"/>
-              <a:t>05.07.2023</a:t>
+              <a:t>21.07.2023</a:t>
             </a:fld>
             <a:endParaRPr lang="de-DE" dirty="0"/>
           </a:p>
@@ -1826,7 +1793,7 @@
           <a:p>
             <a:fld id="{6F1E101A-BD3B-B542-8690-1916D72F307E}" type="datetime1">
               <a:rPr lang="de-DE" smtClean="0"/>
-              <a:t>05.07.2023</a:t>
+              <a:t>21.07.2023</a:t>
             </a:fld>
             <a:endParaRPr lang="de-DE" dirty="0"/>
           </a:p>
@@ -2065,7 +2032,7 @@
           <a:p>
             <a:fld id="{6F1E101A-BD3B-B542-8690-1916D72F307E}" type="datetime1">
               <a:rPr lang="de-DE" smtClean="0"/>
-              <a:t>05.07.2023</a:t>
+              <a:t>21.07.2023</a:t>
             </a:fld>
             <a:endParaRPr lang="de-DE" dirty="0"/>
           </a:p>
@@ -2451,7 +2418,7 @@
           <a:p>
             <a:fld id="{6F1E101A-BD3B-B542-8690-1916D72F307E}" type="datetime1">
               <a:rPr lang="de-DE" smtClean="0"/>
-              <a:t>05.07.2023</a:t>
+              <a:t>21.07.2023</a:t>
             </a:fld>
             <a:endParaRPr lang="de-DE" dirty="0"/>
           </a:p>
@@ -2800,7 +2767,7 @@
           <a:p>
             <a:fld id="{6F1E101A-BD3B-B542-8690-1916D72F307E}" type="datetime1">
               <a:rPr lang="de-DE" smtClean="0"/>
-              <a:t>05.07.2023</a:t>
+              <a:t>21.07.2023</a:t>
             </a:fld>
             <a:endParaRPr lang="de-DE" dirty="0"/>
           </a:p>
@@ -3262,7 +3229,7 @@
             <a:fld id="{6F1E101A-BD3B-B542-8690-1916D72F307E}" type="datetime1">
               <a:rPr lang="de-DE" smtClean="0"/>
               <a:pPr/>
-              <a:t>05.07.2023</a:t>
+              <a:t>21.07.2023</a:t>
             </a:fld>
             <a:endParaRPr lang="de-DE" dirty="0"/>
           </a:p>
@@ -3456,7 +3423,7 @@
             <a:fld id="{6F1E101A-BD3B-B542-8690-1916D72F307E}" type="datetime1">
               <a:rPr lang="de-DE" smtClean="0"/>
               <a:pPr/>
-              <a:t>05.07.2023</a:t>
+              <a:t>21.07.2023</a:t>
             </a:fld>
             <a:endParaRPr lang="de-DE" dirty="0"/>
           </a:p>
@@ -3700,7 +3667,7 @@
             <a:fld id="{6F1E101A-BD3B-B542-8690-1916D72F307E}" type="datetime1">
               <a:rPr lang="de-DE" smtClean="0"/>
               <a:pPr/>
-              <a:t>05.07.2023</a:t>
+              <a:t>21.07.2023</a:t>
             </a:fld>
             <a:endParaRPr lang="de-DE" dirty="0"/>
           </a:p>
@@ -4015,7 +3982,7 @@
             <a:fld id="{6F1E101A-BD3B-B542-8690-1916D72F307E}" type="datetime1">
               <a:rPr lang="de-DE" smtClean="0"/>
               <a:pPr/>
-              <a:t>05.07.2023</a:t>
+              <a:t>21.07.2023</a:t>
             </a:fld>
             <a:endParaRPr lang="de-DE" dirty="0"/>
           </a:p>
@@ -4550,7 +4517,7 @@
             <a:fld id="{6F1E101A-BD3B-B542-8690-1916D72F307E}" type="datetime1">
               <a:rPr lang="de-DE" smtClean="0"/>
               <a:pPr/>
-              <a:t>05.07.2023</a:t>
+              <a:t>21.07.2023</a:t>
             </a:fld>
             <a:endParaRPr lang="de-DE" dirty="0"/>
           </a:p>
@@ -4936,7 +4903,7 @@
             <a:fld id="{6F1E101A-BD3B-B542-8690-1916D72F307E}" type="datetime1">
               <a:rPr lang="de-DE" smtClean="0"/>
               <a:pPr/>
-              <a:t>05.07.2023</a:t>
+              <a:t>21.07.2023</a:t>
             </a:fld>
             <a:endParaRPr lang="de-DE" dirty="0"/>
           </a:p>
@@ -5243,7 +5210,7 @@
           <a:p>
             <a:fld id="{6F1E101A-BD3B-B542-8690-1916D72F307E}" type="datetime1">
               <a:rPr lang="de-DE" smtClean="0"/>
-              <a:t>05.07.2023</a:t>
+              <a:t>21.07.2023</a:t>
             </a:fld>
             <a:endParaRPr lang="de-DE" dirty="0"/>
           </a:p>
@@ -5362,7 +5329,7 @@
           <a:p>
             <a:fld id="{6F1E101A-BD3B-B542-8690-1916D72F307E}" type="datetime1">
               <a:rPr lang="de-DE" smtClean="0"/>
-              <a:t>05.07.2023</a:t>
+              <a:t>21.07.2023</a:t>
             </a:fld>
             <a:endParaRPr lang="de-DE" dirty="0"/>
           </a:p>
@@ -5585,7 +5552,7 @@
             <a:fld id="{6F1E101A-BD3B-B542-8690-1916D72F307E}" type="datetime1">
               <a:rPr lang="de-DE" smtClean="0"/>
               <a:pPr/>
-              <a:t>05.07.2023</a:t>
+              <a:t>21.07.2023</a:t>
             </a:fld>
             <a:endParaRPr lang="de-DE" dirty="0"/>
           </a:p>
@@ -6262,7 +6229,7 @@
           <a:p>
             <a:fld id="{6F1E101A-BD3B-B542-8690-1916D72F307E}" type="datetime1">
               <a:rPr lang="de-DE" smtClean="0"/>
-              <a:t>05.07.2023</a:t>
+              <a:t>21.07.2023</a:t>
             </a:fld>
             <a:endParaRPr lang="de-DE" dirty="0"/>
           </a:p>
@@ -7580,7 +7547,7 @@
             <a:fld id="{6F1E101A-BD3B-B542-8690-1916D72F307E}" type="datetime1">
               <a:rPr lang="de-DE" smtClean="0"/>
               <a:pPr/>
-              <a:t>05.07.2023</a:t>
+              <a:t>21.07.2023</a:t>
             </a:fld>
             <a:endParaRPr lang="de-DE" dirty="0"/>
           </a:p>
@@ -7787,7 +7754,7 @@
                 <a:tabLst/>
                 <a:defRPr/>
               </a:pPr>
-              <a:t>05.07.2023</a:t>
+              <a:t>21.07.2023</a:t>
             </a:fld>
             <a:endParaRPr kumimoji="0" lang="de-DE" sz="1800" b="0" i="0" u="none" strike="noStrike" kern="1200" cap="none" spc="0" normalizeH="0" baseline="0" noProof="0" dirty="0">
               <a:ln>
@@ -7948,7 +7915,7 @@
                 <a:tabLst/>
                 <a:defRPr/>
               </a:pPr>
-              <a:t>05.07.2023</a:t>
+              <a:t>21.07.2023</a:t>
             </a:fld>
             <a:endParaRPr kumimoji="0" lang="de-DE" sz="1800" b="0" i="0" u="none" strike="noStrike" kern="1200" cap="none" spc="0" normalizeH="0" baseline="0" noProof="0" dirty="0">
               <a:ln>
@@ -8737,7 +8704,7 @@
                 <a:tabLst/>
                 <a:defRPr/>
               </a:pPr>
-              <a:t>05.07.2023</a:t>
+              <a:t>21.07.2023</a:t>
             </a:fld>
             <a:endParaRPr kumimoji="0" lang="de-DE" sz="1800" b="0" i="0" u="none" strike="noStrike" kern="1200" cap="none" spc="0" normalizeH="0" baseline="0" noProof="0" dirty="0">
               <a:ln>
@@ -9281,7 +9248,7 @@
                 <a:tabLst/>
                 <a:defRPr/>
               </a:pPr>
-              <a:t>05.07.2023</a:t>
+              <a:t>21.07.2023</a:t>
             </a:fld>
             <a:endParaRPr kumimoji="0" lang="de-DE" sz="1800" b="0" i="0" u="none" strike="noStrike" kern="1200" cap="none" spc="0" normalizeH="0" baseline="0" noProof="0" dirty="0">
               <a:ln>
@@ -9573,7 +9540,7 @@
                 <a:tabLst/>
                 <a:defRPr/>
               </a:pPr>
-              <a:t>05.07.2023</a:t>
+              <a:t>21.07.2023</a:t>
             </a:fld>
             <a:endParaRPr kumimoji="0" lang="de-DE" sz="1800" b="0" i="0" u="none" strike="noStrike" kern="1200" cap="none" spc="0" normalizeH="0" baseline="0" noProof="0" dirty="0">
               <a:ln>
@@ -9828,7 +9795,7 @@
                 <a:tabLst/>
                 <a:defRPr/>
               </a:pPr>
-              <a:t>05.07.2023</a:t>
+              <a:t>21.07.2023</a:t>
             </a:fld>
             <a:endParaRPr kumimoji="0" lang="de-DE" sz="1800" b="0" i="0" u="none" strike="noStrike" kern="1200" cap="none" spc="0" normalizeH="0" baseline="0" noProof="0" dirty="0">
               <a:ln>
@@ -10026,7 +9993,7 @@
                 <a:tabLst/>
                 <a:defRPr/>
               </a:pPr>
-              <a:t>05.07.2023</a:t>
+              <a:t>21.07.2023</a:t>
             </a:fld>
             <a:endParaRPr kumimoji="0" lang="de-DE" sz="1800" b="0" i="0" u="none" strike="noStrike" kern="1200" cap="none" spc="0" normalizeH="0" baseline="0" noProof="0" dirty="0">
               <a:ln>
@@ -10412,7 +10379,7 @@
                 <a:tabLst/>
                 <a:defRPr/>
               </a:pPr>
-              <a:t>05.07.2023</a:t>
+              <a:t>21.07.2023</a:t>
             </a:fld>
             <a:endParaRPr kumimoji="0" lang="de-DE" sz="1800" b="0" i="0" u="none" strike="noStrike" kern="1200" cap="none" spc="0" normalizeH="0" baseline="0" noProof="0" dirty="0">
               <a:ln>
@@ -10929,7 +10896,7 @@
                 <a:tabLst/>
                 <a:defRPr/>
               </a:pPr>
-              <a:t>05.07.2023</a:t>
+              <a:t>21.07.2023</a:t>
             </a:fld>
             <a:endParaRPr kumimoji="0" lang="de-DE" sz="1800" b="0" i="0" u="none" strike="noStrike" kern="1200" cap="none" spc="0" normalizeH="0" baseline="0" noProof="0" dirty="0">
               <a:ln>
@@ -11157,7 +11124,7 @@
                 <a:tabLst/>
                 <a:defRPr/>
               </a:pPr>
-              <a:t>05.07.2023</a:t>
+              <a:t>21.07.2023</a:t>
             </a:fld>
             <a:endParaRPr kumimoji="0" lang="de-DE" sz="1800" b="0" i="0" u="none" strike="noStrike" kern="1200" cap="none" spc="0" normalizeH="0" baseline="0" noProof="0" dirty="0">
               <a:ln>
@@ -11403,7 +11370,7 @@
         <p:spPr>
           <a:xfrm>
             <a:off x="8955838" y="4852737"/>
-            <a:ext cx="2098651" cy="615553"/>
+            <a:ext cx="2098652" cy="615553"/>
           </a:xfrm>
           <a:prstGeom prst="rect">
             <a:avLst/>
@@ -11581,7 +11548,7 @@
                 <a:tabLst/>
                 <a:defRPr/>
               </a:pPr>
-              <a:t>05.07.2023</a:t>
+              <a:t>21.07.2023</a:t>
             </a:fld>
             <a:endParaRPr kumimoji="0" lang="de-DE" sz="1800" b="0" i="0" u="none" strike="noStrike" kern="1200" cap="none" spc="0" normalizeH="0" baseline="0" noProof="0" dirty="0">
               <a:ln>
@@ -11779,7 +11746,7 @@
                 <a:tabLst/>
                 <a:defRPr/>
               </a:pPr>
-              <a:t>05.07.2023</a:t>
+              <a:t>21.07.2023</a:t>
             </a:fld>
             <a:endParaRPr kumimoji="0" lang="de-DE" sz="1800" b="0" i="0" u="none" strike="noStrike" kern="1200" cap="none" spc="0" normalizeH="0" baseline="0" noProof="0" dirty="0">
               <a:ln>
@@ -12165,7 +12132,7 @@
             <a:fld id="{6F1E101A-BD3B-B542-8690-1916D72F307E}" type="datetime1">
               <a:rPr lang="de-DE" smtClean="0"/>
               <a:pPr/>
-              <a:t>05.07.2023</a:t>
+              <a:t>21.07.2023</a:t>
             </a:fld>
             <a:endParaRPr lang="de-DE" dirty="0"/>
           </a:p>
@@ -12395,7 +12362,7 @@
                 <a:tabLst/>
                 <a:defRPr/>
               </a:pPr>
-              <a:t>05.07.2023</a:t>
+              <a:t>21.07.2023</a:t>
             </a:fld>
             <a:endParaRPr kumimoji="0" lang="de-DE" sz="1800" b="0" i="0" u="none" strike="noStrike" kern="1200" cap="none" spc="0" normalizeH="0" baseline="0" noProof="0" dirty="0">
               <a:ln>
@@ -12970,7 +12937,7 @@
                 <a:tabLst/>
                 <a:defRPr/>
               </a:pPr>
-              <a:t>05.07.2023</a:t>
+              <a:t>21.07.2023</a:t>
             </a:fld>
             <a:endParaRPr kumimoji="0" lang="de-DE" sz="1800" b="0" i="0" u="none" strike="noStrike" kern="1200" cap="none" spc="0" normalizeH="0" baseline="0" noProof="0" dirty="0">
               <a:ln>
@@ -13724,7 +13691,7 @@
                 <a:tabLst/>
                 <a:defRPr/>
               </a:pPr>
-              <a:t>05.07.2023</a:t>
+              <a:t>21.07.2023</a:t>
             </a:fld>
             <a:endParaRPr kumimoji="0" lang="de-DE" sz="1800" b="0" i="0" u="none" strike="noStrike" kern="1200" cap="none" spc="0" normalizeH="0" baseline="0" noProof="0" dirty="0">
               <a:ln>
@@ -14315,7 +14282,7 @@
                 <a:tabLst/>
                 <a:defRPr/>
               </a:pPr>
-              <a:t>05.07.2023</a:t>
+              <a:t>21.07.2023</a:t>
             </a:fld>
             <a:endParaRPr kumimoji="0" lang="de-DE" sz="1800" b="0" i="0" u="none" strike="noStrike" kern="1200" cap="none" spc="0" normalizeH="0" baseline="0" noProof="0" dirty="0">
               <a:ln>
@@ -14875,7 +14842,7 @@
                 <a:tabLst/>
                 <a:defRPr/>
               </a:pPr>
-              <a:t>05.07.2023</a:t>
+              <a:t>21.07.2023</a:t>
             </a:fld>
             <a:endParaRPr kumimoji="0" lang="de-DE" sz="1800" b="0" i="0" u="none" strike="noStrike" kern="1200" cap="none" spc="0" normalizeH="0" baseline="0" noProof="0" dirty="0">
               <a:ln>
@@ -15073,7 +15040,7 @@
                 <a:tabLst/>
                 <a:defRPr/>
               </a:pPr>
-              <a:t>05.07.2023</a:t>
+              <a:t>21.07.2023</a:t>
             </a:fld>
             <a:endParaRPr kumimoji="0" lang="de-DE" sz="1800" b="0" i="0" u="none" strike="noStrike" kern="1200" cap="none" spc="0" normalizeH="0" baseline="0" noProof="0" dirty="0">
               <a:ln>
@@ -15537,7 +15504,7 @@
                 <a:tabLst/>
                 <a:defRPr/>
               </a:pPr>
-              <a:t>05.07.2023</a:t>
+              <a:t>21.07.2023</a:t>
             </a:fld>
             <a:endParaRPr kumimoji="0" lang="de-DE" sz="1800" b="0" i="0" u="none" strike="noStrike" kern="1200" cap="none" spc="0" normalizeH="0" baseline="0" noProof="0" dirty="0">
               <a:ln>

--- a/Seminar/Bachelorseminar_02-07-2023.pptx
+++ b/Seminar/Bachelorseminar_02-07-2023.pptx
@@ -219,7 +219,7 @@
           <a:p>
             <a:fld id="{A2DD4E1C-547B-4546-95CE-121FDA015484}" type="datetimeFigureOut">
               <a:rPr lang="de-DE" smtClean="0"/>
-              <a:t>21.07.2023</a:t>
+              <a:t>02.08.2023</a:t>
             </a:fld>
             <a:endParaRPr lang="de-DE"/>
           </a:p>
@@ -1384,7 +1384,7 @@
             <a:fld id="{6F1E101A-BD3B-B542-8690-1916D72F307E}" type="datetime1">
               <a:rPr lang="de-DE" smtClean="0"/>
               <a:pPr/>
-              <a:t>21.07.2023</a:t>
+              <a:t>02.08.2023</a:t>
             </a:fld>
             <a:endParaRPr lang="de-DE" dirty="0"/>
           </a:p>
@@ -1540,7 +1540,7 @@
           <a:p>
             <a:fld id="{8F26348B-845F-9447-ACF0-EB8A1B8AE0E8}" type="datetime1">
               <a:rPr lang="de-DE" smtClean="0"/>
-              <a:t>21.07.2023</a:t>
+              <a:t>02.08.2023</a:t>
             </a:fld>
             <a:endParaRPr lang="de-DE" dirty="0"/>
           </a:p>
@@ -1793,7 +1793,7 @@
           <a:p>
             <a:fld id="{6F1E101A-BD3B-B542-8690-1916D72F307E}" type="datetime1">
               <a:rPr lang="de-DE" smtClean="0"/>
-              <a:t>21.07.2023</a:t>
+              <a:t>02.08.2023</a:t>
             </a:fld>
             <a:endParaRPr lang="de-DE" dirty="0"/>
           </a:p>
@@ -2032,7 +2032,7 @@
           <a:p>
             <a:fld id="{6F1E101A-BD3B-B542-8690-1916D72F307E}" type="datetime1">
               <a:rPr lang="de-DE" smtClean="0"/>
-              <a:t>21.07.2023</a:t>
+              <a:t>02.08.2023</a:t>
             </a:fld>
             <a:endParaRPr lang="de-DE" dirty="0"/>
           </a:p>
@@ -2418,7 +2418,7 @@
           <a:p>
             <a:fld id="{6F1E101A-BD3B-B542-8690-1916D72F307E}" type="datetime1">
               <a:rPr lang="de-DE" smtClean="0"/>
-              <a:t>21.07.2023</a:t>
+              <a:t>02.08.2023</a:t>
             </a:fld>
             <a:endParaRPr lang="de-DE" dirty="0"/>
           </a:p>
@@ -2767,7 +2767,7 @@
           <a:p>
             <a:fld id="{6F1E101A-BD3B-B542-8690-1916D72F307E}" type="datetime1">
               <a:rPr lang="de-DE" smtClean="0"/>
-              <a:t>21.07.2023</a:t>
+              <a:t>02.08.2023</a:t>
             </a:fld>
             <a:endParaRPr lang="de-DE" dirty="0"/>
           </a:p>
@@ -3229,7 +3229,7 @@
             <a:fld id="{6F1E101A-BD3B-B542-8690-1916D72F307E}" type="datetime1">
               <a:rPr lang="de-DE" smtClean="0"/>
               <a:pPr/>
-              <a:t>21.07.2023</a:t>
+              <a:t>02.08.2023</a:t>
             </a:fld>
             <a:endParaRPr lang="de-DE" dirty="0"/>
           </a:p>
@@ -3423,7 +3423,7 @@
             <a:fld id="{6F1E101A-BD3B-B542-8690-1916D72F307E}" type="datetime1">
               <a:rPr lang="de-DE" smtClean="0"/>
               <a:pPr/>
-              <a:t>21.07.2023</a:t>
+              <a:t>02.08.2023</a:t>
             </a:fld>
             <a:endParaRPr lang="de-DE" dirty="0"/>
           </a:p>
@@ -3667,7 +3667,7 @@
             <a:fld id="{6F1E101A-BD3B-B542-8690-1916D72F307E}" type="datetime1">
               <a:rPr lang="de-DE" smtClean="0"/>
               <a:pPr/>
-              <a:t>21.07.2023</a:t>
+              <a:t>02.08.2023</a:t>
             </a:fld>
             <a:endParaRPr lang="de-DE" dirty="0"/>
           </a:p>
@@ -3982,7 +3982,7 @@
             <a:fld id="{6F1E101A-BD3B-B542-8690-1916D72F307E}" type="datetime1">
               <a:rPr lang="de-DE" smtClean="0"/>
               <a:pPr/>
-              <a:t>21.07.2023</a:t>
+              <a:t>02.08.2023</a:t>
             </a:fld>
             <a:endParaRPr lang="de-DE" dirty="0"/>
           </a:p>
@@ -4517,7 +4517,7 @@
             <a:fld id="{6F1E101A-BD3B-B542-8690-1916D72F307E}" type="datetime1">
               <a:rPr lang="de-DE" smtClean="0"/>
               <a:pPr/>
-              <a:t>21.07.2023</a:t>
+              <a:t>02.08.2023</a:t>
             </a:fld>
             <a:endParaRPr lang="de-DE" dirty="0"/>
           </a:p>
@@ -4903,7 +4903,7 @@
             <a:fld id="{6F1E101A-BD3B-B542-8690-1916D72F307E}" type="datetime1">
               <a:rPr lang="de-DE" smtClean="0"/>
               <a:pPr/>
-              <a:t>21.07.2023</a:t>
+              <a:t>02.08.2023</a:t>
             </a:fld>
             <a:endParaRPr lang="de-DE" dirty="0"/>
           </a:p>
@@ -5210,7 +5210,7 @@
           <a:p>
             <a:fld id="{6F1E101A-BD3B-B542-8690-1916D72F307E}" type="datetime1">
               <a:rPr lang="de-DE" smtClean="0"/>
-              <a:t>21.07.2023</a:t>
+              <a:t>02.08.2023</a:t>
             </a:fld>
             <a:endParaRPr lang="de-DE" dirty="0"/>
           </a:p>
@@ -5329,7 +5329,7 @@
           <a:p>
             <a:fld id="{6F1E101A-BD3B-B542-8690-1916D72F307E}" type="datetime1">
               <a:rPr lang="de-DE" smtClean="0"/>
-              <a:t>21.07.2023</a:t>
+              <a:t>02.08.2023</a:t>
             </a:fld>
             <a:endParaRPr lang="de-DE" dirty="0"/>
           </a:p>
@@ -5552,7 +5552,7 @@
             <a:fld id="{6F1E101A-BD3B-B542-8690-1916D72F307E}" type="datetime1">
               <a:rPr lang="de-DE" smtClean="0"/>
               <a:pPr/>
-              <a:t>21.07.2023</a:t>
+              <a:t>02.08.2023</a:t>
             </a:fld>
             <a:endParaRPr lang="de-DE" dirty="0"/>
           </a:p>
@@ -6229,7 +6229,7 @@
           <a:p>
             <a:fld id="{6F1E101A-BD3B-B542-8690-1916D72F307E}" type="datetime1">
               <a:rPr lang="de-DE" smtClean="0"/>
-              <a:t>21.07.2023</a:t>
+              <a:t>02.08.2023</a:t>
             </a:fld>
             <a:endParaRPr lang="de-DE" dirty="0"/>
           </a:p>
@@ -7547,7 +7547,7 @@
             <a:fld id="{6F1E101A-BD3B-B542-8690-1916D72F307E}" type="datetime1">
               <a:rPr lang="de-DE" smtClean="0"/>
               <a:pPr/>
-              <a:t>21.07.2023</a:t>
+              <a:t>02.08.2023</a:t>
             </a:fld>
             <a:endParaRPr lang="de-DE" dirty="0"/>
           </a:p>
@@ -7754,7 +7754,7 @@
                 <a:tabLst/>
                 <a:defRPr/>
               </a:pPr>
-              <a:t>21.07.2023</a:t>
+              <a:t>02.08.2023</a:t>
             </a:fld>
             <a:endParaRPr kumimoji="0" lang="de-DE" sz="1800" b="0" i="0" u="none" strike="noStrike" kern="1200" cap="none" spc="0" normalizeH="0" baseline="0" noProof="0" dirty="0">
               <a:ln>
@@ -7915,7 +7915,7 @@
                 <a:tabLst/>
                 <a:defRPr/>
               </a:pPr>
-              <a:t>21.07.2023</a:t>
+              <a:t>02.08.2023</a:t>
             </a:fld>
             <a:endParaRPr kumimoji="0" lang="de-DE" sz="1800" b="0" i="0" u="none" strike="noStrike" kern="1200" cap="none" spc="0" normalizeH="0" baseline="0" noProof="0" dirty="0">
               <a:ln>
@@ -8704,7 +8704,7 @@
                 <a:tabLst/>
                 <a:defRPr/>
               </a:pPr>
-              <a:t>21.07.2023</a:t>
+              <a:t>02.08.2023</a:t>
             </a:fld>
             <a:endParaRPr kumimoji="0" lang="de-DE" sz="1800" b="0" i="0" u="none" strike="noStrike" kern="1200" cap="none" spc="0" normalizeH="0" baseline="0" noProof="0" dirty="0">
               <a:ln>
@@ -9248,7 +9248,7 @@
                 <a:tabLst/>
                 <a:defRPr/>
               </a:pPr>
-              <a:t>21.07.2023</a:t>
+              <a:t>02.08.2023</a:t>
             </a:fld>
             <a:endParaRPr kumimoji="0" lang="de-DE" sz="1800" b="0" i="0" u="none" strike="noStrike" kern="1200" cap="none" spc="0" normalizeH="0" baseline="0" noProof="0" dirty="0">
               <a:ln>
@@ -9540,7 +9540,7 @@
                 <a:tabLst/>
                 <a:defRPr/>
               </a:pPr>
-              <a:t>21.07.2023</a:t>
+              <a:t>02.08.2023</a:t>
             </a:fld>
             <a:endParaRPr kumimoji="0" lang="de-DE" sz="1800" b="0" i="0" u="none" strike="noStrike" kern="1200" cap="none" spc="0" normalizeH="0" baseline="0" noProof="0" dirty="0">
               <a:ln>
@@ -9795,7 +9795,7 @@
                 <a:tabLst/>
                 <a:defRPr/>
               </a:pPr>
-              <a:t>21.07.2023</a:t>
+              <a:t>02.08.2023</a:t>
             </a:fld>
             <a:endParaRPr kumimoji="0" lang="de-DE" sz="1800" b="0" i="0" u="none" strike="noStrike" kern="1200" cap="none" spc="0" normalizeH="0" baseline="0" noProof="0" dirty="0">
               <a:ln>
@@ -9993,7 +9993,7 @@
                 <a:tabLst/>
                 <a:defRPr/>
               </a:pPr>
-              <a:t>21.07.2023</a:t>
+              <a:t>02.08.2023</a:t>
             </a:fld>
             <a:endParaRPr kumimoji="0" lang="de-DE" sz="1800" b="0" i="0" u="none" strike="noStrike" kern="1200" cap="none" spc="0" normalizeH="0" baseline="0" noProof="0" dirty="0">
               <a:ln>
@@ -10379,7 +10379,7 @@
                 <a:tabLst/>
                 <a:defRPr/>
               </a:pPr>
-              <a:t>21.07.2023</a:t>
+              <a:t>02.08.2023</a:t>
             </a:fld>
             <a:endParaRPr kumimoji="0" lang="de-DE" sz="1800" b="0" i="0" u="none" strike="noStrike" kern="1200" cap="none" spc="0" normalizeH="0" baseline="0" noProof="0" dirty="0">
               <a:ln>
@@ -10896,7 +10896,7 @@
                 <a:tabLst/>
                 <a:defRPr/>
               </a:pPr>
-              <a:t>21.07.2023</a:t>
+              <a:t>02.08.2023</a:t>
             </a:fld>
             <a:endParaRPr kumimoji="0" lang="de-DE" sz="1800" b="0" i="0" u="none" strike="noStrike" kern="1200" cap="none" spc="0" normalizeH="0" baseline="0" noProof="0" dirty="0">
               <a:ln>
@@ -11124,7 +11124,7 @@
                 <a:tabLst/>
                 <a:defRPr/>
               </a:pPr>
-              <a:t>21.07.2023</a:t>
+              <a:t>02.08.2023</a:t>
             </a:fld>
             <a:endParaRPr kumimoji="0" lang="de-DE" sz="1800" b="0" i="0" u="none" strike="noStrike" kern="1200" cap="none" spc="0" normalizeH="0" baseline="0" noProof="0" dirty="0">
               <a:ln>
@@ -11548,7 +11548,7 @@
                 <a:tabLst/>
                 <a:defRPr/>
               </a:pPr>
-              <a:t>21.07.2023</a:t>
+              <a:t>02.08.2023</a:t>
             </a:fld>
             <a:endParaRPr kumimoji="0" lang="de-DE" sz="1800" b="0" i="0" u="none" strike="noStrike" kern="1200" cap="none" spc="0" normalizeH="0" baseline="0" noProof="0" dirty="0">
               <a:ln>
@@ -11746,7 +11746,7 @@
                 <a:tabLst/>
                 <a:defRPr/>
               </a:pPr>
-              <a:t>21.07.2023</a:t>
+              <a:t>02.08.2023</a:t>
             </a:fld>
             <a:endParaRPr kumimoji="0" lang="de-DE" sz="1800" b="0" i="0" u="none" strike="noStrike" kern="1200" cap="none" spc="0" normalizeH="0" baseline="0" noProof="0" dirty="0">
               <a:ln>
@@ -12132,7 +12132,7 @@
             <a:fld id="{6F1E101A-BD3B-B542-8690-1916D72F307E}" type="datetime1">
               <a:rPr lang="de-DE" smtClean="0"/>
               <a:pPr/>
-              <a:t>21.07.2023</a:t>
+              <a:t>02.08.2023</a:t>
             </a:fld>
             <a:endParaRPr lang="de-DE" dirty="0"/>
           </a:p>
@@ -12362,7 +12362,7 @@
                 <a:tabLst/>
                 <a:defRPr/>
               </a:pPr>
-              <a:t>21.07.2023</a:t>
+              <a:t>02.08.2023</a:t>
             </a:fld>
             <a:endParaRPr kumimoji="0" lang="de-DE" sz="1800" b="0" i="0" u="none" strike="noStrike" kern="1200" cap="none" spc="0" normalizeH="0" baseline="0" noProof="0" dirty="0">
               <a:ln>
@@ -12937,7 +12937,7 @@
                 <a:tabLst/>
                 <a:defRPr/>
               </a:pPr>
-              <a:t>21.07.2023</a:t>
+              <a:t>02.08.2023</a:t>
             </a:fld>
             <a:endParaRPr kumimoji="0" lang="de-DE" sz="1800" b="0" i="0" u="none" strike="noStrike" kern="1200" cap="none" spc="0" normalizeH="0" baseline="0" noProof="0" dirty="0">
               <a:ln>
@@ -13691,7 +13691,7 @@
                 <a:tabLst/>
                 <a:defRPr/>
               </a:pPr>
-              <a:t>21.07.2023</a:t>
+              <a:t>02.08.2023</a:t>
             </a:fld>
             <a:endParaRPr kumimoji="0" lang="de-DE" sz="1800" b="0" i="0" u="none" strike="noStrike" kern="1200" cap="none" spc="0" normalizeH="0" baseline="0" noProof="0" dirty="0">
               <a:ln>
@@ -14282,7 +14282,7 @@
                 <a:tabLst/>
                 <a:defRPr/>
               </a:pPr>
-              <a:t>21.07.2023</a:t>
+              <a:t>02.08.2023</a:t>
             </a:fld>
             <a:endParaRPr kumimoji="0" lang="de-DE" sz="1800" b="0" i="0" u="none" strike="noStrike" kern="1200" cap="none" spc="0" normalizeH="0" baseline="0" noProof="0" dirty="0">
               <a:ln>
@@ -14842,7 +14842,7 @@
                 <a:tabLst/>
                 <a:defRPr/>
               </a:pPr>
-              <a:t>21.07.2023</a:t>
+              <a:t>02.08.2023</a:t>
             </a:fld>
             <a:endParaRPr kumimoji="0" lang="de-DE" sz="1800" b="0" i="0" u="none" strike="noStrike" kern="1200" cap="none" spc="0" normalizeH="0" baseline="0" noProof="0" dirty="0">
               <a:ln>
@@ -15040,7 +15040,7 @@
                 <a:tabLst/>
                 <a:defRPr/>
               </a:pPr>
-              <a:t>21.07.2023</a:t>
+              <a:t>02.08.2023</a:t>
             </a:fld>
             <a:endParaRPr kumimoji="0" lang="de-DE" sz="1800" b="0" i="0" u="none" strike="noStrike" kern="1200" cap="none" spc="0" normalizeH="0" baseline="0" noProof="0" dirty="0">
               <a:ln>
@@ -15504,7 +15504,7 @@
                 <a:tabLst/>
                 <a:defRPr/>
               </a:pPr>
-              <a:t>21.07.2023</a:t>
+              <a:t>02.08.2023</a:t>
             </a:fld>
             <a:endParaRPr kumimoji="0" lang="de-DE" sz="1800" b="0" i="0" u="none" strike="noStrike" kern="1200" cap="none" spc="0" normalizeH="0" baseline="0" noProof="0" dirty="0">
               <a:ln>

--- a/Seminar/Bachelorseminar_02-07-2023.pptx
+++ b/Seminar/Bachelorseminar_02-07-2023.pptx
@@ -219,7 +219,7 @@
           <a:p>
             <a:fld id="{A2DD4E1C-547B-4546-95CE-121FDA015484}" type="datetimeFigureOut">
               <a:rPr lang="de-DE" smtClean="0"/>
-              <a:t>02.08.2023</a:t>
+              <a:t>19.08.2023</a:t>
             </a:fld>
             <a:endParaRPr lang="de-DE"/>
           </a:p>
@@ -1384,7 +1384,7 @@
             <a:fld id="{6F1E101A-BD3B-B542-8690-1916D72F307E}" type="datetime1">
               <a:rPr lang="de-DE" smtClean="0"/>
               <a:pPr/>
-              <a:t>02.08.2023</a:t>
+              <a:t>19.08.2023</a:t>
             </a:fld>
             <a:endParaRPr lang="de-DE" dirty="0"/>
           </a:p>
@@ -1540,7 +1540,7 @@
           <a:p>
             <a:fld id="{8F26348B-845F-9447-ACF0-EB8A1B8AE0E8}" type="datetime1">
               <a:rPr lang="de-DE" smtClean="0"/>
-              <a:t>02.08.2023</a:t>
+              <a:t>19.08.2023</a:t>
             </a:fld>
             <a:endParaRPr lang="de-DE" dirty="0"/>
           </a:p>
@@ -1793,7 +1793,7 @@
           <a:p>
             <a:fld id="{6F1E101A-BD3B-B542-8690-1916D72F307E}" type="datetime1">
               <a:rPr lang="de-DE" smtClean="0"/>
-              <a:t>02.08.2023</a:t>
+              <a:t>19.08.2023</a:t>
             </a:fld>
             <a:endParaRPr lang="de-DE" dirty="0"/>
           </a:p>
@@ -2032,7 +2032,7 @@
           <a:p>
             <a:fld id="{6F1E101A-BD3B-B542-8690-1916D72F307E}" type="datetime1">
               <a:rPr lang="de-DE" smtClean="0"/>
-              <a:t>02.08.2023</a:t>
+              <a:t>19.08.2023</a:t>
             </a:fld>
             <a:endParaRPr lang="de-DE" dirty="0"/>
           </a:p>
@@ -2418,7 +2418,7 @@
           <a:p>
             <a:fld id="{6F1E101A-BD3B-B542-8690-1916D72F307E}" type="datetime1">
               <a:rPr lang="de-DE" smtClean="0"/>
-              <a:t>02.08.2023</a:t>
+              <a:t>19.08.2023</a:t>
             </a:fld>
             <a:endParaRPr lang="de-DE" dirty="0"/>
           </a:p>
@@ -2767,7 +2767,7 @@
           <a:p>
             <a:fld id="{6F1E101A-BD3B-B542-8690-1916D72F307E}" type="datetime1">
               <a:rPr lang="de-DE" smtClean="0"/>
-              <a:t>02.08.2023</a:t>
+              <a:t>19.08.2023</a:t>
             </a:fld>
             <a:endParaRPr lang="de-DE" dirty="0"/>
           </a:p>
@@ -3229,7 +3229,7 @@
             <a:fld id="{6F1E101A-BD3B-B542-8690-1916D72F307E}" type="datetime1">
               <a:rPr lang="de-DE" smtClean="0"/>
               <a:pPr/>
-              <a:t>02.08.2023</a:t>
+              <a:t>19.08.2023</a:t>
             </a:fld>
             <a:endParaRPr lang="de-DE" dirty="0"/>
           </a:p>
@@ -3423,7 +3423,7 @@
             <a:fld id="{6F1E101A-BD3B-B542-8690-1916D72F307E}" type="datetime1">
               <a:rPr lang="de-DE" smtClean="0"/>
               <a:pPr/>
-              <a:t>02.08.2023</a:t>
+              <a:t>19.08.2023</a:t>
             </a:fld>
             <a:endParaRPr lang="de-DE" dirty="0"/>
           </a:p>
@@ -3667,7 +3667,7 @@
             <a:fld id="{6F1E101A-BD3B-B542-8690-1916D72F307E}" type="datetime1">
               <a:rPr lang="de-DE" smtClean="0"/>
               <a:pPr/>
-              <a:t>02.08.2023</a:t>
+              <a:t>19.08.2023</a:t>
             </a:fld>
             <a:endParaRPr lang="de-DE" dirty="0"/>
           </a:p>
@@ -3982,7 +3982,7 @@
             <a:fld id="{6F1E101A-BD3B-B542-8690-1916D72F307E}" type="datetime1">
               <a:rPr lang="de-DE" smtClean="0"/>
               <a:pPr/>
-              <a:t>02.08.2023</a:t>
+              <a:t>19.08.2023</a:t>
             </a:fld>
             <a:endParaRPr lang="de-DE" dirty="0"/>
           </a:p>
@@ -4517,7 +4517,7 @@
             <a:fld id="{6F1E101A-BD3B-B542-8690-1916D72F307E}" type="datetime1">
               <a:rPr lang="de-DE" smtClean="0"/>
               <a:pPr/>
-              <a:t>02.08.2023</a:t>
+              <a:t>19.08.2023</a:t>
             </a:fld>
             <a:endParaRPr lang="de-DE" dirty="0"/>
           </a:p>
@@ -4903,7 +4903,7 @@
             <a:fld id="{6F1E101A-BD3B-B542-8690-1916D72F307E}" type="datetime1">
               <a:rPr lang="de-DE" smtClean="0"/>
               <a:pPr/>
-              <a:t>02.08.2023</a:t>
+              <a:t>19.08.2023</a:t>
             </a:fld>
             <a:endParaRPr lang="de-DE" dirty="0"/>
           </a:p>
@@ -5210,7 +5210,7 @@
           <a:p>
             <a:fld id="{6F1E101A-BD3B-B542-8690-1916D72F307E}" type="datetime1">
               <a:rPr lang="de-DE" smtClean="0"/>
-              <a:t>02.08.2023</a:t>
+              <a:t>19.08.2023</a:t>
             </a:fld>
             <a:endParaRPr lang="de-DE" dirty="0"/>
           </a:p>
@@ -5329,7 +5329,7 @@
           <a:p>
             <a:fld id="{6F1E101A-BD3B-B542-8690-1916D72F307E}" type="datetime1">
               <a:rPr lang="de-DE" smtClean="0"/>
-              <a:t>02.08.2023</a:t>
+              <a:t>19.08.2023</a:t>
             </a:fld>
             <a:endParaRPr lang="de-DE" dirty="0"/>
           </a:p>
@@ -5552,7 +5552,7 @@
             <a:fld id="{6F1E101A-BD3B-B542-8690-1916D72F307E}" type="datetime1">
               <a:rPr lang="de-DE" smtClean="0"/>
               <a:pPr/>
-              <a:t>02.08.2023</a:t>
+              <a:t>19.08.2023</a:t>
             </a:fld>
             <a:endParaRPr lang="de-DE" dirty="0"/>
           </a:p>
@@ -6229,7 +6229,7 @@
           <a:p>
             <a:fld id="{6F1E101A-BD3B-B542-8690-1916D72F307E}" type="datetime1">
               <a:rPr lang="de-DE" smtClean="0"/>
-              <a:t>02.08.2023</a:t>
+              <a:t>19.08.2023</a:t>
             </a:fld>
             <a:endParaRPr lang="de-DE" dirty="0"/>
           </a:p>
@@ -7547,7 +7547,7 @@
             <a:fld id="{6F1E101A-BD3B-B542-8690-1916D72F307E}" type="datetime1">
               <a:rPr lang="de-DE" smtClean="0"/>
               <a:pPr/>
-              <a:t>02.08.2023</a:t>
+              <a:t>19.08.2023</a:t>
             </a:fld>
             <a:endParaRPr lang="de-DE" dirty="0"/>
           </a:p>
@@ -7754,7 +7754,7 @@
                 <a:tabLst/>
                 <a:defRPr/>
               </a:pPr>
-              <a:t>02.08.2023</a:t>
+              <a:t>19.08.2023</a:t>
             </a:fld>
             <a:endParaRPr kumimoji="0" lang="de-DE" sz="1800" b="0" i="0" u="none" strike="noStrike" kern="1200" cap="none" spc="0" normalizeH="0" baseline="0" noProof="0" dirty="0">
               <a:ln>
@@ -7915,7 +7915,7 @@
                 <a:tabLst/>
                 <a:defRPr/>
               </a:pPr>
-              <a:t>02.08.2023</a:t>
+              <a:t>19.08.2023</a:t>
             </a:fld>
             <a:endParaRPr kumimoji="0" lang="de-DE" sz="1800" b="0" i="0" u="none" strike="noStrike" kern="1200" cap="none" spc="0" normalizeH="0" baseline="0" noProof="0" dirty="0">
               <a:ln>
@@ -8704,7 +8704,7 @@
                 <a:tabLst/>
                 <a:defRPr/>
               </a:pPr>
-              <a:t>02.08.2023</a:t>
+              <a:t>19.08.2023</a:t>
             </a:fld>
             <a:endParaRPr kumimoji="0" lang="de-DE" sz="1800" b="0" i="0" u="none" strike="noStrike" kern="1200" cap="none" spc="0" normalizeH="0" baseline="0" noProof="0" dirty="0">
               <a:ln>
@@ -9248,7 +9248,7 @@
                 <a:tabLst/>
                 <a:defRPr/>
               </a:pPr>
-              <a:t>02.08.2023</a:t>
+              <a:t>19.08.2023</a:t>
             </a:fld>
             <a:endParaRPr kumimoji="0" lang="de-DE" sz="1800" b="0" i="0" u="none" strike="noStrike" kern="1200" cap="none" spc="0" normalizeH="0" baseline="0" noProof="0" dirty="0">
               <a:ln>
@@ -9540,7 +9540,7 @@
                 <a:tabLst/>
                 <a:defRPr/>
               </a:pPr>
-              <a:t>02.08.2023</a:t>
+              <a:t>19.08.2023</a:t>
             </a:fld>
             <a:endParaRPr kumimoji="0" lang="de-DE" sz="1800" b="0" i="0" u="none" strike="noStrike" kern="1200" cap="none" spc="0" normalizeH="0" baseline="0" noProof="0" dirty="0">
               <a:ln>
@@ -9795,7 +9795,7 @@
                 <a:tabLst/>
                 <a:defRPr/>
               </a:pPr>
-              <a:t>02.08.2023</a:t>
+              <a:t>19.08.2023</a:t>
             </a:fld>
             <a:endParaRPr kumimoji="0" lang="de-DE" sz="1800" b="0" i="0" u="none" strike="noStrike" kern="1200" cap="none" spc="0" normalizeH="0" baseline="0" noProof="0" dirty="0">
               <a:ln>
@@ -9993,7 +9993,7 @@
                 <a:tabLst/>
                 <a:defRPr/>
               </a:pPr>
-              <a:t>02.08.2023</a:t>
+              <a:t>19.08.2023</a:t>
             </a:fld>
             <a:endParaRPr kumimoji="0" lang="de-DE" sz="1800" b="0" i="0" u="none" strike="noStrike" kern="1200" cap="none" spc="0" normalizeH="0" baseline="0" noProof="0" dirty="0">
               <a:ln>
@@ -10379,7 +10379,7 @@
                 <a:tabLst/>
                 <a:defRPr/>
               </a:pPr>
-              <a:t>02.08.2023</a:t>
+              <a:t>19.08.2023</a:t>
             </a:fld>
             <a:endParaRPr kumimoji="0" lang="de-DE" sz="1800" b="0" i="0" u="none" strike="noStrike" kern="1200" cap="none" spc="0" normalizeH="0" baseline="0" noProof="0" dirty="0">
               <a:ln>
@@ -10896,7 +10896,7 @@
                 <a:tabLst/>
                 <a:defRPr/>
               </a:pPr>
-              <a:t>02.08.2023</a:t>
+              <a:t>19.08.2023</a:t>
             </a:fld>
             <a:endParaRPr kumimoji="0" lang="de-DE" sz="1800" b="0" i="0" u="none" strike="noStrike" kern="1200" cap="none" spc="0" normalizeH="0" baseline="0" noProof="0" dirty="0">
               <a:ln>
@@ -11124,7 +11124,7 @@
                 <a:tabLst/>
                 <a:defRPr/>
               </a:pPr>
-              <a:t>02.08.2023</a:t>
+              <a:t>19.08.2023</a:t>
             </a:fld>
             <a:endParaRPr kumimoji="0" lang="de-DE" sz="1800" b="0" i="0" u="none" strike="noStrike" kern="1200" cap="none" spc="0" normalizeH="0" baseline="0" noProof="0" dirty="0">
               <a:ln>
@@ -11548,7 +11548,7 @@
                 <a:tabLst/>
                 <a:defRPr/>
               </a:pPr>
-              <a:t>02.08.2023</a:t>
+              <a:t>19.08.2023</a:t>
             </a:fld>
             <a:endParaRPr kumimoji="0" lang="de-DE" sz="1800" b="0" i="0" u="none" strike="noStrike" kern="1200" cap="none" spc="0" normalizeH="0" baseline="0" noProof="0" dirty="0">
               <a:ln>
@@ -11746,7 +11746,7 @@
                 <a:tabLst/>
                 <a:defRPr/>
               </a:pPr>
-              <a:t>02.08.2023</a:t>
+              <a:t>19.08.2023</a:t>
             </a:fld>
             <a:endParaRPr kumimoji="0" lang="de-DE" sz="1800" b="0" i="0" u="none" strike="noStrike" kern="1200" cap="none" spc="0" normalizeH="0" baseline="0" noProof="0" dirty="0">
               <a:ln>
@@ -12132,7 +12132,7 @@
             <a:fld id="{6F1E101A-BD3B-B542-8690-1916D72F307E}" type="datetime1">
               <a:rPr lang="de-DE" smtClean="0"/>
               <a:pPr/>
-              <a:t>02.08.2023</a:t>
+              <a:t>19.08.2023</a:t>
             </a:fld>
             <a:endParaRPr lang="de-DE" dirty="0"/>
           </a:p>
@@ -12362,7 +12362,7 @@
                 <a:tabLst/>
                 <a:defRPr/>
               </a:pPr>
-              <a:t>02.08.2023</a:t>
+              <a:t>19.08.2023</a:t>
             </a:fld>
             <a:endParaRPr kumimoji="0" lang="de-DE" sz="1800" b="0" i="0" u="none" strike="noStrike" kern="1200" cap="none" spc="0" normalizeH="0" baseline="0" noProof="0" dirty="0">
               <a:ln>
@@ -12937,7 +12937,7 @@
                 <a:tabLst/>
                 <a:defRPr/>
               </a:pPr>
-              <a:t>02.08.2023</a:t>
+              <a:t>19.08.2023</a:t>
             </a:fld>
             <a:endParaRPr kumimoji="0" lang="de-DE" sz="1800" b="0" i="0" u="none" strike="noStrike" kern="1200" cap="none" spc="0" normalizeH="0" baseline="0" noProof="0" dirty="0">
               <a:ln>
@@ -13691,7 +13691,7 @@
                 <a:tabLst/>
                 <a:defRPr/>
               </a:pPr>
-              <a:t>02.08.2023</a:t>
+              <a:t>19.08.2023</a:t>
             </a:fld>
             <a:endParaRPr kumimoji="0" lang="de-DE" sz="1800" b="0" i="0" u="none" strike="noStrike" kern="1200" cap="none" spc="0" normalizeH="0" baseline="0" noProof="0" dirty="0">
               <a:ln>
@@ -14282,7 +14282,7 @@
                 <a:tabLst/>
                 <a:defRPr/>
               </a:pPr>
-              <a:t>02.08.2023</a:t>
+              <a:t>19.08.2023</a:t>
             </a:fld>
             <a:endParaRPr kumimoji="0" lang="de-DE" sz="1800" b="0" i="0" u="none" strike="noStrike" kern="1200" cap="none" spc="0" normalizeH="0" baseline="0" noProof="0" dirty="0">
               <a:ln>
@@ -14842,7 +14842,7 @@
                 <a:tabLst/>
                 <a:defRPr/>
               </a:pPr>
-              <a:t>02.08.2023</a:t>
+              <a:t>19.08.2023</a:t>
             </a:fld>
             <a:endParaRPr kumimoji="0" lang="de-DE" sz="1800" b="0" i="0" u="none" strike="noStrike" kern="1200" cap="none" spc="0" normalizeH="0" baseline="0" noProof="0" dirty="0">
               <a:ln>
@@ -15040,7 +15040,7 @@
                 <a:tabLst/>
                 <a:defRPr/>
               </a:pPr>
-              <a:t>02.08.2023</a:t>
+              <a:t>19.08.2023</a:t>
             </a:fld>
             <a:endParaRPr kumimoji="0" lang="de-DE" sz="1800" b="0" i="0" u="none" strike="noStrike" kern="1200" cap="none" spc="0" normalizeH="0" baseline="0" noProof="0" dirty="0">
               <a:ln>
@@ -15504,7 +15504,7 @@
                 <a:tabLst/>
                 <a:defRPr/>
               </a:pPr>
-              <a:t>02.08.2023</a:t>
+              <a:t>19.08.2023</a:t>
             </a:fld>
             <a:endParaRPr kumimoji="0" lang="de-DE" sz="1800" b="0" i="0" u="none" strike="noStrike" kern="1200" cap="none" spc="0" normalizeH="0" baseline="0" noProof="0" dirty="0">
               <a:ln>
